--- a/lectures/lecture-10/Lecture-Live B00/Lecture 10 - Lecture.pptx
+++ b/lectures/lecture-10/Lecture-Live B00/Lecture 10 - Lecture.pptx
@@ -154,6 +154,1292 @@
     </p:ext>
   </p:extLst>
 </p:presentation>
+</file>
+
+<file path=ppt/ink/ink1.xml><?xml version="1.0" encoding="utf-8"?>
+<inkml:ink xmlns:inkml="http://www.w3.org/2003/InkML">
+  <inkml:definitions>
+    <inkml:context xml:id="ctx0">
+      <inkml:inkSource xml:id="inkSrc0">
+        <inkml:traceFormat>
+          <inkml:channel name="X" type="integer" min="-2.14748E9" max="2.14748E9" units="cm"/>
+          <inkml:channel name="Y" type="integer" min="-2.14748E9" max="2.14748E9" units="cm"/>
+          <inkml:channel name="F" type="integer" max="32767" units="dev"/>
+          <inkml:channel name="OA" type="integer" max="360" units="deg"/>
+          <inkml:channel name="OE" type="integer" max="90" units="deg"/>
+        </inkml:traceFormat>
+        <inkml:channelProperties>
+          <inkml:channelProperty channel="X" name="resolution" value="1000" units="1/cm"/>
+          <inkml:channelProperty channel="Y" name="resolution" value="1000" units="1/cm"/>
+          <inkml:channelProperty channel="F" name="resolution" value="0" units="1/dev"/>
+          <inkml:channelProperty channel="OA" name="resolution" value="1000" units="1/deg"/>
+          <inkml:channelProperty channel="OE" name="resolution" value="1000" units="1/deg"/>
+        </inkml:channelProperties>
+      </inkml:inkSource>
+      <inkml:timestamp xml:id="ts0" timeString="2020-10-23T17:00:33.844"/>
+    </inkml:context>
+    <inkml:brush xml:id="br0">
+      <inkml:brushProperty name="width" value="0.05" units="cm"/>
+      <inkml:brushProperty name="height" value="0.05" units="cm"/>
+      <inkml:brushProperty name="color" value="#E71224"/>
+    </inkml:brush>
+  </inkml:definitions>
+  <inkml:trace contextRef="#ctx0" brushRef="#br0">34 6 3224 0 0,'0'0'4444'0'0,"-17"-5"-1304"0"0,16 5-3012 0 0,0 0 1 0 0,0 0-1 0 0,0 0 1 0 0,0 0-1 0 0,1 0 1 0 0,-1 0-1 0 0,0 0 1 0 0,0 0-1 0 0,0 0 1 0 0,1 0-1 0 0,-1 1 1 0 0,0-1-1 0 0,0 0 1 0 0,0 1-1 0 0,1-1 1 0 0,-2 1-1 0 0,1-1-63 0 0,1 1 0 0 0,0-1-1 0 0,0 0 1 0 0,0 1 0 0 0,0-1 0 0 0,0 0 0 0 0,-1 1-1 0 0,1-1 1 0 0,0 0 0 0 0,0 1 0 0 0,0-1-1 0 0,0 0 1 0 0,0 1 0 0 0,0-1 0 0 0,0 0-1 0 0,0 1 1 0 0,0-1 0 0 0,0 0 0 0 0,0 1-1 0 0,1-1 1 0 0,-1 0 0 0 0,0 1 0 0 0,0-1 0 0 0,0 0-1 0 0,0 1 1 0 0,0-1 0 0 0,1 0 0 0 0,-1 1-1 0 0,0-1 1 0 0,0 0 0 0 0,1 0 0 0 0,-1 1-1 0 0,0-1 1 0 0,0 0 0 0 0,1 0 0 0 0,-1 0-1 0 0,0 1 1 0 0,0-1 0 0 0,1 0 0 0 0,0 0 0 0 0,2 2 55 0 0,1 0 0 0 0,-1 0 0 0 0,1-1 0 0 0,0 1 0 0 0,0-1 0 0 0,0 0 0 0 0,0 0 0 0 0,0-1 0 0 0,0 1 0 0 0,7-1 0 0 0,8 2 239 0 0,16 3 163 0 0,0-1 0 0 0,0-2 0 0 0,38-2 0 0 0,-26-2-175 0 0,0 2 0 0 0,0 3-1 0 0,-1 1 1 0 0,65 15 0 0 0,-72-13 249 0 0,1-2 0 0 0,0-2 1 0 0,52-3-1 0 0,-26 0-691 0 0,173-18 149 0 0,-51 1 1412 0 0,-54 16-805 0 0,24-1-458 0 0,-116 2-85 0 0,1 3-1 0 0,-1 1 0 0 0,0 2 1 0 0,0 2-1 0 0,46 14 0 0 0,-49-13-9 0 0,59 4 0 0 0,-16-3-17 0 0,139 40 229 0 0,-185-41-59 0 0,68 7 1 0 0,-44-8-121 0 0,66 5-48 0 0,-41-10-5 0 0,-18-6 568 0 0,32-16 16 0 0,-40 7-216 0 0,4 7-248 0 0,-2-7-480 0 0,-55 12 272 0 0,-5 1-95 0 0,-1 0 0 0 0,0 0-1 0 0,1 0 1 0 0,-1 0 0 0 0,1 0 0 0 0,-1 0 0 0 0,1 0-1 0 0,-1 0 1 0 0,0 0 0 0 0,1 0 0 0 0,-1 0-1 0 0,1 0 1 0 0,-1-1 0 0 0,0 1 0 0 0,1 0-1 0 0,-1 0 1 0 0,0 0 0 0 0,1-1 0 0 0,-1 1 0 0 0,1 0-1 0 0,-1 0 1 0 0,0-1 0 0 0,0 1 0 0 0,1 0-1 0 0,-1-1 1 0 0,0 1 0 0 0,1-1 0 0 0,-1 1-100 0 0,0 0 1 0 0,3-3-2531 0 0,-2 3 2530 0 0,-1 0 0 0 0,0 0 1 0 0,0 0-1 0 0,1 0 1 0 0,-1 0-1 0 0,0 0 0 0 0,1 0 1 0 0,-1 0-1 0 0,0 0 0 0 0,0 0 1 0 0,1 0-1 0 0,-1 0 1 0 0,0 0-1 0 0,0 0 0 0 0,1 0 1 0 0,-1 1-1 0 0,1-1 0 0 0</inkml:trace>
+</inkml:ink>
+</file>
+
+<file path=ppt/ink/ink10.xml><?xml version="1.0" encoding="utf-8"?>
+<inkml:ink xmlns:inkml="http://www.w3.org/2003/InkML">
+  <inkml:definitions>
+    <inkml:context xml:id="ctx0">
+      <inkml:inkSource xml:id="inkSrc0">
+        <inkml:traceFormat>
+          <inkml:channel name="X" type="integer" min="-2.14748E9" max="2.14748E9" units="cm"/>
+          <inkml:channel name="Y" type="integer" min="-2.14748E9" max="2.14748E9" units="cm"/>
+          <inkml:channel name="F" type="integer" max="32767" units="dev"/>
+          <inkml:channel name="OA" type="integer" max="360" units="deg"/>
+          <inkml:channel name="OE" type="integer" max="90" units="deg"/>
+        </inkml:traceFormat>
+        <inkml:channelProperties>
+          <inkml:channelProperty channel="X" name="resolution" value="1000" units="1/cm"/>
+          <inkml:channelProperty channel="Y" name="resolution" value="1000" units="1/cm"/>
+          <inkml:channelProperty channel="F" name="resolution" value="0" units="1/dev"/>
+          <inkml:channelProperty channel="OA" name="resolution" value="1000" units="1/deg"/>
+          <inkml:channelProperty channel="OE" name="resolution" value="1000" units="1/deg"/>
+        </inkml:channelProperties>
+      </inkml:inkSource>
+      <inkml:timestamp xml:id="ts0" timeString="2020-10-23T17:00:42.235"/>
+    </inkml:context>
+    <inkml:brush xml:id="br0">
+      <inkml:brushProperty name="width" value="0.05" units="cm"/>
+      <inkml:brushProperty name="height" value="0.05" units="cm"/>
+      <inkml:brushProperty name="color" value="#E71224"/>
+    </inkml:brush>
+  </inkml:definitions>
+  <inkml:trace contextRef="#ctx0" brushRef="#br0">0 1 21191 0 0,'0'0'2328'0'0</inkml:trace>
+</inkml:ink>
+</file>
+
+<file path=ppt/ink/ink11.xml><?xml version="1.0" encoding="utf-8"?>
+<inkml:ink xmlns:inkml="http://www.w3.org/2003/InkML">
+  <inkml:definitions>
+    <inkml:context xml:id="ctx0">
+      <inkml:inkSource xml:id="inkSrc0">
+        <inkml:traceFormat>
+          <inkml:channel name="X" type="integer" min="-2.14748E9" max="2.14748E9" units="cm"/>
+          <inkml:channel name="Y" type="integer" min="-2.14748E9" max="2.14748E9" units="cm"/>
+          <inkml:channel name="F" type="integer" max="32767" units="dev"/>
+          <inkml:channel name="OA" type="integer" max="360" units="deg"/>
+          <inkml:channel name="OE" type="integer" max="90" units="deg"/>
+        </inkml:traceFormat>
+        <inkml:channelProperties>
+          <inkml:channelProperty channel="X" name="resolution" value="1000" units="1/cm"/>
+          <inkml:channelProperty channel="Y" name="resolution" value="1000" units="1/cm"/>
+          <inkml:channelProperty channel="F" name="resolution" value="0" units="1/dev"/>
+          <inkml:channelProperty channel="OA" name="resolution" value="1000" units="1/deg"/>
+          <inkml:channelProperty channel="OE" name="resolution" value="1000" units="1/deg"/>
+        </inkml:channelProperties>
+      </inkml:inkSource>
+      <inkml:timestamp xml:id="ts0" timeString="2020-10-23T17:00:42.589"/>
+    </inkml:context>
+    <inkml:brush xml:id="br0">
+      <inkml:brushProperty name="width" value="0.05" units="cm"/>
+      <inkml:brushProperty name="height" value="0.05" units="cm"/>
+      <inkml:brushProperty name="color" value="#E71224"/>
+    </inkml:brush>
+  </inkml:definitions>
+  <inkml:trace contextRef="#ctx0" brushRef="#br0">200 18 6912 0 0,'-3'1'322'0'0,"0"-1"0"0"0,0 1 0 0 0,0-1 0 0 0,0 0 0 0 0,0 0 0 0 0,0 0-1 0 0,-6-1 1 0 0,8 1 49 0 0,0-1 0 0 0,-1 0 0 0 0,1 1 0 0 0,-1-1 0 0 0,1 0-1 0 0,0 0 1 0 0,0 0 0 0 0,-1 1 0 0 0,1-1 0 0 0,0-1 0 0 0,0 1-1 0 0,0 0 1 0 0,0 0 0 0 0,0 0 0 0 0,0 0 0 0 0,-1-4 2099 0 0,0 5-1886 0 0,0 1-1 0 0,0-1 1 0 0,0 1-1 0 0,-1-1 1 0 0,1 1-1 0 0,0-1 1 0 0,0 1-1 0 0,-2 1 0 0 0,-27 19-731 0 0,22-15 569 0 0,1 0-321 0 0,0 1 0 0 0,1-1 0 0 0,-1 2-1 0 0,1-1 1 0 0,1 1 0 0 0,0 0 0 0 0,0 0 0 0 0,0 0-1 0 0,1 1 1 0 0,1 0 0 0 0,-1 0 0 0 0,-4 16 0 0 0,8-22 71 0 0,1 0 1 0 0,-1 1 0 0 0,1-1 0 0 0,0 0 0 0 0,0 1 0 0 0,0-1-1 0 0,1 5 1 0 0,-1-8-142 0 0,0 0-1 0 0,0 1 0 0 0,0-1 1 0 0,0 0-1 0 0,1 0 1 0 0,-1 1-1 0 0,0-1 0 0 0,0 0 1 0 0,0 0-1 0 0,0 0 1 0 0,1 1-1 0 0,-1-1 1 0 0,0 0-1 0 0,0 0 0 0 0,1 0 1 0 0,-1 0-1 0 0,0 1 1 0 0,0-1-1 0 0,1 0 0 0 0,-1 0 1 0 0,0 0-1 0 0,0 0 1 0 0,1 0-1 0 0,-1 0 0 0 0,0 0 1 0 0,1 0-1 0 0,-1 0 1 0 0,0 0-1 0 0,0 0 0 0 0,1 0 1 0 0,-1 0-1 0 0,0 0 1 0 0,1 0-1 0 0,-1 0 0 0 0,0 0 1 0 0,0 0-1 0 0,1 0 1 0 0,-1 0-1 0 0,0 0 0 0 0,0-1 1 0 0,1 1-1 0 0,9-5 311 0 0,10-11 281 0 0,29-31 0 0 0,-19 16-257 0 0,34-42-2041 0 0,-61 68 251 0 0</inkml:trace>
+</inkml:ink>
+</file>
+
+<file path=ppt/ink/ink12.xml><?xml version="1.0" encoding="utf-8"?>
+<inkml:ink xmlns:inkml="http://www.w3.org/2003/InkML">
+  <inkml:definitions>
+    <inkml:context xml:id="ctx0">
+      <inkml:inkSource xml:id="inkSrc0">
+        <inkml:traceFormat>
+          <inkml:channel name="X" type="integer" min="-2.14748E9" max="2.14748E9" units="cm"/>
+          <inkml:channel name="Y" type="integer" min="-2.14748E9" max="2.14748E9" units="cm"/>
+          <inkml:channel name="F" type="integer" max="32767" units="dev"/>
+          <inkml:channel name="OA" type="integer" max="360" units="deg"/>
+          <inkml:channel name="OE" type="integer" max="90" units="deg"/>
+        </inkml:traceFormat>
+        <inkml:channelProperties>
+          <inkml:channelProperty channel="X" name="resolution" value="1000" units="1/cm"/>
+          <inkml:channelProperty channel="Y" name="resolution" value="1000" units="1/cm"/>
+          <inkml:channelProperty channel="F" name="resolution" value="0" units="1/dev"/>
+          <inkml:channelProperty channel="OA" name="resolution" value="1000" units="1/deg"/>
+          <inkml:channelProperty channel="OE" name="resolution" value="1000" units="1/deg"/>
+        </inkml:channelProperties>
+      </inkml:inkSource>
+      <inkml:timestamp xml:id="ts0" timeString="2020-10-23T17:00:42.941"/>
+    </inkml:context>
+    <inkml:brush xml:id="br0">
+      <inkml:brushProperty name="width" value="0.05" units="cm"/>
+      <inkml:brushProperty name="height" value="0.05" units="cm"/>
+      <inkml:brushProperty name="color" value="#E71224"/>
+    </inkml:brush>
+  </inkml:definitions>
+  <inkml:trace contextRef="#ctx0" brushRef="#br0">0 158 21103 0 0,'0'0'1027'0'0,"9"-10"246"0"0,15-28-146 0 0,42-56 4637 0 0,-64 91-5660 0 0,-1 1-91 0 0,0 1 0 0 0,0 0-1 0 0,0 0 1 0 0,-1 0 0 0 0,1 0 0 0 0,0 0 0 0 0,0 0 0 0 0,1 1-1 0 0,-1-1 1 0 0,2-1 0 0 0,1 2-1 0 0,-2 3-32 0 0,0 0 0 0 0,0 0 0 0 0,-1 0-1 0 0,1 1 1 0 0,-1-1 0 0 0,0 0 0 0 0,0 0 0 0 0,0 1 0 0 0,-1-1 0 0 0,1 1-1 0 0,-1-1 1 0 0,0 5 0 0 0,3 12 6 0 0,0-9 5 0 0,-1 1-1 0 0,1 0-1 0 0,0 0 1 0 0,1-1 0 0 0,8 18 0 0 0,-12-28 15 0 0,1 0-1 0 0,-1 0 1 0 0,1 0-1 0 0,-1 0 1 0 0,1-1-1 0 0,0 1 1 0 0,0 0-1 0 0,-1 0 1 0 0,1-1-1 0 0,0 1 1 0 0,0 0-1 0 0,0-1 1 0 0,0 1-1 0 0,0-1 1 0 0,0 1-1 0 0,0-1 1 0 0,0 1-1 0 0,0-1 1 0 0,0 0 0 0 0,0 0-1 0 0,0 1 1 0 0,1-1-1 0 0,0 0 17 0 0,0 0 0 0 0,0-1 0 0 0,0 1 0 0 0,0 0 1 0 0,0-1-1 0 0,0 1 0 0 0,0-1 0 0 0,0 0 0 0 0,0 0 0 0 0,3-1 0 0 0,1-3 53 0 0,1 1-1 0 0,-1-1 1 0 0,0 0-1 0 0,9-10 1 0 0,-10 10-79 0 0,9-11-623 0 0,1 0 1 0 0,0 2-1 0 0,1 0 0 0 0,19-13 0 0 0,-19 16-1244 0 0,2-1-72 0 0</inkml:trace>
+</inkml:ink>
+</file>
+
+<file path=ppt/ink/ink13.xml><?xml version="1.0" encoding="utf-8"?>
+<inkml:ink xmlns:inkml="http://www.w3.org/2003/InkML">
+  <inkml:definitions>
+    <inkml:context xml:id="ctx0">
+      <inkml:inkSource xml:id="inkSrc0">
+        <inkml:traceFormat>
+          <inkml:channel name="X" type="integer" min="-2.14748E9" max="2.14748E9" units="cm"/>
+          <inkml:channel name="Y" type="integer" min="-2.14748E9" max="2.14748E9" units="cm"/>
+          <inkml:channel name="F" type="integer" max="32767" units="dev"/>
+          <inkml:channel name="OA" type="integer" max="360" units="deg"/>
+          <inkml:channel name="OE" type="integer" max="90" units="deg"/>
+        </inkml:traceFormat>
+        <inkml:channelProperties>
+          <inkml:channelProperty channel="X" name="resolution" value="1000" units="1/cm"/>
+          <inkml:channelProperty channel="Y" name="resolution" value="1000" units="1/cm"/>
+          <inkml:channelProperty channel="F" name="resolution" value="0" units="1/dev"/>
+          <inkml:channelProperty channel="OA" name="resolution" value="1000" units="1/deg"/>
+          <inkml:channelProperty channel="OE" name="resolution" value="1000" units="1/deg"/>
+        </inkml:channelProperties>
+      </inkml:inkSource>
+      <inkml:timestamp xml:id="ts0" timeString="2020-10-23T17:00:43.274"/>
+    </inkml:context>
+    <inkml:brush xml:id="br0">
+      <inkml:brushProperty name="width" value="0.05" units="cm"/>
+      <inkml:brushProperty name="height" value="0.05" units="cm"/>
+      <inkml:brushProperty name="color" value="#E71224"/>
+    </inkml:brush>
+  </inkml:definitions>
+  <inkml:trace contextRef="#ctx0" brushRef="#br0">20 4 7832 0 0,'0'-4'18379'0'0,"-2"7"-18226"0"0,0 0-1 0 0,1 1 1 0 0,0-1-1 0 0,0 0 1 0 0,0 0-1 0 0,0 1 1 0 0,1-1-1 0 0,-1 0 1 0 0,1 1-1 0 0,-1-1 1 0 0,1 1 0 0 0,1-1-1 0 0,-1 0 1 0 0,0 1-1 0 0,1-1 1 0 0,-1 0-1 0 0,1 1 1 0 0,0-1-1 0 0,3 6 1 0 0,0-3-35 0 0,0 0 1 0 0,1 0 0 0 0,0-1-1 0 0,0 1 1 0 0,0-1-1 0 0,1 0 1 0 0,0-1 0 0 0,11 8-1 0 0,-7-5 313 0 0,-1 0-1 0 0,10 9 0 0 0,-18-15-427 0 0,0 0 0 0 0,0 0 0 0 0,-1 1 0 0 0,1-1 0 0 0,0 0 0 0 0,-1 0 0 0 0,1 0 0 0 0,-1 1 0 0 0,1-1 0 0 0,-1 0 0 0 0,0 1 0 0 0,1-1 0 0 0,-1 0 0 0 0,0 1 0 0 0,0-1 0 0 0,0 0 0 0 0,0 1 0 0 0,0-1 0 0 0,0 0 0 0 0,-1 1 0 0 0,1-1 0 0 0,0 0 0 0 0,-1 1 0 0 0,1-1 0 0 0,-1 0 0 0 0,1 0 0 0 0,-1 1 0 0 0,1-1 0 0 0,-1 0 0 0 0,0 0 0 0 0,0 0 0 0 0,0 0 0 0 0,-1 2 0 0 0,-2 1-2 0 0,0 1-1 0 0,-1 0 1 0 0,1-1 0 0 0,-1 0 0 0 0,-10 7 0 0 0,7-7-428 0 0,0 0 0 0 0,-17 6 0 0 0,7-3-401 0 0,4-1-351 0 0</inkml:trace>
+</inkml:ink>
+</file>
+
+<file path=ppt/ink/ink14.xml><?xml version="1.0" encoding="utf-8"?>
+<inkml:ink xmlns:inkml="http://www.w3.org/2003/InkML">
+  <inkml:definitions>
+    <inkml:context xml:id="ctx0">
+      <inkml:inkSource xml:id="inkSrc0">
+        <inkml:traceFormat>
+          <inkml:channel name="X" type="integer" min="-2.14748E9" max="2.14748E9" units="cm"/>
+          <inkml:channel name="Y" type="integer" min="-2.14748E9" max="2.14748E9" units="cm"/>
+          <inkml:channel name="F" type="integer" max="32767" units="dev"/>
+          <inkml:channel name="OA" type="integer" max="360" units="deg"/>
+          <inkml:channel name="OE" type="integer" max="90" units="deg"/>
+        </inkml:traceFormat>
+        <inkml:channelProperties>
+          <inkml:channelProperty channel="X" name="resolution" value="1000" units="1/cm"/>
+          <inkml:channelProperty channel="Y" name="resolution" value="1000" units="1/cm"/>
+          <inkml:channelProperty channel="F" name="resolution" value="0" units="1/dev"/>
+          <inkml:channelProperty channel="OA" name="resolution" value="1000" units="1/deg"/>
+          <inkml:channelProperty channel="OE" name="resolution" value="1000" units="1/deg"/>
+        </inkml:channelProperties>
+      </inkml:inkSource>
+      <inkml:timestamp xml:id="ts0" timeString="2020-10-23T17:00:52.076"/>
+    </inkml:context>
+    <inkml:brush xml:id="br0">
+      <inkml:brushProperty name="width" value="0.05" units="cm"/>
+      <inkml:brushProperty name="height" value="0.05" units="cm"/>
+      <inkml:brushProperty name="color" value="#E71224"/>
+    </inkml:brush>
+  </inkml:definitions>
+  <inkml:trace contextRef="#ctx0" brushRef="#br0">77 97 10536 0 0,'0'0'505'0'0,"-1"-8"139"0"0,0 2-1393 0 0,0-4 8062 0 0,1 14-6136 0 0,0-1-1332 0 0,-6 173 616 0 0,4-143-434 0 0,-3 17 115 0 0,-1-1-1 0 0,-18 67 0 0 0,23-110 34 0 0,0 0 0 0 0,-1 0 0 0 0,0-1 0 0 0,0 1 0 0 0,-1 0 0 0 0,1-1 0 0 0,-7 8 0 0 0,6-28 665 0 0,-1-23-142 0 0,2 0 0 0 0,3-44 0 0 0,13-75-312 0 0,-10 132-236 0 0,0 0 0 0 0,1 0 0 0 0,13-35 0 0 0,-15 55-92 0 0,-1-1 1 0 0,1 0-1 0 0,0 1 0 0 0,1-1 0 0 0,-1 1 1 0 0,1 0-1 0 0,0 0 0 0 0,1 1 0 0 0,-1-1 0 0 0,1 1 1 0 0,0 0-1 0 0,0 0 0 0 0,0 1 0 0 0,0-1 1 0 0,1 1-1 0 0,-1 0 0 0 0,1 0 0 0 0,9-2 0 0 0,-10 3-17 0 0,0 1 0 0 0,0 0 0 0 0,0 0 0 0 0,1 0 0 0 0,-1 1 0 0 0,0-1 0 0 0,0 1 0 0 0,0 1 0 0 0,1-1 0 0 0,-1 1 0 0 0,0 0 0 0 0,0 0 0 0 0,0 0 0 0 0,0 0 0 0 0,0 1 0 0 0,0 0 0 0 0,0 0-1 0 0,-1 1 1 0 0,1-1 0 0 0,-1 1 0 0 0,0 0 0 0 0,6 5 0 0 0,-8-6-32 0 0,1 0-1 0 0,-1 0 1 0 0,0 1-1 0 0,0-1 1 0 0,0 1-1 0 0,0 0 1 0 0,0 0-1 0 0,-1 0 1 0 0,1 0-1 0 0,-1 0 1 0 0,1 0 0 0 0,-1 0-1 0 0,0 0 1 0 0,0 0-1 0 0,0 4 1 0 0,-1 2 60 0 0,0 0 1 0 0,0-1-1 0 0,-1 1 0 0 0,-3 13 1 0 0,4-21-58 0 0,-2 11 61 0 0,-1 0 0 0 0,0 0 0 0 0,-1-1 0 0 0,0 1 0 0 0,-1-1 0 0 0,0 0 0 0 0,-11 17 0 0 0,13-24-51 0 0,0 1 0 0 0,0-1 0 0 0,0 0 0 0 0,-1 0 0 0 0,1-1 0 0 0,-1 1 0 0 0,0-1 0 0 0,0 1 0 0 0,-1-1 0 0 0,1-1 0 0 0,0 1 0 0 0,-1-1 0 0 0,0 1 0 0 0,0-1 0 0 0,1-1 0 0 0,-1 1 0 0 0,0-1 0 0 0,0 1 0 0 0,-1-2 0 0 0,-9 2-1 0 0,13-2-72 0 0,0 0-1 0 0,-1 0 0 0 0,1-1 0 0 0,0 1 1 0 0,-1 0-1 0 0,1-1 0 0 0,0 0 0 0 0,-1 1 1 0 0,1-1-1 0 0,0 0 0 0 0,0 0 0 0 0,0 0 1 0 0,0-1-1 0 0,0 1 0 0 0,0 0 0 0 0,-3-4 0 0 0,3 3-375 0 0,0 0 0 0 0,0-1-1 0 0,0 1 1 0 0,1-1-1 0 0,0 0 1 0 0,-1 0 0 0 0,1 1-1 0 0,0-1 1 0 0,0 0-1 0 0,0 0 1 0 0,1 0-1 0 0,-1 0 1 0 0,0-4 0 0 0,1-10-7810 0 0</inkml:trace>
+</inkml:ink>
+</file>
+
+<file path=ppt/ink/ink15.xml><?xml version="1.0" encoding="utf-8"?>
+<inkml:ink xmlns:inkml="http://www.w3.org/2003/InkML">
+  <inkml:definitions>
+    <inkml:context xml:id="ctx0">
+      <inkml:inkSource xml:id="inkSrc0">
+        <inkml:traceFormat>
+          <inkml:channel name="X" type="integer" min="-2.14748E9" max="2.14748E9" units="cm"/>
+          <inkml:channel name="Y" type="integer" min="-2.14748E9" max="2.14748E9" units="cm"/>
+          <inkml:channel name="F" type="integer" max="32767" units="dev"/>
+          <inkml:channel name="OA" type="integer" max="360" units="deg"/>
+          <inkml:channel name="OE" type="integer" max="90" units="deg"/>
+        </inkml:traceFormat>
+        <inkml:channelProperties>
+          <inkml:channelProperty channel="X" name="resolution" value="1000" units="1/cm"/>
+          <inkml:channelProperty channel="Y" name="resolution" value="1000" units="1/cm"/>
+          <inkml:channelProperty channel="F" name="resolution" value="0" units="1/dev"/>
+          <inkml:channelProperty channel="OA" name="resolution" value="1000" units="1/deg"/>
+          <inkml:channelProperty channel="OE" name="resolution" value="1000" units="1/deg"/>
+        </inkml:channelProperties>
+      </inkml:inkSource>
+      <inkml:timestamp xml:id="ts0" timeString="2020-10-23T17:00:52.457"/>
+    </inkml:context>
+    <inkml:brush xml:id="br0">
+      <inkml:brushProperty name="width" value="0.05" units="cm"/>
+      <inkml:brushProperty name="height" value="0.05" units="cm"/>
+      <inkml:brushProperty name="color" value="#E71224"/>
+    </inkml:brush>
+  </inkml:definitions>
+  <inkml:trace contextRef="#ctx0" brushRef="#br0">0 15 7832 0 0,'0'-15'8735'0'0,"11"18"-7620"0"0,-5-2-1013 0 0,0 1 0 0 0,0 0 1 0 0,-1 0-1 0 0,1 1 0 0 0,0 0 0 0 0,-1 0 0 0 0,0 0 0 0 0,0 0 1 0 0,0 1-1 0 0,0 0 0 0 0,0 0 0 0 0,-1 0 0 0 0,1 1 0 0 0,-1-1 1 0 0,-1 1-1 0 0,1 0 0 0 0,5 10 0 0 0,-4-4 23 0 0,0 0 1 0 0,-1 0-1 0 0,0 0 0 0 0,-1 0 1 0 0,-1 1-1 0 0,1-1 0 0 0,-2 1 0 0 0,1 16 1 0 0,-1-2 73 0 0,-2 0 1 0 0,-1 0 0 0 0,-6 34-1 0 0,7-55 119 0 0,-1 1 0 0 0,0-1 0 0 0,0 0-1 0 0,0 0 1 0 0,-6 8 0 0 0,8-12-9 0 0,-3-11-33 0 0,2-1 0 0 0,0 0 0 0 0,0 1-1 0 0,1-1 1 0 0,0 1 0 0 0,1-1 0 0 0,0 0-1 0 0,3-11 1 0 0,1 1-39 0 0,1 1 0 0 0,0 0 1 0 0,11-22-1 0 0,-14 36-211 0 0,0 0 1 0 0,1 0-1 0 0,0 0 1 0 0,0 1-1 0 0,0-1 0 0 0,1 1 1 0 0,-1 0-1 0 0,1 0 1 0 0,0 1-1 0 0,1 0 1 0 0,-1-1-1 0 0,1 2 0 0 0,0-1 1 0 0,0 1-1 0 0,0 0 1 0 0,8-3-1 0 0,-11 5-184 0 0,1 1-1 0 0,-1-1 1 0 0,1 1-1 0 0,0 0 1 0 0,-1 0-1 0 0,1 0 1 0 0,-1 1-1 0 0,1-1 1 0 0,0 1-1 0 0,-1 0 1 0 0,1 0-1 0 0,-1 0 0 0 0,0 1 1 0 0,1-1-1 0 0,-1 1 1 0 0,0 0-1 0 0,0 0 1 0 0,0 0-1 0 0,0 0 1 0 0,0 0-1 0 0,0 0 1 0 0,-1 1-1 0 0,1 0 1 0 0,-1-1-1 0 0,0 1 1 0 0,2 3-1 0 0,-1-1-766 0 0,1-1 0 0 0,-1 1 0 0 0,1-1 0 0 0,0 0 0 0 0,0 0 0 0 0,0-1 0 0 0,6 5 1 0 0,0-2-1124 0 0</inkml:trace>
+</inkml:ink>
+</file>
+
+<file path=ppt/ink/ink16.xml><?xml version="1.0" encoding="utf-8"?>
+<inkml:ink xmlns:inkml="http://www.w3.org/2003/InkML">
+  <inkml:definitions>
+    <inkml:context xml:id="ctx0">
+      <inkml:inkSource xml:id="inkSrc0">
+        <inkml:traceFormat>
+          <inkml:channel name="X" type="integer" min="-2.14748E9" max="2.14748E9" units="cm"/>
+          <inkml:channel name="Y" type="integer" min="-2.14748E9" max="2.14748E9" units="cm"/>
+          <inkml:channel name="F" type="integer" max="32767" units="dev"/>
+          <inkml:channel name="OA" type="integer" max="360" units="deg"/>
+          <inkml:channel name="OE" type="integer" max="90" units="deg"/>
+        </inkml:traceFormat>
+        <inkml:channelProperties>
+          <inkml:channelProperty channel="X" name="resolution" value="1000" units="1/cm"/>
+          <inkml:channelProperty channel="Y" name="resolution" value="1000" units="1/cm"/>
+          <inkml:channelProperty channel="F" name="resolution" value="0" units="1/dev"/>
+          <inkml:channelProperty channel="OA" name="resolution" value="1000" units="1/deg"/>
+          <inkml:channelProperty channel="OE" name="resolution" value="1000" units="1/deg"/>
+        </inkml:channelProperties>
+      </inkml:inkSource>
+      <inkml:timestamp xml:id="ts0" timeString="2020-10-23T17:00:52.859"/>
+    </inkml:context>
+    <inkml:brush xml:id="br0">
+      <inkml:brushProperty name="width" value="0.05" units="cm"/>
+      <inkml:brushProperty name="height" value="0.05" units="cm"/>
+      <inkml:brushProperty name="color" value="#E71224"/>
+    </inkml:brush>
+  </inkml:definitions>
+  <inkml:trace contextRef="#ctx0" brushRef="#br0">128 7 10424 0 0,'0'0'1042'0'0,"-1"-1"-951"0"0,0 1 46 0 0,0-1 0 0 0,0 0 0 0 0,0 1 1 0 0,0-1-1 0 0,-1 1 0 0 0,1-1 0 0 0,0 1 0 0 0,0 0 0 0 0,-1-1 1 0 0,1 1-1 0 0,0 0 0 0 0,-1 0 0 0 0,1 0 0 0 0,0 0 0 0 0,-1 0 0 0 0,1 0 1 0 0,0 0-1 0 0,-1 0 0 0 0,1 1 0 0 0,0-1 0 0 0,0 1 0 0 0,-1-1 1 0 0,1 1-1 0 0,0-1 0 0 0,0 1 0 0 0,0-1 0 0 0,0 1 0 0 0,-1 0 1 0 0,1 0-1 0 0,0 0 0 0 0,0 0 0 0 0,-1 1 0 0 0,-2 3 198 0 0,-1 0-1 0 0,1 1 1 0 0,0 0 0 0 0,-5 10-1 0 0,6-11-131 0 0,-6 13 220 0 0,0 1-1 0 0,1 1 1 0 0,1 0-1 0 0,1 0 1 0 0,0 0-1 0 0,2 0 1 0 0,-3 27-1 0 0,7-40-220 0 0,0 0-1 0 0,0 0 0 0 0,0 0 0 0 0,2 8 0 0 0,-2-14-154 0 0,0 0 0 0 0,1 1 0 0 0,-1-1 0 0 0,0 0 0 0 0,1 0 0 0 0,-1 0 0 0 0,1 0 0 0 0,-1 0 0 0 0,1 0 0 0 0,0 1 0 0 0,-1-1 0 0 0,1-1 0 0 0,1 3 0 0 0,-1-3-30 0 0,-1 0 0 0 0,1 1 0 0 0,0-1 1 0 0,-1 0-1 0 0,1 0 0 0 0,0 1 1 0 0,-1-1-1 0 0,1 0 0 0 0,-1 0 1 0 0,1 0-1 0 0,0 0 0 0 0,-1 0 1 0 0,1 0-1 0 0,0 0 0 0 0,-1 0 1 0 0,1 0-1 0 0,0-1 0 0 0,-1 1 0 0 0,1 0 1 0 0,0 0-1 0 0,-1 0 0 0 0,1-1 1 0 0,-1 1-1 0 0,1 0 0 0 0,-1-1 1 0 0,1 1-1 0 0,0-1 0 0 0,4-2 63 0 0,-1-1 0 0 0,0 1-1 0 0,0-1 1 0 0,0 0 0 0 0,0 0 0 0 0,-1 0-1 0 0,7-10 1 0 0,16-37 1001 0 0,-14 27-984 0 0,-6 14 96 0 0,-1-1 0 0 0,0 1 0 0 0,-1-1 0 0 0,0-1 0 0 0,-1 1 0 0 0,0 0-1 0 0,0-1 1 0 0,0-20 0 0 0,-11 48 263 0 0,4-3-446 0 0,0 0 0 0 0,1 0 0 0 0,1 1 0 0 0,0-1 0 0 0,1 1 0 0 0,0 0 0 0 0,2 21 0 0 0,-1-33-42 0 0,0-1 0 0 0,1 0 1 0 0,-1 0-1 0 0,1 0 0 0 0,-1 0 0 0 0,0 0 0 0 0,1 0 0 0 0,0 0 0 0 0,-1 0 1 0 0,1 0-1 0 0,0 0 0 0 0,-1 0 0 0 0,1 0 0 0 0,0 0 0 0 0,0 0 1 0 0,0-1-1 0 0,0 1 0 0 0,0 0 0 0 0,0-1 0 0 0,0 1 0 0 0,0 0 0 0 0,0-1 1 0 0,0 1-1 0 0,0-1 0 0 0,0 0 0 0 0,0 1 0 0 0,1-1 0 0 0,-1 0 0 0 0,0 0 1 0 0,0 0-1 0 0,2 0 0 0 0,-1 0-258 0 0,-1 0 1 0 0,1 0-1 0 0,-1 0 0 0 0,1 0 1 0 0,-1-1-1 0 0,1 1 1 0 0,-1-1-1 0 0,1 1 0 0 0,-1-1 1 0 0,1 1-1 0 0,-1-1 0 0 0,0 0 1 0 0,1 0-1 0 0,-1 0 1 0 0,2-1-1 0 0,8-9-7832 0 0</inkml:trace>
+</inkml:ink>
+</file>
+
+<file path=ppt/ink/ink17.xml><?xml version="1.0" encoding="utf-8"?>
+<inkml:ink xmlns:inkml="http://www.w3.org/2003/InkML">
+  <inkml:definitions>
+    <inkml:context xml:id="ctx0">
+      <inkml:inkSource xml:id="inkSrc0">
+        <inkml:traceFormat>
+          <inkml:channel name="X" type="integer" min="-2.14748E9" max="2.14748E9" units="cm"/>
+          <inkml:channel name="Y" type="integer" min="-2.14748E9" max="2.14748E9" units="cm"/>
+          <inkml:channel name="F" type="integer" max="32767" units="dev"/>
+          <inkml:channel name="OA" type="integer" max="360" units="deg"/>
+          <inkml:channel name="OE" type="integer" max="90" units="deg"/>
+        </inkml:traceFormat>
+        <inkml:channelProperties>
+          <inkml:channelProperty channel="X" name="resolution" value="1000" units="1/cm"/>
+          <inkml:channelProperty channel="Y" name="resolution" value="1000" units="1/cm"/>
+          <inkml:channelProperty channel="F" name="resolution" value="0" units="1/dev"/>
+          <inkml:channelProperty channel="OA" name="resolution" value="1000" units="1/deg"/>
+          <inkml:channelProperty channel="OE" name="resolution" value="1000" units="1/deg"/>
+        </inkml:channelProperties>
+      </inkml:inkSource>
+      <inkml:timestamp xml:id="ts0" timeString="2020-10-23T17:00:53.223"/>
+    </inkml:context>
+    <inkml:brush xml:id="br0">
+      <inkml:brushProperty name="width" value="0.05" units="cm"/>
+      <inkml:brushProperty name="height" value="0.05" units="cm"/>
+      <inkml:brushProperty name="color" value="#E71224"/>
+    </inkml:brush>
+  </inkml:definitions>
+  <inkml:trace contextRef="#ctx0" brushRef="#br0">139 0 8752 0 0,'0'0'793'0'0,"-14"1"-376"0"0,12-1 141 0 0,0 1-1 0 0,0-1 1 0 0,0 1-1 0 0,0 0 1 0 0,0 0 0 0 0,0 0-1 0 0,0 0 1 0 0,0 0-1 0 0,0 0 1 0 0,-3 3-1 0 0,2-1 6 0 0,-1 1 0 0 0,1 0 0 0 0,0-1-1 0 0,-4 7 1 0 0,-1 3 90 0 0,1 1 0 0 0,-6 14-1 0 0,12-26-521 0 0,-9 23 532 0 0,0 1 0 0 0,2 0 1 0 0,1 0-1 0 0,-8 52 0 0 0,15-75-610 0 0,0 0 1 0 0,0 0-1 0 0,0 0 1 0 0,0 0-1 0 0,0-1 0 0 0,1 1 1 0 0,-1 0-1 0 0,1 0 1 0 0,0 0-1 0 0,0 0 1 0 0,0-1-1 0 0,0 1 0 0 0,0 0 1 0 0,4 4-1 0 0,-4-6-45 0 0,-1-1 0 0 0,1 1 0 0 0,0-1 0 0 0,0 1 0 0 0,0-1 0 0 0,0 0 0 0 0,0 1 0 0 0,0-1 0 0 0,0 0 0 0 0,0 0 0 0 0,0 0 1 0 0,0 0-1 0 0,0 0 0 0 0,1 0 0 0 0,-1 0 0 0 0,0 0 0 0 0,0 0 0 0 0,0 0 0 0 0,0-1 0 0 0,0 1 0 0 0,1-1 0 0 0,22-8 20 0 0,-24 9-29 0 0,18-9-109 0 0,-1 0-1 0 0,-1-1 1 0 0,0-1 0 0 0,26-22-1 0 0,-1-4-3157 0 0,-14 12-1628 0 0,1 2-2267 0 0</inkml:trace>
+</inkml:ink>
+</file>
+
+<file path=ppt/ink/ink18.xml><?xml version="1.0" encoding="utf-8"?>
+<inkml:ink xmlns:inkml="http://www.w3.org/2003/InkML">
+  <inkml:definitions>
+    <inkml:context xml:id="ctx0">
+      <inkml:inkSource xml:id="inkSrc0">
+        <inkml:traceFormat>
+          <inkml:channel name="X" type="integer" min="-2.14748E9" max="2.14748E9" units="cm"/>
+          <inkml:channel name="Y" type="integer" min="-2.14748E9" max="2.14748E9" units="cm"/>
+          <inkml:channel name="F" type="integer" max="32767" units="dev"/>
+          <inkml:channel name="OA" type="integer" max="360" units="deg"/>
+          <inkml:channel name="OE" type="integer" max="90" units="deg"/>
+        </inkml:traceFormat>
+        <inkml:channelProperties>
+          <inkml:channelProperty channel="X" name="resolution" value="1000" units="1/cm"/>
+          <inkml:channelProperty channel="Y" name="resolution" value="1000" units="1/cm"/>
+          <inkml:channelProperty channel="F" name="resolution" value="0" units="1/dev"/>
+          <inkml:channelProperty channel="OA" name="resolution" value="1000" units="1/deg"/>
+          <inkml:channelProperty channel="OE" name="resolution" value="1000" units="1/deg"/>
+        </inkml:channelProperties>
+      </inkml:inkSource>
+      <inkml:timestamp xml:id="ts0" timeString="2020-10-23T17:00:53.590"/>
+    </inkml:context>
+    <inkml:brush xml:id="br0">
+      <inkml:brushProperty name="width" value="0.05" units="cm"/>
+      <inkml:brushProperty name="height" value="0.05" units="cm"/>
+      <inkml:brushProperty name="color" value="#E71224"/>
+    </inkml:brush>
+  </inkml:definitions>
+  <inkml:trace contextRef="#ctx0" brushRef="#br0">138 1 16727 0 0,'0'0'1514'0'0,"1"1"-1072"0"0,2 4 29 0 0,0 1 1 0 0,-1 0-1 0 0,0 0 0 0 0,0 0 0 0 0,0 0 0 0 0,-1 0 0 0 0,0 0 0 0 0,0 1 0 0 0,0-1 0 0 0,-1 0 0 0 0,0 9 0 0 0,1 16 127 0 0,1 54 442 0 0,-1-9-543 0 0,3 30-208 0 0,6 56-66 0 0,-5-116-407 0 0,-5-44-770 0 0</inkml:trace>
+  <inkml:trace contextRef="#ctx0" brushRef="#br0" timeOffset="1">0 361 17303 0 0,'0'0'1572'0'0,"1"-1"-1294"0"0,10-2 128 0 0,0-1 0 0 0,0-1 1 0 0,14-9-1 0 0,6-2 694 0 0,26-11 377 0 0,30-13-2705 0 0,-67 32-356 0 0</inkml:trace>
+  <inkml:trace contextRef="#ctx0" brushRef="#br0" timeOffset="2">434 238 8752 0 0,'-11'21'384'0'0,"5"-9"88"0"0,0 1-376 0 0,1 3-96 0 0,-3 0 0 0 0,-1 4 0 0 0,-2 0 2272 0 0,-1 0 448 0 0,4 2 79 0 0,-3 3 17 0 0,-1-4-2016 0 0,4 1-400 0 0,0 1-80 0 0,2-3-24 0 0,0-3-296 0 0,3-4 0 0 0,3-3 0 0 0</inkml:trace>
+</inkml:ink>
+</file>
+
+<file path=ppt/ink/ink19.xml><?xml version="1.0" encoding="utf-8"?>
+<inkml:ink xmlns:inkml="http://www.w3.org/2003/InkML">
+  <inkml:definitions>
+    <inkml:context xml:id="ctx0">
+      <inkml:inkSource xml:id="inkSrc0">
+        <inkml:traceFormat>
+          <inkml:channel name="X" type="integer" min="-2.14748E9" max="2.14748E9" units="cm"/>
+          <inkml:channel name="Y" type="integer" min="-2.14748E9" max="2.14748E9" units="cm"/>
+          <inkml:channel name="F" type="integer" max="32767" units="dev"/>
+          <inkml:channel name="OA" type="integer" max="360" units="deg"/>
+          <inkml:channel name="OE" type="integer" max="90" units="deg"/>
+        </inkml:traceFormat>
+        <inkml:channelProperties>
+          <inkml:channelProperty channel="X" name="resolution" value="1000" units="1/cm"/>
+          <inkml:channelProperty channel="Y" name="resolution" value="1000" units="1/cm"/>
+          <inkml:channelProperty channel="F" name="resolution" value="0" units="1/dev"/>
+          <inkml:channelProperty channel="OA" name="resolution" value="1000" units="1/deg"/>
+          <inkml:channelProperty channel="OE" name="resolution" value="1000" units="1/deg"/>
+        </inkml:channelProperties>
+      </inkml:inkSource>
+      <inkml:timestamp xml:id="ts0" timeString="2020-10-23T17:00:53.914"/>
+    </inkml:context>
+    <inkml:brush xml:id="br0">
+      <inkml:brushProperty name="width" value="0.05" units="cm"/>
+      <inkml:brushProperty name="height" value="0.05" units="cm"/>
+      <inkml:brushProperty name="color" value="#E71224"/>
+    </inkml:brush>
+  </inkml:definitions>
+  <inkml:trace contextRef="#ctx0" brushRef="#br0">23 1 19295 0 0,'-8'0'2088'0'0,"2"2"-2088"0"0,4 3 0 0 0,-2 0 136 0 0,1-1-8 0 0,3 1-8 0 0,3 3 0 0 0,1 2-792 0 0,1-3-152 0 0,3 6-32 0 0,3-3-7047 0 0</inkml:trace>
+</inkml:ink>
+</file>
+
+<file path=ppt/ink/ink2.xml><?xml version="1.0" encoding="utf-8"?>
+<inkml:ink xmlns:inkml="http://www.w3.org/2003/InkML">
+  <inkml:definitions>
+    <inkml:context xml:id="ctx0">
+      <inkml:inkSource xml:id="inkSrc0">
+        <inkml:traceFormat>
+          <inkml:channel name="X" type="integer" min="-2.14748E9" max="2.14748E9" units="cm"/>
+          <inkml:channel name="Y" type="integer" min="-2.14748E9" max="2.14748E9" units="cm"/>
+          <inkml:channel name="F" type="integer" max="32767" units="dev"/>
+          <inkml:channel name="OA" type="integer" max="360" units="deg"/>
+          <inkml:channel name="OE" type="integer" max="90" units="deg"/>
+        </inkml:traceFormat>
+        <inkml:channelProperties>
+          <inkml:channelProperty channel="X" name="resolution" value="1000" units="1/cm"/>
+          <inkml:channelProperty channel="Y" name="resolution" value="1000" units="1/cm"/>
+          <inkml:channelProperty channel="F" name="resolution" value="0" units="1/dev"/>
+          <inkml:channelProperty channel="OA" name="resolution" value="1000" units="1/deg"/>
+          <inkml:channelProperty channel="OE" name="resolution" value="1000" units="1/deg"/>
+        </inkml:channelProperties>
+      </inkml:inkSource>
+      <inkml:timestamp xml:id="ts0" timeString="2020-10-23T17:00:35.515"/>
+    </inkml:context>
+    <inkml:brush xml:id="br0">
+      <inkml:brushProperty name="width" value="0.05" units="cm"/>
+      <inkml:brushProperty name="height" value="0.05" units="cm"/>
+      <inkml:brushProperty name="color" value="#E71224"/>
+    </inkml:brush>
+  </inkml:definitions>
+  <inkml:trace contextRef="#ctx0" brushRef="#br0">23 101 7368 0 0,'0'0'3912'0'0,"-23"5"8175"0"0,64-5-10607 0 0,101-2-57 0 0,-105 0-1298 0 0,-1 2 0 0 0,1 2 0 0 0,0 1 0 0 0,45 10 0 0 0,-66-10-103 0 0,1-1-1 0 0,22-1 0 0 0,-7-4 213 0 0,-33 2-215 0 0,0 1 0 0 0,0-1 0 0 0,0 1 1 0 0,0-1-1 0 0,1 1 0 0 0,-1-1 0 0 0,0 0 1 0 0,0 1-1 0 0,1-1 0 0 0,-1 0 0 0 0,1 0 1 0 0,-2-1-1 0 0,-4-5 30 0 0,-25-13 6 0 0,-38-23 85 0 0,53 35-130 0 0,0 0 0 0 0,0 1 0 0 0,0 1 0 0 0,-28-7-1 0 0,44 13-8 0 0,-1 0 0 0 0,1 0-1 0 0,0 0 1 0 0,-1 0-1 0 0,1 0 1 0 0,0-1-1 0 0,-1 1 1 0 0,1 0-1 0 0,0 0 1 0 0,-1 0 0 0 0,1 0-1 0 0,0 0 1 0 0,-1 0-1 0 0,1 0 1 0 0,0 0-1 0 0,-1 0 1 0 0,1 0-1 0 0,0 0 1 0 0,-1 1 0 0 0,1-1-1 0 0,0 0 1 0 0,-1 0-1 0 0,1 0 1 0 0,0 0-1 0 0,-1 0 1 0 0,1 1-1 0 0,5 5 62 0 0,15 6 36 0 0,-7-8-129 0 0,0-1 0 0 0,0-1 0 0 0,0 0 0 0 0,0-1 0 0 0,0 0 0 0 0,0-1 0 0 0,23-2 0 0 0,-29 1 51 0 0,0 1-1 0 0,-1 1 1 0 0,12 1-1 0 0,8 0 154 0 0,4-2 389 0 0,-21-1-459 0 0,0 0 1 0 0,1 1-1 0 0,-1 0 1 0 0,1 1-1 0 0,-1 0 0 0 0,0 0 1 0 0,18 6-1 0 0,-27-7-96 0 0,1 0-1 0 0,-1 0 1 0 0,1 1-1 0 0,0-1 1 0 0,-1 0-1 0 0,1 1 1 0 0,-1-1-1 0 0,1 0 1 0 0,-1 1-1 0 0,1-1 1 0 0,-1 1-1 0 0,1-1 1 0 0,-1 1-1 0 0,1-1 1 0 0,-1 1-1 0 0,1-1 1 0 0,-1 1-1 0 0,0-1 1 0 0,1 1-1 0 0,-1-1 1 0 0,0 1-1 0 0,0 0 1 0 0,1-1-1 0 0,-1 1 1 0 0,0 0-1 0 0,0-1 1 0 0,0 1-1 0 0,0 0 1 0 0,0-1-1 0 0,0 1 1 0 0,0 0-1 0 0,0-1 1 0 0,0 1-1 0 0,0 0 1 0 0,0-1-1 0 0,0 1 1 0 0,-1 0-1 0 0,-1 3 50 0 0,1-1 0 0 0,-1 0 0 0 0,0 0 0 0 0,0 0 0 0 0,-5 5 0 0 0,-1 1 9 0 0,-15 27-54 0 0,-2 3 28 0 0,-2-1 0 0 0,-33 36 0 0 0,58-72-334 0 0,1-1 1 0 0,-1 1-1 0 0,0-1 0 0 0,0 1 1 0 0,0-1-1 0 0,-4 3 0 0 0</inkml:trace>
+</inkml:ink>
+</file>
+
+<file path=ppt/ink/ink20.xml><?xml version="1.0" encoding="utf-8"?>
+<inkml:ink xmlns:inkml="http://www.w3.org/2003/InkML">
+  <inkml:definitions>
+    <inkml:context xml:id="ctx0">
+      <inkml:inkSource xml:id="inkSrc0">
+        <inkml:traceFormat>
+          <inkml:channel name="X" type="integer" min="-2.14748E9" max="2.14748E9" units="cm"/>
+          <inkml:channel name="Y" type="integer" min="-2.14748E9" max="2.14748E9" units="cm"/>
+          <inkml:channel name="F" type="integer" max="32767" units="dev"/>
+          <inkml:channel name="OA" type="integer" max="360" units="deg"/>
+          <inkml:channel name="OE" type="integer" max="90" units="deg"/>
+        </inkml:traceFormat>
+        <inkml:channelProperties>
+          <inkml:channelProperty channel="X" name="resolution" value="1000" units="1/cm"/>
+          <inkml:channelProperty channel="Y" name="resolution" value="1000" units="1/cm"/>
+          <inkml:channelProperty channel="F" name="resolution" value="0" units="1/dev"/>
+          <inkml:channelProperty channel="OA" name="resolution" value="1000" units="1/deg"/>
+          <inkml:channelProperty channel="OE" name="resolution" value="1000" units="1/deg"/>
+        </inkml:channelProperties>
+      </inkml:inkSource>
+      <inkml:timestamp xml:id="ts0" timeString="2020-10-23T17:00:54.263"/>
+    </inkml:context>
+    <inkml:brush xml:id="br0">
+      <inkml:brushProperty name="width" value="0.05" units="cm"/>
+      <inkml:brushProperty name="height" value="0.05" units="cm"/>
+      <inkml:brushProperty name="color" value="#E71224"/>
+    </inkml:brush>
+  </inkml:definitions>
+  <inkml:trace contextRef="#ctx0" brushRef="#br0">216 0 16439 0 0,'-9'2'188'0'0,"1"1"0"0"0,0-1-1 0 0,0 2 1 0 0,0-1-1 0 0,0 1 1 0 0,0 0-1 0 0,1 1 1 0 0,-10 7-1 0 0,-6 6 410 0 0,-23 25 0 0 0,36-33 127 0 0,3-3-157 0 0,0 0 1 0 0,1 0 0 0 0,0 1 0 0 0,-8 13-1 0 0,11-17-367 0 0,1 0 0 0 0,0 0 1 0 0,1 1-1 0 0,-1-1 0 0 0,1 0 0 0 0,-1 1 0 0 0,1 0 0 0 0,1-1 0 0 0,-1 1 0 0 0,1-1 0 0 0,0 8 1 0 0,0-9-190 0 0,1-1 1 0 0,-1 1-1 0 0,1-1 1 0 0,0 0 0 0 0,0 0-1 0 0,0 1 1 0 0,0-1 0 0 0,1 0-1 0 0,-1 0 1 0 0,0 0-1 0 0,1 0 1 0 0,0 0 0 0 0,-1 0-1 0 0,1-1 1 0 0,0 1 0 0 0,0 0-1 0 0,0-1 1 0 0,0 0-1 0 0,0 1 1 0 0,0-1 0 0 0,0 0-1 0 0,1 0 1 0 0,-1 0 0 0 0,0 0-1 0 0,4 0 1 0 0,5 2-15 0 0,0 0 1 0 0,0 0 0 0 0,0-2 0 0 0,12 2-1 0 0,-1-2 114 0 0,-1 0 1 0 0,27-4-1 0 0,-38 2-735 0 0,1-1 0 0 0,-1 0 0 0 0,0 0 1 0 0,0-1-1 0 0,0-1 0 0 0,15-7 0 0 0,6-1-5038 0 0,-24 7 2349 0 0,7 1 5847 0 0,2 0-41 0 0,-1-6-177 0 0,-11 7-1953 0 0,1 0 0 0 0,-1 0 0 0 0,0-1 0 0 0,0 1 0 0 0,5-7-1 0 0,5-7 368 0 0,-8 11-490 0 0,0-1 1 0 0,-1 1 0 0 0,0-1 0 0 0,0 0-1 0 0,0 0 1 0 0,-1-1 0 0 0,-1 1-1 0 0,1-1 1 0 0,-1 0 0 0 0,4-16 0 0 0,-6 24-231 0 0,-1-1 1 0 0,0 0-1 0 0,0 0 1 0 0,0 0 0 0 0,0 1-1 0 0,0-1 1 0 0,0 0 0 0 0,0 0-1 0 0,0 0 1 0 0,0 0 0 0 0,0 1-1 0 0,-1-1 1 0 0,1 0 0 0 0,0 0-1 0 0,0 1 1 0 0,-1-1-1 0 0,1 0 1 0 0,0 0 0 0 0,-1 1-1 0 0,1-1 1 0 0,-1 0 0 0 0,1 1-1 0 0,-1-1 1 0 0,1 1 0 0 0,-1-1-1 0 0,0 0 1 0 0,1 1-1 0 0,-1 0 1 0 0,0-1 0 0 0,1 1-1 0 0,-1-1 1 0 0,0 1 0 0 0,0 0-1 0 0,1-1 1 0 0,-1 1 0 0 0,0 0-1 0 0,0 0 1 0 0,1-1 0 0 0,-1 1-1 0 0,0 0 1 0 0,0 0-1 0 0,0 0 1 0 0,1 0 0 0 0,-1 0-1 0 0,0 0 1 0 0,0 0 0 0 0,0 1-1 0 0,-1-1 1 0 0,-2 1 138 0 0,0 0 0 0 0,1 0 0 0 0,-1 0 0 0 0,0 0 0 0 0,1 0-1 0 0,-1 1 1 0 0,0 0 0 0 0,1-1 0 0 0,-4 4 0 0 0,-1 2-57 0 0,0 1 0 0 0,0-1-1 0 0,1 2 1 0 0,0-1 0 0 0,1 1 0 0 0,0 0 0 0 0,0 0-1 0 0,1 0 1 0 0,0 1 0 0 0,1 0 0 0 0,0 0-1 0 0,-5 19 1 0 0,7-21-36 0 0,0 0 0 0 0,1 0-1 0 0,0 0 1 0 0,0 0 0 0 0,1 1-1 0 0,0-1 1 0 0,1 0 0 0 0,0 0 0 0 0,0 0-1 0 0,0 0 1 0 0,1 0 0 0 0,0 0 0 0 0,1 0-1 0 0,0 0 1 0 0,0-1 0 0 0,1 1-1 0 0,6 10 1 0 0,-6-14-226 0 0,0 1 0 0 0,-1-1 0 0 0,2 0 0 0 0,-1-1 1 0 0,0 1-1 0 0,1-1 0 0 0,-1 0 0 0 0,1 0 0 0 0,0 0 0 0 0,0 0 0 0 0,0-1 0 0 0,0 0 0 0 0,1 0 0 0 0,7 1 1 0 0,2 1-1508 0 0,1-2 1 0 0,0 0 0 0 0,28 0 0 0 0,-21-2-7110 0 0</inkml:trace>
+</inkml:ink>
+</file>
+
+<file path=ppt/ink/ink21.xml><?xml version="1.0" encoding="utf-8"?>
+<inkml:ink xmlns:inkml="http://www.w3.org/2003/InkML">
+  <inkml:definitions>
+    <inkml:context xml:id="ctx0">
+      <inkml:inkSource xml:id="inkSrc0">
+        <inkml:traceFormat>
+          <inkml:channel name="X" type="integer" min="-2.14748E9" max="2.14748E9" units="cm"/>
+          <inkml:channel name="Y" type="integer" min="-2.14748E9" max="2.14748E9" units="cm"/>
+          <inkml:channel name="F" type="integer" max="32767" units="dev"/>
+          <inkml:channel name="OA" type="integer" max="360" units="deg"/>
+          <inkml:channel name="OE" type="integer" max="90" units="deg"/>
+        </inkml:traceFormat>
+        <inkml:channelProperties>
+          <inkml:channelProperty channel="X" name="resolution" value="1000" units="1/cm"/>
+          <inkml:channelProperty channel="Y" name="resolution" value="1000" units="1/cm"/>
+          <inkml:channelProperty channel="F" name="resolution" value="0" units="1/dev"/>
+          <inkml:channelProperty channel="OA" name="resolution" value="1000" units="1/deg"/>
+          <inkml:channelProperty channel="OE" name="resolution" value="1000" units="1/deg"/>
+        </inkml:channelProperties>
+      </inkml:inkSource>
+      <inkml:timestamp xml:id="ts0" timeString="2020-10-23T17:01:04.816"/>
+    </inkml:context>
+    <inkml:brush xml:id="br0">
+      <inkml:brushProperty name="width" value="0.05" units="cm"/>
+      <inkml:brushProperty name="height" value="0.05" units="cm"/>
+      <inkml:brushProperty name="color" value="#E71224"/>
+    </inkml:brush>
+  </inkml:definitions>
+  <inkml:trace contextRef="#ctx0" brushRef="#br0">14 70 5064 0 0,'0'0'4992'0'0,"-14"11"1407"0"0,14-11-6344 0 0,11 2 1118 0 0,14-2-486 0 0,7-5-114 0 0,103-13 483 0 0,9 1-1073 0 0,-72 11-186 0 0,126-6 449 0 0,-59 6-230 0 0,89 0-18 0 0,47 9 6 0 0,136 6 259 0 0,21 7-143 0 0,-210-9-112 0 0,622 7 496 0 0,-190-45-336 0 0,-250 7-2024 0 0,-170 19-1448 0 0,-221 5 3134 0 0,111-2-1622 0 0</inkml:trace>
+</inkml:ink>
+</file>
+
+<file path=ppt/ink/ink22.xml><?xml version="1.0" encoding="utf-8"?>
+<inkml:ink xmlns:inkml="http://www.w3.org/2003/InkML">
+  <inkml:definitions>
+    <inkml:context xml:id="ctx0">
+      <inkml:inkSource xml:id="inkSrc0">
+        <inkml:traceFormat>
+          <inkml:channel name="X" type="integer" min="-2.14748E9" max="2.14748E9" units="cm"/>
+          <inkml:channel name="Y" type="integer" min="-2.14748E9" max="2.14748E9" units="cm"/>
+          <inkml:channel name="F" type="integer" max="32767" units="dev"/>
+          <inkml:channel name="OA" type="integer" max="360" units="deg"/>
+          <inkml:channel name="OE" type="integer" max="90" units="deg"/>
+        </inkml:traceFormat>
+        <inkml:channelProperties>
+          <inkml:channelProperty channel="X" name="resolution" value="1000" units="1/cm"/>
+          <inkml:channelProperty channel="Y" name="resolution" value="1000" units="1/cm"/>
+          <inkml:channelProperty channel="F" name="resolution" value="0" units="1/dev"/>
+          <inkml:channelProperty channel="OA" name="resolution" value="1000" units="1/deg"/>
+          <inkml:channelProperty channel="OE" name="resolution" value="1000" units="1/deg"/>
+        </inkml:channelProperties>
+      </inkml:inkSource>
+      <inkml:timestamp xml:id="ts0" timeString="2020-10-23T17:01:17.175"/>
+    </inkml:context>
+    <inkml:brush xml:id="br0">
+      <inkml:brushProperty name="width" value="0.05" units="cm"/>
+      <inkml:brushProperty name="height" value="0.05" units="cm"/>
+      <inkml:brushProperty name="color" value="#E71224"/>
+    </inkml:brush>
+  </inkml:definitions>
+  <inkml:trace contextRef="#ctx0" brushRef="#br0">26 14 4144 0 0,'0'0'319'0'0,"-4"-1"-436"0"0,-8 0 6138 0 0,7 0-2358 0 0,5 1-3531 0 0,0 0 0 0 0,-1 0 1 0 0,1 0-1 0 0,0 0 0 0 0,0 0 0 0 0,-1-1 0 0 0,1 1 0 0 0,0 0 0 0 0,0 0 0 0 0,-1 0 0 0 0,1-1 0 0 0,0 1 0 0 0,0 0 1 0 0,0 0-1 0 0,-1 0 0 0 0,1-1 0 0 0,0 1 0 0 0,0 0 0 0 0,0 0 0 0 0,0-1 0 0 0,0 1 0 0 0,-1 0 0 0 0,1-1 1 0 0,0 1-1 0 0,0 0 0 0 0,0 0 0 0 0,0-1 0 0 0,0 1 0 0 0,7-4 1345 0 0,-5 4-1218 0 0,0 0 1 0 0,0 0-1 0 0,1-1 0 0 0,-1 2 0 0 0,0-1 0 0 0,0 0 0 0 0,5 1 0 0 0,14 8 1037 0 0,20 7-432 0 0,-9-7 261 0 0,-11-2-764 0 0,0-1-1 0 0,0-1 0 0 0,1-1 1 0 0,39 2-1 0 0,488-8 1310 0 0,-304-6-1035 0 0,2 0 665 0 0,-69 15 121 0 0,-121-3-1753 0 0,53-5 841 0 0,-38-1-355 0 0,41 4 257 0 0,3 1 79 0 0,-115-3-489 0 0,0 0 0 0 0,0 0 0 0 0,0-1 0 0 0,0 1 0 0 0,0 0 0 0 0,0 0 1 0 0,0 0-1 0 0,0-1 0 0 0,0 1 0 0 0,0-1 0 0 0,0 1 0 0 0,1-1 0 0 0,23-8-4 0 0,-20 6 3 0 0,-5 3-72 0 0,1 0-1 0 0,-1 0 1 0 0,0-1 0 0 0,1 1-1 0 0,-1-1 1 0 0,0 1 0 0 0,1 0-1 0 0,-1-1 1 0 0,0 1 0 0 0,0 0 0 0 0,1-1-1 0 0,-1 1 1 0 0,0-1 0 0 0,0 1-1 0 0,0-1 1 0 0,0 1 0 0 0,0-1-1 0 0,1 1 1 0 0,-1-1 0 0 0,0 1-1 0 0,0-1 1 0 0,0 1 0 0 0,0 0-1 0 0,-1-1 1 0 0,1 1 0 0 0,0-1-1 0 0,0 1 1 0 0,0-2 0 0 0</inkml:trace>
+</inkml:ink>
+</file>
+
+<file path=ppt/ink/ink23.xml><?xml version="1.0" encoding="utf-8"?>
+<inkml:ink xmlns:inkml="http://www.w3.org/2003/InkML">
+  <inkml:definitions>
+    <inkml:context xml:id="ctx0">
+      <inkml:inkSource xml:id="inkSrc0">
+        <inkml:traceFormat>
+          <inkml:channel name="X" type="integer" min="-2.14748E9" max="2.14748E9" units="cm"/>
+          <inkml:channel name="Y" type="integer" min="-2.14748E9" max="2.14748E9" units="cm"/>
+          <inkml:channel name="F" type="integer" max="32767" units="dev"/>
+          <inkml:channel name="OA" type="integer" max="360" units="deg"/>
+          <inkml:channel name="OE" type="integer" max="90" units="deg"/>
+        </inkml:traceFormat>
+        <inkml:channelProperties>
+          <inkml:channelProperty channel="X" name="resolution" value="1000" units="1/cm"/>
+          <inkml:channelProperty channel="Y" name="resolution" value="1000" units="1/cm"/>
+          <inkml:channelProperty channel="F" name="resolution" value="0" units="1/dev"/>
+          <inkml:channelProperty channel="OA" name="resolution" value="1000" units="1/deg"/>
+          <inkml:channelProperty channel="OE" name="resolution" value="1000" units="1/deg"/>
+        </inkml:channelProperties>
+      </inkml:inkSource>
+      <inkml:timestamp xml:id="ts0" timeString="2020-10-23T17:01:20.242"/>
+    </inkml:context>
+    <inkml:brush xml:id="br0">
+      <inkml:brushProperty name="width" value="0.05" units="cm"/>
+      <inkml:brushProperty name="height" value="0.05" units="cm"/>
+      <inkml:brushProperty name="color" value="#E71224"/>
+    </inkml:brush>
+  </inkml:definitions>
+  <inkml:trace contextRef="#ctx0" brushRef="#br0">298 1 12408 0 0,'-35'2'1006'0'0,"25"-1"-888"0"0,-1 0 0 0 0,-17-2 0 0 0,-41-2 4568 0 0,12 3-439 0 0,3-1 357 0 0,25 2-2611 0 0,25 0 698 0 0,7 3-2224 0 0,9 1-629 0 0,37 8 352 0 0,108 7-480 0 0,-9-2 544 0 0,98 9 65 0 0,-147-19-319 0 0,148 6 0 0 0,139 5 0 0 0,-295-11 0 0 0,173 10 0 0 0,-259-18 0 0 0,-1 0 0 0 0,0-1 0 0 0,1 1 0 0 0,-1-1 0 0 0,0 0 0 0 0,1-1 0 0 0,-1 1 0 0 0,0 0 0 0 0,0-1 0 0 0,0 0 0 0 0,0 0 0 0 0,-1 0 0 0 0,1-1 0 0 0,5-4 0 0 0,-7 4 0 0 0,0 0-28 0 0,-2 2-117 0 0</inkml:trace>
+</inkml:ink>
+</file>
+
+<file path=ppt/ink/ink24.xml><?xml version="1.0" encoding="utf-8"?>
+<inkml:ink xmlns:inkml="http://www.w3.org/2003/InkML">
+  <inkml:definitions>
+    <inkml:context xml:id="ctx0">
+      <inkml:inkSource xml:id="inkSrc0">
+        <inkml:traceFormat>
+          <inkml:channel name="X" type="integer" min="-2.14748E9" max="2.14748E9" units="cm"/>
+          <inkml:channel name="Y" type="integer" min="-2.14748E9" max="2.14748E9" units="cm"/>
+          <inkml:channel name="F" type="integer" max="32767" units="dev"/>
+          <inkml:channel name="OA" type="integer" max="360" units="deg"/>
+          <inkml:channel name="OE" type="integer" max="90" units="deg"/>
+        </inkml:traceFormat>
+        <inkml:channelProperties>
+          <inkml:channelProperty channel="X" name="resolution" value="1000" units="1/cm"/>
+          <inkml:channelProperty channel="Y" name="resolution" value="1000" units="1/cm"/>
+          <inkml:channelProperty channel="F" name="resolution" value="0" units="1/dev"/>
+          <inkml:channelProperty channel="OA" name="resolution" value="1000" units="1/deg"/>
+          <inkml:channelProperty channel="OE" name="resolution" value="1000" units="1/deg"/>
+        </inkml:channelProperties>
+      </inkml:inkSource>
+      <inkml:timestamp xml:id="ts0" timeString="2020-10-23T17:01:25.261"/>
+    </inkml:context>
+    <inkml:brush xml:id="br0">
+      <inkml:brushProperty name="width" value="0.05" units="cm"/>
+      <inkml:brushProperty name="height" value="0.05" units="cm"/>
+      <inkml:brushProperty name="color" value="#E71224"/>
+    </inkml:brush>
+  </inkml:definitions>
+  <inkml:trace contextRef="#ctx0" brushRef="#br0">19 132 2304 0 0,'-19'-4'17129'0'0,"21"1"-16888"0"0,1 1 0 0 0,-1-1 0 0 0,0 1 0 0 0,1-1 0 0 0,0 1 0 0 0,-1 0 0 0 0,1 0 0 0 0,0 0 0 0 0,3-2 0 0 0,34-14 804 0 0,-17 7-486 0 0,-5 4-176 0 0,1 0 0 0 0,27-6 0 0 0,-7 3-29 0 0,-4 0 20 0 0,2 1 1 0 0,-1 3-1 0 0,52-4 0 0 0,-81 9-316 0 0,0 1 26 0 0,0-1-1 0 0,0 1 1 0 0,0 1 0 0 0,9 1 0 0 0,-14-2-68 0 0,0 0 1 0 0,-1 1-1 0 0,1-1 1 0 0,0 1-1 0 0,-1 0 1 0 0,1 0-1 0 0,0-1 1 0 0,-1 1-1 0 0,1 0 1 0 0,-1 0-1 0 0,1 0 1 0 0,-1 1-1 0 0,0-1 1 0 0,0 0-1 0 0,1 1 1 0 0,-1-1-1 0 0,0 0 1 0 0,0 1-1 0 0,0-1 1 0 0,0 1-1 0 0,0 0 1 0 0,0 1-1 0 0,2 5 12 0 0,-1 1 0 0 0,0 0 1 0 0,0-1-1 0 0,-1 1 0 0 0,0 10 0 0 0,-2 45 41 0 0,1-43-32 0 0,-17 281 207 0 0,4-81-275 0 0,7 135 732 0 0,7-330-611 0 0,1 1-1 0 0,2-1 0 0 0,0 1 0 0 0,2-1 0 0 0,0-1 1 0 0,2 1-1 0 0,1-1 0 0 0,15 30 0 0 0,-15-37 11 0 0,-7-13-62 0 0,0-1 0 0 0,0 0-1 0 0,0 1 1 0 0,0-1 0 0 0,1 0-1 0 0,6 7 1 0 0,-7-9-4 0 0,-1 0 0 0 0,1 0 0 0 0,-1 0 0 0 0,1 0 0 0 0,-1 0-1 0 0,0 0 1 0 0,0 0 0 0 0,0 0 0 0 0,0 1 0 0 0,0-1 0 0 0,0 0 0 0 0,0 1 0 0 0,-1-1-1 0 0,0 1 1 0 0,1-1 0 0 0,-1 0 0 0 0,0 1 0 0 0,0-1 0 0 0,0 1 0 0 0,0-1 0 0 0,-1 1 0 0 0,1-1-1 0 0,-1 1 1 0 0,1-1 0 0 0,-1 0 0 0 0,0 1 0 0 0,0-1 0 0 0,-2 3 0 0 0,-3 6 178 0 0,0-1 1 0 0,-1 0-1 0 0,0-1 1 0 0,-12 14-1 0 0,15-20-205 0 0,-5 7 4 0 0,-1 0 0 0 0,0-2 0 0 0,0 1 0 0 0,-24 13 0 0 0,-52 23 88 0 0,10-6-53 0 0,59-29-517 0 0,0 0 0 0 0,1 1 0 0 0,1 1 0 0 0,-27 25 0 0 0,42-37 313 0 0,-1 1 0 0 0,1-1 0 0 0,0 0 0 0 0,0 0 0 0 0,-1 1 0 0 0,1-1 0 0 0,0 0 0 0 0,0 1-1 0 0,0-1 1 0 0,-1 0 0 0 0,1 1 0 0 0,0-1 0 0 0,0 0 0 0 0,0 1 0 0 0,0-1 0 0 0,0 0 0 0 0,0 1-1 0 0,0-1 1 0 0,0 0 0 0 0,0 1 0 0 0,0-1 0 0 0,0 1 0 0 0,0-1 0 0 0,0 0 0 0 0,0 1 0 0 0,0-1-1 0 0,0 0 1 0 0,0 1 0 0 0</inkml:trace>
+</inkml:ink>
+</file>
+
+<file path=ppt/ink/ink25.xml><?xml version="1.0" encoding="utf-8"?>
+<inkml:ink xmlns:inkml="http://www.w3.org/2003/InkML">
+  <inkml:definitions>
+    <inkml:context xml:id="ctx0">
+      <inkml:inkSource xml:id="inkSrc0">
+        <inkml:traceFormat>
+          <inkml:channel name="X" type="integer" min="-2.14748E9" max="2.14748E9" units="cm"/>
+          <inkml:channel name="Y" type="integer" min="-2.14748E9" max="2.14748E9" units="cm"/>
+          <inkml:channel name="F" type="integer" max="32767" units="dev"/>
+          <inkml:channel name="OA" type="integer" max="360" units="deg"/>
+          <inkml:channel name="OE" type="integer" max="90" units="deg"/>
+        </inkml:traceFormat>
+        <inkml:channelProperties>
+          <inkml:channelProperty channel="X" name="resolution" value="1000" units="1/cm"/>
+          <inkml:channelProperty channel="Y" name="resolution" value="1000" units="1/cm"/>
+          <inkml:channelProperty channel="F" name="resolution" value="0" units="1/dev"/>
+          <inkml:channelProperty channel="OA" name="resolution" value="1000" units="1/deg"/>
+          <inkml:channelProperty channel="OE" name="resolution" value="1000" units="1/deg"/>
+        </inkml:channelProperties>
+      </inkml:inkSource>
+      <inkml:timestamp xml:id="ts0" timeString="2020-10-23T17:01:25.815"/>
+    </inkml:context>
+    <inkml:brush xml:id="br0">
+      <inkml:brushProperty name="width" value="0.05" units="cm"/>
+      <inkml:brushProperty name="height" value="0.05" units="cm"/>
+      <inkml:brushProperty name="color" value="#E71224"/>
+    </inkml:brush>
+  </inkml:definitions>
+  <inkml:trace contextRef="#ctx0" brushRef="#br0">0 15 14600 0 0,'0'0'1320'0'0,"7"5"-366"0"0,-4-4-686 0 0,0 0-1 0 0,0 0 0 0 0,0 0 1 0 0,0-1-1 0 0,0 1 0 0 0,0-1 1 0 0,0 1-1 0 0,1-1 0 0 0,-1 0 1 0 0,4-1-1 0 0,35-6 1836 0 0,-14 1-816 0 0,0 2-594 0 0,-15 1-341 0 0,0 1 1 0 0,21 0-1 0 0,-31 2-308 0 0,0 0 0 0 0,0 0 0 0 0,0 0 0 0 0,0 1-1 0 0,0-1 1 0 0,0 1 0 0 0,0 0 0 0 0,0 0 0 0 0,-1 0 0 0 0,1 0 0 0 0,0 1-1 0 0,-1-1 1 0 0,1 1 0 0 0,-1-1 0 0 0,1 1 0 0 0,3 4 0 0 0,-4-4-34 0 0,-1 0-1 0 0,0 0 1 0 0,0 1 0 0 0,0-1 0 0 0,0 0 0 0 0,0 1 0 0 0,0-1 0 0 0,-1 1 0 0 0,1-1 0 0 0,-1 1 0 0 0,0-1 0 0 0,0 1 0 0 0,0-1 0 0 0,0 1 0 0 0,0-1 0 0 0,0 1 0 0 0,-1 0 0 0 0,1-1 0 0 0,-2 4 0 0 0,0 3 25 0 0,-1-1 1 0 0,0 1-1 0 0,-1-1 0 0 0,-5 10 1 0 0,3-7-22 0 0,-1 0 1 0 0,-1-1 0 0 0,0 0-1 0 0,0 0 1 0 0,-1-1 0 0 0,0 0-1 0 0,-1-1 1 0 0,0 1 0 0 0,0-2-1 0 0,-1 0 1 0 0,0 0 0 0 0,0-1-1 0 0,0 0 1 0 0,-1-1 0 0 0,-15 5-1 0 0,-25 5-247 0 0,79-15 374 0 0,-1 1-1 0 0,1 1 1 0 0,-1 2 0 0 0,1 0 0 0 0,-1 2-1 0 0,44 15 1 0 0,-61-17-508 0 0,1-1 1 0 0,0 0-1 0 0,0 0 0 0 0,0-1 0 0 0,1 0 0 0 0,-1-1 0 0 0,15 0 1 0 0,-5-3-1196 0 0</inkml:trace>
+</inkml:ink>
+</file>
+
+<file path=ppt/ink/ink26.xml><?xml version="1.0" encoding="utf-8"?>
+<inkml:ink xmlns:inkml="http://www.w3.org/2003/InkML">
+  <inkml:definitions>
+    <inkml:context xml:id="ctx0">
+      <inkml:inkSource xml:id="inkSrc0">
+        <inkml:traceFormat>
+          <inkml:channel name="X" type="integer" min="-2.14748E9" max="2.14748E9" units="cm"/>
+          <inkml:channel name="Y" type="integer" min="-2.14748E9" max="2.14748E9" units="cm"/>
+          <inkml:channel name="F" type="integer" max="32767" units="dev"/>
+          <inkml:channel name="OA" type="integer" max="360" units="deg"/>
+          <inkml:channel name="OE" type="integer" max="90" units="deg"/>
+        </inkml:traceFormat>
+        <inkml:channelProperties>
+          <inkml:channelProperty channel="X" name="resolution" value="1000" units="1/cm"/>
+          <inkml:channelProperty channel="Y" name="resolution" value="1000" units="1/cm"/>
+          <inkml:channelProperty channel="F" name="resolution" value="0" units="1/dev"/>
+          <inkml:channelProperty channel="OA" name="resolution" value="1000" units="1/deg"/>
+          <inkml:channelProperty channel="OE" name="resolution" value="1000" units="1/deg"/>
+        </inkml:channelProperties>
+      </inkml:inkSource>
+      <inkml:timestamp xml:id="ts0" timeString="2020-10-23T17:01:26.284"/>
+    </inkml:context>
+    <inkml:brush xml:id="br0">
+      <inkml:brushProperty name="width" value="0.05" units="cm"/>
+      <inkml:brushProperty name="height" value="0.05" units="cm"/>
+      <inkml:brushProperty name="color" value="#E71224"/>
+    </inkml:brush>
+  </inkml:definitions>
+  <inkml:trace contextRef="#ctx0" brushRef="#br0">271 13 15664 0 0,'-14'-5'1667'0'0,"8"3"-1424"0"0,0 2 0 0 0,-1-1-1 0 0,1 1 1 0 0,0 0 0 0 0,0 0-1 0 0,-1 0 1 0 0,-11 3 0 0 0,2 2 215 0 0,0 0 0 0 0,0 0 1 0 0,0 2-1 0 0,1 0 1 0 0,0 0-1 0 0,-24 17 0 0 0,35-20-414 0 0,-1-1 0 0 0,0 1 0 0 0,1 0-1 0 0,-1 0 1 0 0,1 0 0 0 0,0 1-1 0 0,1 0 1 0 0,-1 0 0 0 0,1 0 0 0 0,0 0-1 0 0,0 0 1 0 0,1 0 0 0 0,-1 1 0 0 0,1-1-1 0 0,0 1 1 0 0,1 0 0 0 0,-1 0 0 0 0,1 0-1 0 0,0-1 1 0 0,1 1 0 0 0,0 0 0 0 0,0 9-1 0 0,0-12 11 0 0,1 1 0 0 0,0-1 0 0 0,-1 1 0 0 0,1-1 0 0 0,1 0 0 0 0,-1 0 0 0 0,0 1 0 0 0,1-1 0 0 0,0 0 0 0 0,0 0-1 0 0,0 0 1 0 0,0-1 0 0 0,0 1 0 0 0,0 0 0 0 0,1-1 0 0 0,-1 1 0 0 0,1-1 0 0 0,0 0 0 0 0,0 0 0 0 0,4 2 0 0 0,6 3 198 0 0,0-1 1 0 0,1 0-1 0 0,24 6 1 0 0,-23-7 119 0 0,24 10 1 0 0,-33-12-328 0 0,1 1-1 0 0,-1-1 1 0 0,0 2-1 0 0,0-1 0 0 0,-1 1 1 0 0,1-1-1 0 0,-1 2 1 0 0,0-1-1 0 0,0 0 1 0 0,-1 1-1 0 0,1 0 1 0 0,-1 0-1 0 0,4 10 1 0 0,-5-11-35 0 0,-1 1 1 0 0,0 0 0 0 0,0 0 0 0 0,-1 0 0 0 0,0 0 0 0 0,0 1-1 0 0,0-1 1 0 0,-1 0 0 0 0,0 0 0 0 0,0 0 0 0 0,0 1 0 0 0,-1-1-1 0 0,0 0 1 0 0,0 0 0 0 0,-1 0 0 0 0,-2 7 0 0 0,2-6 10 0 0,-1-1 0 0 0,0 0-1 0 0,0 1 1 0 0,-1-1 0 0 0,1-1 0 0 0,-1 1 0 0 0,0 0 0 0 0,-1-1 0 0 0,1 0-1 0 0,-7 5 1 0 0,8-8-4 0 0,0 1-1 0 0,0-1 0 0 0,-1 0 0 0 0,1 0 0 0 0,-1 0 1 0 0,1-1-1 0 0,-1 1 0 0 0,0-1 0 0 0,0 0 0 0 0,1 0 1 0 0,-1 0-1 0 0,0 0 0 0 0,0-1 0 0 0,0 1 0 0 0,0-1 1 0 0,0 0-1 0 0,0-1 0 0 0,-8 0 0 0 0,11 0-7 0 0,0 1 0 0 0,0 0 0 0 0,0-1-1 0 0,0 1 1 0 0,0-1 0 0 0,-1 1 0 0 0,1-1 0 0 0,0 1-1 0 0,0-1 1 0 0,0 0 0 0 0,0 0 0 0 0,1 1 0 0 0,-1-1-1 0 0,0 0 1 0 0,0 0 0 0 0,0 0 0 0 0,1 0 0 0 0,-2-1-1 0 0,1-1 16 0 0,0 0 0 0 0,-1 0 0 0 0,2 1-1 0 0,-1-1 1 0 0,0 0 0 0 0,0 0 0 0 0,0-4-1 0 0,1-3 110 0 0,0 0 0 0 0,0-1 0 0 0,3-14 0 0 0,3-6 68 0 0,3-1-1 0 0,0 1 1 0 0,2 0-1 0 0,17-34 1 0 0,4-10-45 0 0,-16 38-124 0 0,27-46 0 0 0,-36 72-261 0 0,0 1-1 0 0,1-1 1 0 0,9-9 0 0 0,14-11-3176 0 0,-11 14-5904 0 0</inkml:trace>
+</inkml:ink>
+</file>
+
+<file path=ppt/ink/ink27.xml><?xml version="1.0" encoding="utf-8"?>
+<inkml:ink xmlns:inkml="http://www.w3.org/2003/InkML">
+  <inkml:definitions>
+    <inkml:context xml:id="ctx0">
+      <inkml:inkSource xml:id="inkSrc0">
+        <inkml:traceFormat>
+          <inkml:channel name="X" type="integer" min="-2.14748E9" max="2.14748E9" units="cm"/>
+          <inkml:channel name="Y" type="integer" min="-2.14748E9" max="2.14748E9" units="cm"/>
+          <inkml:channel name="F" type="integer" max="32767" units="dev"/>
+          <inkml:channel name="OA" type="integer" max="360" units="deg"/>
+          <inkml:channel name="OE" type="integer" max="90" units="deg"/>
+        </inkml:traceFormat>
+        <inkml:channelProperties>
+          <inkml:channelProperty channel="X" name="resolution" value="1000" units="1/cm"/>
+          <inkml:channelProperty channel="Y" name="resolution" value="1000" units="1/cm"/>
+          <inkml:channelProperty channel="F" name="resolution" value="0" units="1/dev"/>
+          <inkml:channelProperty channel="OA" name="resolution" value="1000" units="1/deg"/>
+          <inkml:channelProperty channel="OE" name="resolution" value="1000" units="1/deg"/>
+        </inkml:channelProperties>
+      </inkml:inkSource>
+      <inkml:timestamp xml:id="ts0" timeString="2020-10-23T17:01:27.018"/>
+    </inkml:context>
+    <inkml:brush xml:id="br0">
+      <inkml:brushProperty name="width" value="0.05" units="cm"/>
+      <inkml:brushProperty name="height" value="0.05" units="cm"/>
+      <inkml:brushProperty name="color" value="#E71224"/>
+    </inkml:brush>
+  </inkml:definitions>
+  <inkml:trace contextRef="#ctx0" brushRef="#br0">37 97 13824 0 0,'1'-18'1388'0'0,"-1"16"-1379"0"0,2-3 357 0 0,-1-1 0 0 0,0 1-1 0 0,0-1 1 0 0,-1 1 0 0 0,1 0-1 0 0,-1-1 1 0 0,0 1 0 0 0,-1-1-1 0 0,-1-7 1 0 0,2 3 665 0 0,0 5 1667 0 0,-4 10-1786 0 0,0 5-912 0 0,0 0 0 0 0,1 0 0 0 0,0 0 0 0 0,1 0 0 0 0,0 1 0 0 0,1-1 0 0 0,0 21 0 0 0,-1-10 0 0 0,-2 32 0 0 0,-6 115 0 0 0,10-134 0 0 0,1 0 0 0 0,1 0 0 0 0,2 0 0 0 0,14 54 0 0 0,-2-51 0 0 0,-13-29 0 0 0,-2-7 14 0 0,-1 0-1 0 0,0-1 0 0 0,1 1 1 0 0,-1-1-1 0 0,0 1 1 0 0,1-1-1 0 0,-1 1 0 0 0,1-1 1 0 0,-1 1-1 0 0,1-1 1 0 0,-1 1-1 0 0,1-1 0 0 0,-1 1 1 0 0,1-1-1 0 0,-1 0 1 0 0,1 1-1 0 0,0-1 0 0 0,-1 0 1 0 0,1 1-1 0 0,0-1 1 0 0,-1 0-1 0 0,1 0 0 0 0,0 0 1 0 0,-1 0-1 0 0,1 0 1 0 0,0 0-1 0 0,-1 0 0 0 0,1 0 1 0 0,0 0-1 0 0,0 0 1 0 0,-1 0-1 0 0,1 0 0 0 0,0 0 1 0 0,-1-1-1 0 0,1 1 1 0 0,0 0-1 0 0,-1 0 0 0 0,1-1 1 0 0,-1 1-1 0 0,1 0 1 0 0,0-1-1 0 0,2-1 176 0 0,0 0-1 0 0,0-1 1 0 0,0 1-1 0 0,0 0 1 0 0,-1-1-1 0 0,5-5 1 0 0,24-32 537 0 0,1 2 0 0 0,3 1 0 0 0,40-34 0 0 0,-74 70-657 0 0,13 15-5 0 0,-12-9-57 0 0,-1 0-1 0 0,0 0 1 0 0,-1 0 0 0 0,1 0-1 0 0,-1 1 1 0 0,0-1-1 0 0,0 0 1 0 0,-2 8 0 0 0,2-4-3 0 0,-2 6-378 0 0,-5 23 0 0 0,4-29 84 0 0,1 0 0 0 0,1 1 0 0 0,0-1 0 0 0,0 0 0 0 0,0 0 0 0 0,1 1 0 0 0,2 11 0 0 0,-2-20-99 0 0,1 3 49 0 0</inkml:trace>
+</inkml:ink>
+</file>
+
+<file path=ppt/ink/ink28.xml><?xml version="1.0" encoding="utf-8"?>
+<inkml:ink xmlns:inkml="http://www.w3.org/2003/InkML">
+  <inkml:definitions>
+    <inkml:context xml:id="ctx0">
+      <inkml:inkSource xml:id="inkSrc0">
+        <inkml:traceFormat>
+          <inkml:channel name="X" type="integer" min="-2.14748E9" max="2.14748E9" units="cm"/>
+          <inkml:channel name="Y" type="integer" min="-2.14748E9" max="2.14748E9" units="cm"/>
+          <inkml:channel name="F" type="integer" max="32767" units="dev"/>
+          <inkml:channel name="OA" type="integer" max="360" units="deg"/>
+          <inkml:channel name="OE" type="integer" max="90" units="deg"/>
+        </inkml:traceFormat>
+        <inkml:channelProperties>
+          <inkml:channelProperty channel="X" name="resolution" value="1000" units="1/cm"/>
+          <inkml:channelProperty channel="Y" name="resolution" value="1000" units="1/cm"/>
+          <inkml:channelProperty channel="F" name="resolution" value="0" units="1/dev"/>
+          <inkml:channelProperty channel="OA" name="resolution" value="1000" units="1/deg"/>
+          <inkml:channelProperty channel="OE" name="resolution" value="1000" units="1/deg"/>
+        </inkml:channelProperties>
+      </inkml:inkSource>
+      <inkml:timestamp xml:id="ts0" timeString="2020-10-23T17:01:27.368"/>
+    </inkml:context>
+    <inkml:brush xml:id="br0">
+      <inkml:brushProperty name="width" value="0.05" units="cm"/>
+      <inkml:brushProperty name="height" value="0.05" units="cm"/>
+      <inkml:brushProperty name="color" value="#E71224"/>
+    </inkml:brush>
+  </inkml:definitions>
+  <inkml:trace contextRef="#ctx0" brushRef="#br0">137 1 13824 0 0,'-3'0'128'0'0,"0"-1"1"0"0,1 1-1 0 0,-1 1 1 0 0,0-1-1 0 0,1 0 0 0 0,-1 0 1 0 0,0 1-1 0 0,1 0 1 0 0,-1-1-1 0 0,1 1 1 0 0,-1 0-1 0 0,1 0 1 0 0,-1 0-1 0 0,1 1 1 0 0,0-1-1 0 0,-4 3 1 0 0,-1 2 263 0 0,0-1 0 0 0,0 1 0 0 0,-10 12-1 0 0,11-10-100 0 0,0 0 0 0 0,1 0-1 0 0,0 0 1 0 0,0 1-1 0 0,1-1 1 0 0,0 1-1 0 0,1 0 1 0 0,0 0-1 0 0,-3 16 1 0 0,4-17-172 0 0,1 1 1 0 0,0-1 0 0 0,0 0-1 0 0,1 1 1 0 0,0-1-1 0 0,1 1 1 0 0,0-1-1 0 0,0 0 1 0 0,1 1-1 0 0,0-1 1 0 0,4 10-1 0 0,-6-16-44 0 0,1-1 0 0 0,0 1 0 0 0,0-1-1 0 0,0 0 1 0 0,0 0 0 0 0,0 1 0 0 0,0-1 0 0 0,0 0-1 0 0,1 0 1 0 0,-1 0 0 0 0,0 0 0 0 0,0 0 0 0 0,1-1-1 0 0,-1 1 1 0 0,1 0 0 0 0,-1-1 0 0 0,1 1-1 0 0,-1-1 1 0 0,1 1 0 0 0,-1-1 0 0 0,1 0 0 0 0,-1 1-1 0 0,1-1 1 0 0,0 0 0 0 0,1 0 0 0 0,-1 0 18 0 0,1 0 1 0 0,0 0-1 0 0,-1-1 1 0 0,1 1-1 0 0,-1-1 1 0 0,1 1-1 0 0,0-1 1 0 0,-1 0-1 0 0,0 0 0 0 0,1 0 1 0 0,-1 0-1 0 0,0 0 1 0 0,1-1-1 0 0,2-1 1 0 0,12-14 134 0 0,-1 1 1 0 0,-1-2-1 0 0,0 0 0 0 0,20-34 1 0 0,-25 34-1751 0 0,9-23 1 0 0,-17 35-1090 0 0</inkml:trace>
+</inkml:ink>
+</file>
+
+<file path=ppt/ink/ink29.xml><?xml version="1.0" encoding="utf-8"?>
+<inkml:ink xmlns:inkml="http://www.w3.org/2003/InkML">
+  <inkml:definitions>
+    <inkml:context xml:id="ctx0">
+      <inkml:inkSource xml:id="inkSrc0">
+        <inkml:traceFormat>
+          <inkml:channel name="X" type="integer" min="-2.14748E9" max="2.14748E9" units="cm"/>
+          <inkml:channel name="Y" type="integer" min="-2.14748E9" max="2.14748E9" units="cm"/>
+          <inkml:channel name="F" type="integer" max="32767" units="dev"/>
+          <inkml:channel name="OA" type="integer" max="360" units="deg"/>
+          <inkml:channel name="OE" type="integer" max="90" units="deg"/>
+        </inkml:traceFormat>
+        <inkml:channelProperties>
+          <inkml:channelProperty channel="X" name="resolution" value="1000" units="1/cm"/>
+          <inkml:channelProperty channel="Y" name="resolution" value="1000" units="1/cm"/>
+          <inkml:channelProperty channel="F" name="resolution" value="0" units="1/dev"/>
+          <inkml:channelProperty channel="OA" name="resolution" value="1000" units="1/deg"/>
+          <inkml:channelProperty channel="OE" name="resolution" value="1000" units="1/deg"/>
+        </inkml:channelProperties>
+      </inkml:inkSource>
+      <inkml:timestamp xml:id="ts0" timeString="2020-10-23T17:01:27.765"/>
+    </inkml:context>
+    <inkml:brush xml:id="br0">
+      <inkml:brushProperty name="width" value="0.05" units="cm"/>
+      <inkml:brushProperty name="height" value="0.05" units="cm"/>
+      <inkml:brushProperty name="color" value="#E71224"/>
+    </inkml:brush>
+  </inkml:definitions>
+  <inkml:trace contextRef="#ctx0" brushRef="#br0">29 0 8288 0 0,'0'0'2097'0'0,"-8"14"3522"0"0,4-7-5271 0 0,1 0 1 0 0,1 1 0 0 0,-1 0 0 0 0,1-1 0 0 0,1 1 0 0 0,-1 0 0 0 0,1 0 0 0 0,0 8 0 0 0,0-6-222 0 0,0 11 405 0 0,1-1 0 0 0,4 34 0 0 0,-3-52-454 0 0,-1 0 0 0 0,0 0 0 0 0,1 1 0 0 0,0-1 0 0 0,-1 0 0 0 0,1 0-1 0 0,0 0 1 0 0,0 0 0 0 0,0 0 0 0 0,0 0 0 0 0,1 0 0 0 0,-1 0 0 0 0,0 0 0 0 0,1 0-1 0 0,-1-1 1 0 0,1 1 0 0 0,0 0 0 0 0,0-1 0 0 0,-1 0 0 0 0,1 1 0 0 0,2 0 0 0 0,-2-1-23 0 0,-1-1 0 0 0,1 1 0 0 0,-1-1-1 0 0,1 0 1 0 0,-1 1 0 0 0,1-1 0 0 0,-1 0 0 0 0,1 0 0 0 0,-1 0 0 0 0,1 0 0 0 0,-1-1 0 0 0,1 1 0 0 0,-1 0 0 0 0,0 0 0 0 0,1-1 0 0 0,-1 1 0 0 0,1-1 0 0 0,-1 1 0 0 0,0-1 0 0 0,1 0 0 0 0,-1 0 0 0 0,0 1 0 0 0,1-1 0 0 0,-1 0 0 0 0,0 0 0 0 0,0 0 0 0 0,0 0 0 0 0,0-1 0 0 0,0 1 0 0 0,0 0 0 0 0,0 0 0 0 0,-1-1 0 0 0,2 0 0 0 0,43-81 1062 0 0,-31 56-1117 0 0,-14 27 0 0 0,0-1 0 0 0,0 1 0 0 0,0 0 0 0 0,0 0 0 0 0,0 0 0 0 0,1 0 0 0 0,-1 0 0 0 0,0 0 0 0 0,0-1 0 0 0,0 1 0 0 0,0 0 0 0 0,0 0 0 0 0,0 0 0 0 0,0 0 0 0 0,1 0 0 0 0,-1 0 0 0 0,0 0 0 0 0,0 0 0 0 0,0 0 0 0 0,0 0 0 0 0,0 0 0 0 0,1 0 0 0 0,-1-1 0 0 0,0 1 0 0 0,0 0 0 0 0,0 0 0 0 0,0 0 0 0 0,1 0 0 0 0,-1 0 0 0 0,0 0 0 0 0,0 0 0 0 0,0 1 0 0 0,0-1 0 0 0,0 0 0 0 0,1 0 0 0 0,-1 0 0 0 0,0 0 0 0 0,0 0 0 0 0,0 0 0 0 0,0 0 0 0 0,0 0 0 0 0,1 0 0 0 0,-1 0 0 0 0,0 0 0 0 0,0 0 0 0 0,0 1 0 0 0,0-1 0 0 0,0 0 0 0 0,0 0 0 0 0,0 0 0 0 0,0 0 0 0 0,1 0 0 0 0,-1 0 0 0 0,0 1 0 0 0,0-1 0 0 0,0 0 0 0 0,0 0 0 0 0,0 0 0 0 0,0 0 0 0 0,0 1 0 0 0,0-1 0 0 0,0 0 0 0 0,4 11 0 0 0,-4-11 0 0 0,4 41 97 0 0,-3-26 548 0 0,0-1 0 0 0,7 26 0 0 0,-8-39-701 0 0,1 0 0 0 0,-1 0-1 0 0,0 0 1 0 0,0 0 0 0 0,1 0 0 0 0,-1 0-1 0 0,1 0 1 0 0,-1 0 0 0 0,1 0-1 0 0,-1 0 1 0 0,1-1 0 0 0,-1 1 0 0 0,1 0-1 0 0,0 0 1 0 0,-1 0 0 0 0,1-1 0 0 0,0 1-1 0 0,0 0 1 0 0,0-1 0 0 0,-1 1-1 0 0,1-1 1 0 0,0 1 0 0 0,0-1 0 0 0,0 1-1 0 0,0-1 1 0 0,0 0 0 0 0,0 0 0 0 0,0 1-1 0 0,0-1 1 0 0,0 0 0 0 0,0 0-1 0 0,0 0 1 0 0,0 0 0 0 0,0 0 0 0 0,0 0-1 0 0,0 0 1 0 0,0 0 0 0 0,0-1 0 0 0,0 1-1 0 0,0 0 1 0 0,0 0 0 0 0,0-1-1 0 0,0 1 1 0 0,0-1 0 0 0,0 1 0 0 0,1-2-1 0 0,5-2-1261 0 0,1-1 0 0 0,-1 0-1 0 0,-1 0 1 0 0,10-9-1 0 0,-10 9 186 0 0,7-9-3446 0 0,-4-3-919 0 0</inkml:trace>
+</inkml:ink>
+</file>
+
+<file path=ppt/ink/ink3.xml><?xml version="1.0" encoding="utf-8"?>
+<inkml:ink xmlns:inkml="http://www.w3.org/2003/InkML">
+  <inkml:definitions>
+    <inkml:context xml:id="ctx0">
+      <inkml:inkSource xml:id="inkSrc0">
+        <inkml:traceFormat>
+          <inkml:channel name="X" type="integer" min="-2.14748E9" max="2.14748E9" units="cm"/>
+          <inkml:channel name="Y" type="integer" min="-2.14748E9" max="2.14748E9" units="cm"/>
+          <inkml:channel name="F" type="integer" max="32767" units="dev"/>
+          <inkml:channel name="OA" type="integer" max="360" units="deg"/>
+          <inkml:channel name="OE" type="integer" max="90" units="deg"/>
+        </inkml:traceFormat>
+        <inkml:channelProperties>
+          <inkml:channelProperty channel="X" name="resolution" value="1000" units="1/cm"/>
+          <inkml:channelProperty channel="Y" name="resolution" value="1000" units="1/cm"/>
+          <inkml:channelProperty channel="F" name="resolution" value="0" units="1/dev"/>
+          <inkml:channelProperty channel="OA" name="resolution" value="1000" units="1/deg"/>
+          <inkml:channelProperty channel="OE" name="resolution" value="1000" units="1/deg"/>
+        </inkml:channelProperties>
+      </inkml:inkSource>
+      <inkml:timestamp xml:id="ts0" timeString="2020-10-23T17:00:39.283"/>
+    </inkml:context>
+    <inkml:brush xml:id="br0">
+      <inkml:brushProperty name="width" value="0.05" units="cm"/>
+      <inkml:brushProperty name="height" value="0.05" units="cm"/>
+      <inkml:brushProperty name="color" value="#E71224"/>
+    </inkml:brush>
+  </inkml:definitions>
+  <inkml:trace contextRef="#ctx0" brushRef="#br0">303 9 2760 0 0,'-5'-2'-93'0'0,"0"1"0"0"0,0-1 0 0 0,1 1 0 0 0,-1 0 0 0 0,0 0 0 0 0,-10 0 0 0 0,7 1 1321 0 0,-1 1 0 0 0,1-1 0 0 0,-14 4 0 0 0,4 1 3490 0 0,-1 1-1 0 0,-31 15 1 0 0,38-15-4435 0 0,0 1 0 0 0,1 0 0 0 0,0 1 0 0 0,0 0 0 0 0,0 1 0 0 0,1 0 0 0 0,-12 14 0 0 0,19-20-194 0 0,1 0-1 0 0,-1 0 1 0 0,1 0 0 0 0,0 0-1 0 0,0 0 1 0 0,1 0 0 0 0,-1 1-1 0 0,0-1 1 0 0,1 1 0 0 0,0-1-1 0 0,0 1 1 0 0,0-1 0 0 0,0 1-1 0 0,0 6 1 0 0,1-7-23 0 0,1-1 1 0 0,-1 1-1 0 0,0 0 1 0 0,1 0-1 0 0,-1-1 1 0 0,1 1-1 0 0,0 0 1 0 0,0-1-1 0 0,0 1 1 0 0,0-1-1 0 0,1 1 1 0 0,-1-1-1 0 0,1 0 1 0 0,-1 1-1 0 0,1-1 1 0 0,0 0-1 0 0,0 0 1 0 0,0 0-1 0 0,4 3 1 0 0,-2-2 45 0 0,0 0 1 0 0,0-1-1 0 0,1 1 0 0 0,-1-1 1 0 0,1 0-1 0 0,0 0 0 0 0,-1-1 1 0 0,9 2-1 0 0,2 0 331 0 0,23 0 0 0 0,-24-3-179 0 0,0 1 1 0 0,15 4-1 0 0,-19-3-146 0 0,0 0 0 0 0,-1 1 0 0 0,1 0 0 0 0,0 1 0 0 0,14 8 0 0 0,-22-11-96 0 0,0 1 0 0 0,0-1-1 0 0,0 0 1 0 0,0 1 0 0 0,-1-1-1 0 0,1 1 1 0 0,-1 0 0 0 0,1-1 0 0 0,-1 1-1 0 0,0 0 1 0 0,1 0 0 0 0,-1 0-1 0 0,0 0 1 0 0,0 0 0 0 0,-1 0 0 0 0,1 0-1 0 0,0 0 1 0 0,-1 1 0 0 0,1-1-1 0 0,-1 0 1 0 0,0 0 0 0 0,1 1 0 0 0,-1-1-1 0 0,0 0 1 0 0,0 0 0 0 0,-1 1-1 0 0,1-1 1 0 0,0 0 0 0 0,-1 0 0 0 0,0 0-1 0 0,-1 4 1 0 0,-1 2 22 0 0,0-1-1 0 0,-1 0 1 0 0,0 0 0 0 0,-1 0 0 0 0,1 0-1 0 0,-1-1 1 0 0,-1 0 0 0 0,1 0-1 0 0,-1 0 1 0 0,-12 8 0 0 0,-6 4 399 0 0,-40 21 1 0 0,49-30-909 0 0,-20 7-1 0 0,30-14 28 0 0,0 0-1 0 0,0 0 1 0 0,0-1-1 0 0,0 0 1 0 0,-1 0-1 0 0,1-1 1 0 0,0 1-1 0 0,-9-1 1 0 0,3-2-1149 0 0</inkml:trace>
+</inkml:ink>
+</file>
+
+<file path=ppt/ink/ink30.xml><?xml version="1.0" encoding="utf-8"?>
+<inkml:ink xmlns:inkml="http://www.w3.org/2003/InkML">
+  <inkml:definitions>
+    <inkml:context xml:id="ctx0">
+      <inkml:inkSource xml:id="inkSrc0">
+        <inkml:traceFormat>
+          <inkml:channel name="X" type="integer" min="-2.14748E9" max="2.14748E9" units="cm"/>
+          <inkml:channel name="Y" type="integer" min="-2.14748E9" max="2.14748E9" units="cm"/>
+          <inkml:channel name="F" type="integer" max="32767" units="dev"/>
+          <inkml:channel name="OA" type="integer" max="360" units="deg"/>
+          <inkml:channel name="OE" type="integer" max="90" units="deg"/>
+        </inkml:traceFormat>
+        <inkml:channelProperties>
+          <inkml:channelProperty channel="X" name="resolution" value="1000" units="1/cm"/>
+          <inkml:channelProperty channel="Y" name="resolution" value="1000" units="1/cm"/>
+          <inkml:channelProperty channel="F" name="resolution" value="0" units="1/dev"/>
+          <inkml:channelProperty channel="OA" name="resolution" value="1000" units="1/deg"/>
+          <inkml:channelProperty channel="OE" name="resolution" value="1000" units="1/deg"/>
+        </inkml:channelProperties>
+      </inkml:inkSource>
+      <inkml:timestamp xml:id="ts0" timeString="2020-10-23T17:01:28.104"/>
+    </inkml:context>
+    <inkml:brush xml:id="br0">
+      <inkml:brushProperty name="width" value="0.05" units="cm"/>
+      <inkml:brushProperty name="height" value="0.05" units="cm"/>
+      <inkml:brushProperty name="color" value="#E71224"/>
+    </inkml:brush>
+  </inkml:definitions>
+  <inkml:trace contextRef="#ctx0" brushRef="#br0">23 11 13824 0 0,'-6'-9'1500'0'0,"0"8"-1253"0"0,-2 1 4521 0 0,9 16-3587 0 0,4 22 0 0 0,-3-24-983 0 0,0 0 1 0 0,-1 1 0 0 0,-1 22-1 0 0,0-31-218 0 0,-2 12 24 0 0,0 1 0 0 0,-7 25 0 0 0,8-39 1911 0 0,2-7-1895 0 0,-1 0-1 0 0,1 0 1 0 0,0 0 0 0 0,0 0 0 0 0,0 0 0 0 0,0 1-1 0 0,2-4 1 0 0,0 0-13 0 0,2-6 100 0 0,1 1 0 0 0,0 0 0 0 0,0 0 0 0 0,1 0 0 0 0,0 1 0 0 0,1 0 0 0 0,0 1-1 0 0,1 0 1 0 0,-1 0 0 0 0,2 1 0 0 0,-1 0 0 0 0,1 0 0 0 0,0 1 0 0 0,0 0 0 0 0,1 1 0 0 0,16-6 0 0 0,-24 10-138 0 0,1 0 0 0 0,-1 1 0 0 0,0-1 1 0 0,1 1-1 0 0,-1-1 0 0 0,0 1 0 0 0,1 1 1 0 0,-1-1-1 0 0,1 0 0 0 0,-1 1 0 0 0,0-1 1 0 0,6 3-1 0 0,-6-2-574 0 0,1 1-1 0 0,-1-1 1 0 0,0 1-1 0 0,0 0 1 0 0,1 0 0 0 0,4 4-1 0 0</inkml:trace>
+</inkml:ink>
+</file>
+
+<file path=ppt/ink/ink31.xml><?xml version="1.0" encoding="utf-8"?>
+<inkml:ink xmlns:inkml="http://www.w3.org/2003/InkML">
+  <inkml:definitions>
+    <inkml:context xml:id="ctx0">
+      <inkml:inkSource xml:id="inkSrc0">
+        <inkml:traceFormat>
+          <inkml:channel name="X" type="integer" min="-2.14748E9" max="2.14748E9" units="cm"/>
+          <inkml:channel name="Y" type="integer" min="-2.14748E9" max="2.14748E9" units="cm"/>
+          <inkml:channel name="F" type="integer" max="32767" units="dev"/>
+          <inkml:channel name="OA" type="integer" max="360" units="deg"/>
+          <inkml:channel name="OE" type="integer" max="90" units="deg"/>
+        </inkml:traceFormat>
+        <inkml:channelProperties>
+          <inkml:channelProperty channel="X" name="resolution" value="1000" units="1/cm"/>
+          <inkml:channelProperty channel="Y" name="resolution" value="1000" units="1/cm"/>
+          <inkml:channelProperty channel="F" name="resolution" value="0" units="1/dev"/>
+          <inkml:channelProperty channel="OA" name="resolution" value="1000" units="1/deg"/>
+          <inkml:channelProperty channel="OE" name="resolution" value="1000" units="1/deg"/>
+        </inkml:channelProperties>
+      </inkml:inkSource>
+      <inkml:timestamp xml:id="ts0" timeString="2020-10-23T17:01:34.824"/>
+    </inkml:context>
+    <inkml:brush xml:id="br0">
+      <inkml:brushProperty name="width" value="0.05" units="cm"/>
+      <inkml:brushProperty name="height" value="0.05" units="cm"/>
+      <inkml:brushProperty name="color" value="#E71224"/>
+    </inkml:brush>
+  </inkml:definitions>
+  <inkml:trace contextRef="#ctx0" brushRef="#br0">29 274 11056 0 0,'-1'0'175'0'0,"0"0"1"0"0,0 0-1 0 0,-1-1 1 0 0,1 1 0 0 0,0 0-1 0 0,0 0 1 0 0,-1-1-1 0 0,1 1 1 0 0,0-1 0 0 0,0 1-1 0 0,0-1 1 0 0,0 1-1 0 0,-1-1 1 0 0,1 0 0 0 0,0 0-1 0 0,0 1 1 0 0,0-1-1 0 0,1 0 1 0 0,-1 0 0 0 0,0 0-1 0 0,0 0 1 0 0,0 0-1 0 0,1 0 1 0 0,-1 0 0 0 0,0 0-1 0 0,0-2 1 0 0,1 2 23 0 0,0 0 1 0 0,0 1 0 0 0,-1-1 0 0 0,1 0-1 0 0,0 1 1 0 0,0-1 0 0 0,0 1 0 0 0,0-1-1 0 0,0 0 1 0 0,1 1 0 0 0,-1-1 0 0 0,0 0-1 0 0,0 1 1 0 0,0-1 0 0 0,0 0-1 0 0,1 1 1 0 0,-1-1 0 0 0,0 1 0 0 0,1-1-1 0 0,-1 0 1 0 0,1 0-77 0 0,0 0 1 0 0,0 0-1 0 0,0 1 0 0 0,0-1 0 0 0,0 1 0 0 0,0-1 1 0 0,0 0-1 0 0,0 1 0 0 0,0 0 0 0 0,0-1 1 0 0,0 1-1 0 0,0 0 0 0 0,0-1 0 0 0,0 1 1 0 0,0 0-1 0 0,2 0 0 0 0,15-1 118 0 0,1 1 1 0 0,0 1 0 0 0,0 1-1 0 0,32 7 1 0 0,-33-5-301 0 0,1 0 0 0 0,0-2 1 0 0,0 0-1 0 0,36-2 1 0 0,-48-1 36 0 0,2 0 42 0 0,1 0 0 0 0,-1 0 0 0 0,17-6 0 0 0,-24 6 1 0 0,0 0 0 0 0,0 1 0 0 0,0-1 0 0 0,0 0 0 0 0,0-1 0 0 0,-1 1 0 0 0,1 0-1 0 0,0 0 1 0 0,0-1 0 0 0,-1 1 0 0 0,1-1 0 0 0,-1 1 0 0 0,1-1 0 0 0,-1 0 0 0 0,0 0 0 0 0,1 0 0 0 0,-1 0 0 0 0,0 0 0 0 0,0 0-1 0 0,-1 0 1 0 0,2-4 0 0 0,-2 5-14 0 0,0-1 0 0 0,0 0 0 0 0,0 1 0 0 0,0-1 0 0 0,0 1 0 0 0,-1-1 0 0 0,1 0 0 0 0,0 1 0 0 0,-1-1 0 0 0,0 1 0 0 0,1-1 0 0 0,-1 1 0 0 0,0 0 0 0 0,0-1 0 0 0,-1-1-1 0 0,-19-22 589 0 0,16 19-371 0 0,-14-13-58 0 0,-1 0 0 0 0,-1 1 1 0 0,-1 2-1 0 0,0 0 1 0 0,-45-24-1 0 0,19 18 266 0 0,48 22-360 0 0,2 0-12 0 0,32 8-54 0 0,47 18 0 0 0,-18-5-6 0 0,-50-17 43 0 0,0 0-1 0 0,0 1 1 0 0,18 11-1 0 0,-27-14 5 0 0,-1 0-1 0 0,1 0 0 0 0,-1 1 1 0 0,1 0-1 0 0,-1-1 0 0 0,0 1 0 0 0,0 0 1 0 0,0 0-1 0 0,-1 1 0 0 0,1-1 0 0 0,-1 1 1 0 0,0-1-1 0 0,0 1 0 0 0,0 0 1 0 0,3 6-1 0 0,-5-6 14 0 0,0 0-1 0 0,0 0 1 0 0,0 1 0 0 0,-1-1-1 0 0,1 0 1 0 0,-1 0 0 0 0,0 0-1 0 0,0 0 1 0 0,0 0 0 0 0,-1 0-1 0 0,-1 3 1 0 0,-1 4 56 0 0,-7 15-30 0 0,-1-2 0 0 0,-1 0 0 0 0,-1 0 0 0 0,-32 41 0 0 0,10-16-140 0 0,31-40-95 0 0,1-2-2991 0 0</inkml:trace>
+</inkml:ink>
+</file>
+
+<file path=ppt/ink/ink32.xml><?xml version="1.0" encoding="utf-8"?>
+<inkml:ink xmlns:inkml="http://www.w3.org/2003/InkML">
+  <inkml:definitions>
+    <inkml:context xml:id="ctx0">
+      <inkml:inkSource xml:id="inkSrc0">
+        <inkml:traceFormat>
+          <inkml:channel name="X" type="integer" min="-2.14748E9" max="2.14748E9" units="cm"/>
+          <inkml:channel name="Y" type="integer" min="-2.14748E9" max="2.14748E9" units="cm"/>
+          <inkml:channel name="F" type="integer" max="32767" units="dev"/>
+          <inkml:channel name="OA" type="integer" max="360" units="deg"/>
+          <inkml:channel name="OE" type="integer" max="90" units="deg"/>
+        </inkml:traceFormat>
+        <inkml:channelProperties>
+          <inkml:channelProperty channel="X" name="resolution" value="1000" units="1/cm"/>
+          <inkml:channelProperty channel="Y" name="resolution" value="1000" units="1/cm"/>
+          <inkml:channelProperty channel="F" name="resolution" value="0" units="1/dev"/>
+          <inkml:channelProperty channel="OA" name="resolution" value="1000" units="1/deg"/>
+          <inkml:channelProperty channel="OE" name="resolution" value="1000" units="1/deg"/>
+        </inkml:channelProperties>
+      </inkml:inkSource>
+      <inkml:timestamp xml:id="ts0" timeString="2020-10-23T17:01:35.492"/>
+    </inkml:context>
+    <inkml:brush xml:id="br0">
+      <inkml:brushProperty name="width" value="0.05" units="cm"/>
+      <inkml:brushProperty name="height" value="0.05" units="cm"/>
+      <inkml:brushProperty name="color" value="#E71224"/>
+    </inkml:brush>
+  </inkml:definitions>
+  <inkml:trace contextRef="#ctx0" brushRef="#br0">262 63 1840 0 0,'-11'-17'7890'0'0,"5"5"-4125"0"0,4 8-3166 0 0,1 1 0 0 0,-1-1 0 0 0,0 1 0 0 0,0 0 0 0 0,-1-1 0 0 0,-2-2 0 0 0,5 5-546 0 0,-1 1 1 0 0,0-1-1 0 0,0 0 0 0 0,0 1 0 0 0,0-1 0 0 0,1 1 0 0 0,-1-1 0 0 0,0 1 0 0 0,0 0 0 0 0,0-1 1 0 0,0 1-1 0 0,0 0 0 0 0,0 0 0 0 0,0-1 0 0 0,0 1 0 0 0,0 0 0 0 0,0 0 0 0 0,0 0 1 0 0,0 0-1 0 0,0 0 0 0 0,0 1 0 0 0,0-1 0 0 0,0 0 0 0 0,0 0 0 0 0,0 1 0 0 0,0-1 1 0 0,0 1-1 0 0,-1 0 0 0 0,-4 3-24 0 0,0 0 1 0 0,1 0 0 0 0,-1 0 0 0 0,1 1-1 0 0,0 0 1 0 0,-5 7 0 0 0,-3 3 10 0 0,5-6-38 0 0,0 1 0 0 0,1 0 0 0 0,0 1 0 0 0,-9 20 0 0 0,-6 9-2 0 0,12-21 76 0 0,0-1-1 0 0,2 1 0 0 0,1 1 0 0 0,0-1 0 0 0,-7 34 0 0 0,11-28 171 0 0,0 0 1 0 0,1 48-1 0 0,2-73-245 0 0,0 7 38 0 0,1 0-1 0 0,-1 0 1 0 0,2 0-1 0 0,-1 0 1 0 0,1 0 0 0 0,0-1-1 0 0,0 1 1 0 0,1-1-1 0 0,0 1 1 0 0,0-1-1 0 0,0 0 1 0 0,1 0 0 0 0,0 0-1 0 0,0-1 1 0 0,9 10-1 0 0,-11-13-15 0 0,1 0-1 0 0,-1-1 1 0 0,1 1-1 0 0,-1 0 1 0 0,1-1-1 0 0,0 0 1 0 0,0 1-1 0 0,0-1 1 0 0,0 0-1 0 0,0 0 1 0 0,0-1-1 0 0,0 1 1 0 0,0-1-1 0 0,0 1 1 0 0,0-1-1 0 0,4 0 0 0 0,-3-1 32 0 0,1 1-1 0 0,-1-1 0 0 0,0 1 1 0 0,0-1-1 0 0,1-1 0 0 0,-1 1 0 0 0,0 0 1 0 0,0-1-1 0 0,0 0 0 0 0,7-4 0 0 0,-4 0 113 0 0,0 1-1 0 0,0-1 1 0 0,-1 0 0 0 0,8-9-1 0 0,-12 13-87 0 0,1-1 0 0 0,-1 0 0 0 0,-1 0 0 0 0,1 0 0 0 0,0 0 0 0 0,-1 0 0 0 0,1-1 0 0 0,-1 1 0 0 0,0 0 0 0 0,0-1 0 0 0,0 1 0 0 0,-1-1 0 0 0,1-5 0 0 0,-1 7-19 0 0,0 0 0 0 0,1-1-1 0 0,-2 1 1 0 0,1 0-1 0 0,0 0 1 0 0,0 0 0 0 0,-1 0-1 0 0,1 0 1 0 0,-1 0 0 0 0,1 0-1 0 0,-1 1 1 0 0,0-1-1 0 0,0 0 1 0 0,0 0 0 0 0,0 0-1 0 0,0 1 1 0 0,0-1 0 0 0,-1 0-1 0 0,1 1 1 0 0,0-1-1 0 0,-1 1 1 0 0,1 0 0 0 0,-1-1-1 0 0,0 1 1 0 0,1 0 0 0 0,-1 0-1 0 0,0 0 1 0 0,0 0-1 0 0,0 0 1 0 0,0 0 0 0 0,0 1-1 0 0,-2-1 1 0 0,-6-1 29 0 0,0 0 0 0 0,0 1 0 0 0,0 1 0 0 0,0 0 0 0 0,0 0 1 0 0,-1 1-1 0 0,1 0 0 0 0,0 1 0 0 0,0 0 0 0 0,0 1 0 0 0,-16 6 0 0 0,21-7-152 0 0,1 1 0 0 0,-1 0 0 0 0,1 0-1 0 0,0 0 1 0 0,0 1 0 0 0,0-1 0 0 0,1 1-1 0 0,-1 0 1 0 0,1 0 0 0 0,0 1 0 0 0,-4 6 0 0 0</inkml:trace>
+</inkml:ink>
+</file>
+
+<file path=ppt/ink/ink33.xml><?xml version="1.0" encoding="utf-8"?>
+<inkml:ink xmlns:inkml="http://www.w3.org/2003/InkML">
+  <inkml:definitions>
+    <inkml:context xml:id="ctx0">
+      <inkml:inkSource xml:id="inkSrc0">
+        <inkml:traceFormat>
+          <inkml:channel name="X" type="integer" min="-2.14748E9" max="2.14748E9" units="cm"/>
+          <inkml:channel name="Y" type="integer" min="-2.14748E9" max="2.14748E9" units="cm"/>
+          <inkml:channel name="F" type="integer" max="32767" units="dev"/>
+          <inkml:channel name="OA" type="integer" max="360" units="deg"/>
+          <inkml:channel name="OE" type="integer" max="90" units="deg"/>
+        </inkml:traceFormat>
+        <inkml:channelProperties>
+          <inkml:channelProperty channel="X" name="resolution" value="1000" units="1/cm"/>
+          <inkml:channelProperty channel="Y" name="resolution" value="1000" units="1/cm"/>
+          <inkml:channelProperty channel="F" name="resolution" value="0" units="1/dev"/>
+          <inkml:channelProperty channel="OA" name="resolution" value="1000" units="1/deg"/>
+          <inkml:channelProperty channel="OE" name="resolution" value="1000" units="1/deg"/>
+        </inkml:channelProperties>
+      </inkml:inkSource>
+      <inkml:timestamp xml:id="ts0" timeString="2020-10-23T17:01:35.823"/>
+    </inkml:context>
+    <inkml:brush xml:id="br0">
+      <inkml:brushProperty name="width" value="0.05" units="cm"/>
+      <inkml:brushProperty name="height" value="0.05" units="cm"/>
+      <inkml:brushProperty name="color" value="#E71224"/>
+    </inkml:brush>
+  </inkml:definitions>
+  <inkml:trace contextRef="#ctx0" brushRef="#br0">199 39 9672 0 0,'-12'-16'1048'0'0,"10"13"-856"0"0,0 1 1 0 0,0 1-1 0 0,-1-1 1 0 0,1 0-1 0 0,0 0 1 0 0,-1 1-1 0 0,1-1 1 0 0,-1 1-1 0 0,1 0 1 0 0,-1 0-1 0 0,0 0 1 0 0,0 0-1 0 0,0 0 0 0 0,1 1 1 0 0,-1-1-1 0 0,0 1 1 0 0,0 0-1 0 0,0 0 1 0 0,0 0-1 0 0,0 0 1 0 0,0 0-1 0 0,1 1 1 0 0,-1-1-1 0 0,-6 2 1 0 0,5 0 119 0 0,0 0 1 0 0,0-1 0 0 0,-1 1-1 0 0,1 0 1 0 0,0 1 0 0 0,1-1-1 0 0,-1 1 1 0 0,0 0 0 0 0,1 0-1 0 0,-1 0 1 0 0,1 0 0 0 0,0 1-1 0 0,0-1 1 0 0,1 1-1 0 0,-4 4 1 0 0,-3 9-189 0 0,1 1-1 0 0,1 0 1 0 0,1 1-1 0 0,0-1 1 0 0,1 1-1 0 0,2 0 1 0 0,-4 31-1 0 0,5-25 656 0 0,0 38-1 0 0,2-54-729 0 0,1-1 0 0 0,0 0 0 0 0,1 0 0 0 0,-1 0 0 0 0,2 0 0 0 0,-1 0 0 0 0,1 0-1 0 0,5 11 1 0 0,-6-16-49 0 0,0 0-1 0 0,0 1 0 0 0,0-1 0 0 0,0 0 0 0 0,0-1 1 0 0,1 1-1 0 0,5 5 0 0 0,-7-8 5 0 0,0 1-1 0 0,1 0 1 0 0,-1 0 0 0 0,1-1 0 0 0,-1 1-1 0 0,1-1 1 0 0,-1 1 0 0 0,1-1 0 0 0,0 0-1 0 0,-1 1 1 0 0,1-1 0 0 0,-1 0-1 0 0,1 0 1 0 0,0 0 0 0 0,-1 0 0 0 0,1-1-1 0 0,-1 1 1 0 0,1 0 0 0 0,0-1 0 0 0,1 0-1 0 0,2-1 125 0 0,1 0 1 0 0,-1-1-1 0 0,0 0 0 0 0,1 0 0 0 0,-1-1 0 0 0,-1 1 1 0 0,1-1-1 0 0,0 0 0 0 0,-1 0 0 0 0,0 0 0 0 0,0-1 0 0 0,0 0 1 0 0,4-7-1 0 0,3-5 351 0 0,-2-1 0 0 0,13-29 0 0 0,-17 35-419 0 0,0 1-1 0 0,-1-1 1 0 0,-1 0 0 0 0,0 0-1 0 0,0 0 1 0 0,-1 0-1 0 0,0-1 1 0 0,-2 1-1 0 0,1-1 1 0 0,-1 1 0 0 0,-1-1-1 0 0,-3-17 1 0 0,-2 0-327 0 0,-2 2-737 0 0</inkml:trace>
+</inkml:ink>
+</file>
+
+<file path=ppt/ink/ink34.xml><?xml version="1.0" encoding="utf-8"?>
+<inkml:ink xmlns:inkml="http://www.w3.org/2003/InkML">
+  <inkml:definitions>
+    <inkml:context xml:id="ctx0">
+      <inkml:inkSource xml:id="inkSrc0">
+        <inkml:traceFormat>
+          <inkml:channel name="X" type="integer" min="-2.14748E9" max="2.14748E9" units="cm"/>
+          <inkml:channel name="Y" type="integer" min="-2.14748E9" max="2.14748E9" units="cm"/>
+          <inkml:channel name="F" type="integer" max="32767" units="dev"/>
+          <inkml:channel name="OA" type="integer" max="360" units="deg"/>
+          <inkml:channel name="OE" type="integer" max="90" units="deg"/>
+        </inkml:traceFormat>
+        <inkml:channelProperties>
+          <inkml:channelProperty channel="X" name="resolution" value="1000" units="1/cm"/>
+          <inkml:channelProperty channel="Y" name="resolution" value="1000" units="1/cm"/>
+          <inkml:channelProperty channel="F" name="resolution" value="0" units="1/dev"/>
+          <inkml:channelProperty channel="OA" name="resolution" value="1000" units="1/deg"/>
+          <inkml:channelProperty channel="OE" name="resolution" value="1000" units="1/deg"/>
+        </inkml:channelProperties>
+      </inkml:inkSource>
+      <inkml:timestamp xml:id="ts0" timeString="2020-10-23T17:01:36.640"/>
+    </inkml:context>
+    <inkml:brush xml:id="br0">
+      <inkml:brushProperty name="width" value="0.05" units="cm"/>
+      <inkml:brushProperty name="height" value="0.05" units="cm"/>
+      <inkml:brushProperty name="color" value="#E71224"/>
+    </inkml:brush>
+  </inkml:definitions>
+  <inkml:trace contextRef="#ctx0" brushRef="#br0">1 353 9960 0 0,'0'0'1141'0'0,"5"-5"-185"0"0,6-21 900 0 0,8-14 443 0 0,9-9-487 0 0,-10 14-368 0 0,35-47 1 0 0,-44 71-1135 0 0,-1 1 1 0 0,2 0 0 0 0,-1 0 0 0 0,1 1 0 0 0,1 0-1 0 0,0 1 1 0 0,0 0 0 0 0,15-8 0 0 0,15-8 230 0 0,-40 24-538 0 0,-1 0 0 0 0,1 0 0 0 0,-1 0 0 0 0,1 0 0 0 0,-1 0 0 0 0,0 0 0 0 0,1 0 0 0 0,-1 0 0 0 0,1 0 0 0 0,-1 1 0 0 0,1-1 0 0 0,-1 0 0 0 0,0 0 0 0 0,1 1 0 0 0,-1-1 0 0 0,0 0 0 0 0,1 0 0 0 0,-1 1 0 0 0,0-1 0 0 0,1 0 0 0 0,-1 1 0 0 0,0-1 0 0 0,1 0 0 0 0,-1 1 0 0 0,0-1 0 0 0,0 1 0 0 0,0-1 0 0 0,1 0 0 0 0,-1 1-1 0 0,0-1 1 0 0,0 1 0 0 0,5 13 53 0 0,-5-8-46 0 0,0 0 0 0 0,0-1 0 0 0,0 1 0 0 0,-1-1 0 0 0,0 1 0 0 0,0-1 0 0 0,0 1 0 0 0,-4 9 0 0 0,-3 15 17 0 0,7-28-27 0 0,-2 16 4 0 0,1 0-1 0 0,-1 28 1 0 0,15-58 143 0 0,23-47 327 0 0,-26 41-98 0 0,1 1 0 0 0,1 1 0 0 0,17-21 0 0 0,-27 36-328 0 0,2-3 101 0 0,0 1 1 0 0,0 0-1 0 0,1-1 0 0 0,6-3 0 0 0,-10 6-142 0 0,1 1 0 0 0,0-1-1 0 0,0 1 1 0 0,0-1 0 0 0,-1 1 0 0 0,1 0 0 0 0,0-1 0 0 0,0 1-1 0 0,0 0 1 0 0,0 0 0 0 0,0-1 0 0 0,0 1 0 0 0,0 0-1 0 0,0 0 1 0 0,0 0 0 0 0,0 0 0 0 0,0 0 0 0 0,-1 0-1 0 0,1 1 1 0 0,0-1 0 0 0,0 0 0 0 0,0 0 0 0 0,0 1 0 0 0,0-1-1 0 0,0 0 1 0 0,0 1 0 0 0,-1-1 0 0 0,1 1 0 0 0,0-1-1 0 0,0 1 1 0 0,-1-1 0 0 0,2 2 0 0 0,1 2-8 0 0,0-1-1 0 0,-1 1 1 0 0,0 0 0 0 0,1 0-1 0 0,-2 0 1 0 0,1 0 0 0 0,0 0-1 0 0,-1 0 1 0 0,2 9 0 0 0,4 43 2 0 0,-4-30 0 0 0,-1-5-325 0 0,-1-6-1208 0 0,6 28 0 0 0,-6-40 1141 0 0,-1 0 0 0 0,1 1 0 0 0,1-1 0 0 0,-1 0 0 0 0,0 0 0 0 0,1 0 0 0 0,0 0 0 0 0,0 0 0 0 0,0 0 0 0 0,0 0 0 0 0,0 0 0 0 0,0-1 0 0 0,5 4 0 0 0,4 0-7706 0 0</inkml:trace>
+</inkml:ink>
+</file>
+
+<file path=ppt/ink/ink35.xml><?xml version="1.0" encoding="utf-8"?>
+<inkml:ink xmlns:inkml="http://www.w3.org/2003/InkML">
+  <inkml:definitions>
+    <inkml:context xml:id="ctx0">
+      <inkml:inkSource xml:id="inkSrc0">
+        <inkml:traceFormat>
+          <inkml:channel name="X" type="integer" min="-2.14748E9" max="2.14748E9" units="cm"/>
+          <inkml:channel name="Y" type="integer" min="-2.14748E9" max="2.14748E9" units="cm"/>
+          <inkml:channel name="F" type="integer" max="32767" units="dev"/>
+          <inkml:channel name="OA" type="integer" max="360" units="deg"/>
+          <inkml:channel name="OE" type="integer" max="90" units="deg"/>
+        </inkml:traceFormat>
+        <inkml:channelProperties>
+          <inkml:channelProperty channel="X" name="resolution" value="1000" units="1/cm"/>
+          <inkml:channelProperty channel="Y" name="resolution" value="1000" units="1/cm"/>
+          <inkml:channelProperty channel="F" name="resolution" value="0" units="1/dev"/>
+          <inkml:channelProperty channel="OA" name="resolution" value="1000" units="1/deg"/>
+          <inkml:channelProperty channel="OE" name="resolution" value="1000" units="1/deg"/>
+        </inkml:channelProperties>
+      </inkml:inkSource>
+      <inkml:timestamp xml:id="ts0" timeString="2020-10-23T17:01:37.005"/>
+    </inkml:context>
+    <inkml:brush xml:id="br0">
+      <inkml:brushProperty name="width" value="0.05" units="cm"/>
+      <inkml:brushProperty name="height" value="0.05" units="cm"/>
+      <inkml:brushProperty name="color" value="#E71224"/>
+    </inkml:brush>
+  </inkml:definitions>
+  <inkml:trace contextRef="#ctx0" brushRef="#br0">180 387 17103 0 0,'-8'7'376'0'0,"-3"7"72"0"0,-3 4 24 0 0,0 7 8 0 0,0 3-384 0 0,0-1-96 0 0,0 3 0 0 0,-4-3 0 0 0,2-2 112 0 0,2-2 0 0 0,0 0 0 0 0,5-5 0 0 0,1-4-656 0 0,5-1-136 0 0,-6 5-24 0 0</inkml:trace>
+  <inkml:trace contextRef="#ctx0" brushRef="#br0" timeOffset="1">321 0 14888 0 0,'-5'18'320'0'0,"2"-13"72"0"0,-3-3 439 0 0,0 1-743 0 0,1 0-88 0 0,0 4 0 0 0,2-2-4391 0 0,0 2-897 0 0</inkml:trace>
+</inkml:ink>
+</file>
+
+<file path=ppt/ink/ink36.xml><?xml version="1.0" encoding="utf-8"?>
+<inkml:ink xmlns:inkml="http://www.w3.org/2003/InkML">
+  <inkml:definitions>
+    <inkml:context xml:id="ctx0">
+      <inkml:inkSource xml:id="inkSrc0">
+        <inkml:traceFormat>
+          <inkml:channel name="X" type="integer" min="-2.14748E9" max="2.14748E9" units="cm"/>
+          <inkml:channel name="Y" type="integer" min="-2.14748E9" max="2.14748E9" units="cm"/>
+          <inkml:channel name="F" type="integer" max="32767" units="dev"/>
+          <inkml:channel name="OA" type="integer" max="360" units="deg"/>
+          <inkml:channel name="OE" type="integer" max="90" units="deg"/>
+        </inkml:traceFormat>
+        <inkml:channelProperties>
+          <inkml:channelProperty channel="X" name="resolution" value="1000" units="1/cm"/>
+          <inkml:channelProperty channel="Y" name="resolution" value="1000" units="1/cm"/>
+          <inkml:channelProperty channel="F" name="resolution" value="0" units="1/dev"/>
+          <inkml:channelProperty channel="OA" name="resolution" value="1000" units="1/deg"/>
+          <inkml:channelProperty channel="OE" name="resolution" value="1000" units="1/deg"/>
+        </inkml:channelProperties>
+      </inkml:inkSource>
+      <inkml:timestamp xml:id="ts0" timeString="2020-10-23T17:01:37.356"/>
+    </inkml:context>
+    <inkml:brush xml:id="br0">
+      <inkml:brushProperty name="width" value="0.05" units="cm"/>
+      <inkml:brushProperty name="height" value="0.05" units="cm"/>
+      <inkml:brushProperty name="color" value="#E71224"/>
+    </inkml:brush>
+  </inkml:definitions>
+  <inkml:trace contextRef="#ctx0" brushRef="#br0">1 275 18599 0 0,'0'0'1411'0'0,"0"-13"-782"0"0,1 9-577 0 0,55-159 6008 0 0,-50 149-5563 0 0,-3 5-452 0 0,1 0 0 0 0,0 0 0 0 0,0 1 0 0 0,1-1 0 0 0,0 1-1 0 0,1 1 1 0 0,7-11 0 0 0,-12 18-45 0 0,-1 0 0 0 0,0 0 0 0 0,0-1 0 0 0,0 1 0 0 0,1 0 0 0 0,-1 0 0 0 0,0-1 0 0 0,0 1 0 0 0,1 0 0 0 0,-1 0 0 0 0,0 0 0 0 0,1 0 0 0 0,-1-1 0 0 0,0 1 0 0 0,1 0 0 0 0,-1 0 0 0 0,0 0 0 0 0,1 0 0 0 0,-1 0 0 0 0,0 0 0 0 0,1 0 0 0 0,-1 0 0 0 0,0 0 0 0 0,1 0 0 0 0,-1 0 0 0 0,0 0 0 0 0,1 0 0 0 0,-1 0 0 0 0,0 0 0 0 0,1 0 0 0 0,-1 0 0 0 0,0 0 0 0 0,1 1 0 0 0,-1-1 0 0 0,0 0 0 0 0,0 0 0 0 0,1 0 0 0 0,-1 0 0 0 0,0 1 0 0 0,1-1 0 0 0,-1 0 0 0 0,0 0 0 0 0,0 1 0 0 0,0-1 0 0 0,1 1 0 0 0,3 8 0 0 0,24 32 407 0 0,-15-16-391 0 0,-7-14-15 0 0,-1-1-1 0 0,1 1 0 0 0,1-1 0 0 0,12 15 0 0 0,-18-24-8 0 0,0-1-1 0 0,0 1 1 0 0,0 0-1 0 0,1 0 1 0 0,-1 0 0 0 0,0 0-1 0 0,0-1 1 0 0,0 1-1 0 0,1-1 1 0 0,-1 1-1 0 0,0-1 1 0 0,1 1 0 0 0,-1-1-1 0 0,0 0 1 0 0,1 0-1 0 0,-1 0 1 0 0,1 1-1 0 0,-1-1 1 0 0,0 0-1 0 0,1-1 1 0 0,-1 1 0 0 0,1 0-1 0 0,-1 0 1 0 0,0-1-1 0 0,1 1 1 0 0,-1-1-1 0 0,0 1 1 0 0,0-1 0 0 0,1 1-1 0 0,1-2 1 0 0,3-2 46 0 0,-1 0 0 0 0,0 0 0 0 0,0 0 1 0 0,0 0-1 0 0,6-8 0 0 0,-2 2-301 0 0,1-1 0 0 0,-2 0 0 0 0,1-1 0 0 0,11-23 1 0 0,-14 22-1384 0 0</inkml:trace>
+</inkml:ink>
+</file>
+
+<file path=ppt/ink/ink37.xml><?xml version="1.0" encoding="utf-8"?>
+<inkml:ink xmlns:inkml="http://www.w3.org/2003/InkML">
+  <inkml:definitions>
+    <inkml:context xml:id="ctx0">
+      <inkml:inkSource xml:id="inkSrc0">
+        <inkml:traceFormat>
+          <inkml:channel name="X" type="integer" min="-2.14748E9" max="2.14748E9" units="cm"/>
+          <inkml:channel name="Y" type="integer" min="-2.14748E9" max="2.14748E9" units="cm"/>
+          <inkml:channel name="F" type="integer" max="32767" units="dev"/>
+          <inkml:channel name="OA" type="integer" max="360" units="deg"/>
+          <inkml:channel name="OE" type="integer" max="90" units="deg"/>
+        </inkml:traceFormat>
+        <inkml:channelProperties>
+          <inkml:channelProperty channel="X" name="resolution" value="1000" units="1/cm"/>
+          <inkml:channelProperty channel="Y" name="resolution" value="1000" units="1/cm"/>
+          <inkml:channelProperty channel="F" name="resolution" value="0" units="1/dev"/>
+          <inkml:channelProperty channel="OA" name="resolution" value="1000" units="1/deg"/>
+          <inkml:channelProperty channel="OE" name="resolution" value="1000" units="1/deg"/>
+        </inkml:channelProperties>
+      </inkml:inkSource>
+      <inkml:timestamp xml:id="ts0" timeString="2020-10-23T17:01:37.917"/>
+    </inkml:context>
+    <inkml:brush xml:id="br0">
+      <inkml:brushProperty name="width" value="0.05" units="cm"/>
+      <inkml:brushProperty name="height" value="0.05" units="cm"/>
+      <inkml:brushProperty name="color" value="#E71224"/>
+    </inkml:brush>
+  </inkml:definitions>
+  <inkml:trace contextRef="#ctx0" brushRef="#br0">94 1 15840 0 0,'0'0'1589'0'0,"-1"0"-1457"0"0,-1 1-36 0 0,0 0 0 0 0,1 0 0 0 0,-1 0 0 0 0,1 0 0 0 0,-1 0 0 0 0,1 1 0 0 0,0-1 0 0 0,-1 0 0 0 0,1 1 0 0 0,0-1 0 0 0,0 1 0 0 0,0-1 0 0 0,0 1 0 0 0,0 0 0 0 0,0 0 0 0 0,0-1 0 0 0,1 1 0 0 0,-1 0 0 0 0,1 0 0 0 0,-1 3 0 0 0,-3 6 316 0 0,-6 16-46 0 0,-8 32 0 0 0,1 0-258 0 0,12-45 6 0 0,1 1 0 0 0,1 0 0 0 0,0 1 0 0 0,1-1 0 0 0,0 24 0 0 0,2-36 7 0 0,0-1 0 0 0,1 0 0 0 0,-1 1 0 0 0,0-1 1 0 0,1 0-1 0 0,0 0 0 0 0,0 0 0 0 0,1 4 0 0 0,0-2 187 0 0,-2-3 135 0 0,2-2-429 0 0,-1 1 0 0 0,1 0-1 0 0,-1-1 1 0 0,1 0 0 0 0,-1 1 0 0 0,1-1 0 0 0,-1 0 0 0 0,0 0-1 0 0,1 0 1 0 0,-1 0 0 0 0,0 0 0 0 0,2-2 0 0 0,13-14-29 0 0,-3 1-4 0 0,-1-1-1 0 0,17-32 0 0 0,8-13 1519 0 0,-12 20-813 0 0,-22 33-467 0 0,-2 7 456 0 0,1 5-420 0 0,-2-1-212 0 0,1 0 1 0 0,-1 0-1 0 0,0 0 0 0 0,0 0 1 0 0,1 0-1 0 0,-1 0 1 0 0,0-1-1 0 0,-1 1 0 0 0,1 0 1 0 0,0 0-1 0 0,0 0 0 0 0,-1 2 1 0 0,-2 12 154 0 0,1 25-155 0 0,1-26-47 0 0,1 26 0 0 0,0-23 6 0 0,0-8-1 0 0,1 0 0 0 0,1 13-1 0 0,-1-21-1 0 0,-1 0 0 0 0,0 0 0 0 0,1 0-1 0 0,-1-1 1 0 0,1 1 0 0 0,0 0 0 0 0,0-1-1 0 0,-1 1 1 0 0,1 0 0 0 0,0-1-1 0 0,0 1 1 0 0,1-1 0 0 0,-1 1 0 0 0,0-1-1 0 0,0 0 1 0 0,1 1 0 0 0,-1-1-1 0 0,3 2 1 0 0,-2-3-19 0 0,-1 0 0 0 0,0 0-1 0 0,1 0 1 0 0,-1 0 0 0 0,0 0 0 0 0,1 0 0 0 0,-1 0-1 0 0,0 0 1 0 0,1 0 0 0 0,-1-1 0 0 0,0 1-1 0 0,1-1 1 0 0,-1 1 0 0 0,0-1 0 0 0,0 1-1 0 0,0-1 1 0 0,1 0 0 0 0,0 0 0 0 0,22-17-549 0 0,-17 13-191 0 0,-1-1 1 0 0,0 0 0 0 0,0 0-1 0 0,9-13 1 0 0,18-28-1496 0 0,-2 2-16 0 0</inkml:trace>
+</inkml:ink>
+</file>
+
+<file path=ppt/ink/ink38.xml><?xml version="1.0" encoding="utf-8"?>
+<inkml:ink xmlns:inkml="http://www.w3.org/2003/InkML">
+  <inkml:definitions>
+    <inkml:context xml:id="ctx0">
+      <inkml:inkSource xml:id="inkSrc0">
+        <inkml:traceFormat>
+          <inkml:channel name="X" type="integer" min="-2.14748E9" max="2.14748E9" units="cm"/>
+          <inkml:channel name="Y" type="integer" min="-2.14748E9" max="2.14748E9" units="cm"/>
+          <inkml:channel name="F" type="integer" max="32767" units="dev"/>
+          <inkml:channel name="OA" type="integer" max="360" units="deg"/>
+          <inkml:channel name="OE" type="integer" max="90" units="deg"/>
+        </inkml:traceFormat>
+        <inkml:channelProperties>
+          <inkml:channelProperty channel="X" name="resolution" value="1000" units="1/cm"/>
+          <inkml:channelProperty channel="Y" name="resolution" value="1000" units="1/cm"/>
+          <inkml:channelProperty channel="F" name="resolution" value="0" units="1/dev"/>
+          <inkml:channelProperty channel="OA" name="resolution" value="1000" units="1/deg"/>
+          <inkml:channelProperty channel="OE" name="resolution" value="1000" units="1/deg"/>
+        </inkml:channelProperties>
+      </inkml:inkSource>
+      <inkml:timestamp xml:id="ts0" timeString="2020-10-23T17:01:38.243"/>
+    </inkml:context>
+    <inkml:brush xml:id="br0">
+      <inkml:brushProperty name="width" value="0.05" units="cm"/>
+      <inkml:brushProperty name="height" value="0.05" units="cm"/>
+      <inkml:brushProperty name="color" value="#E71224"/>
+    </inkml:brush>
+  </inkml:definitions>
+  <inkml:trace contextRef="#ctx0" brushRef="#br0">94 0 19695 0 0,'-44'271'4493'0'0,"18"-96"-3442"0"0,25-168-1072 0 0,-8 45-436 0 0,-5 97 1 0 0,15-131-5408 0 0,1-4-2049 0 0</inkml:trace>
+</inkml:ink>
+</file>
+
+<file path=ppt/ink/ink39.xml><?xml version="1.0" encoding="utf-8"?>
+<inkml:ink xmlns:inkml="http://www.w3.org/2003/InkML">
+  <inkml:definitions>
+    <inkml:context xml:id="ctx0">
+      <inkml:inkSource xml:id="inkSrc0">
+        <inkml:traceFormat>
+          <inkml:channel name="X" type="integer" min="-2.14748E9" max="2.14748E9" units="cm"/>
+          <inkml:channel name="Y" type="integer" min="-2.14748E9" max="2.14748E9" units="cm"/>
+          <inkml:channel name="F" type="integer" max="32767" units="dev"/>
+          <inkml:channel name="OA" type="integer" max="360" units="deg"/>
+          <inkml:channel name="OE" type="integer" max="90" units="deg"/>
+        </inkml:traceFormat>
+        <inkml:channelProperties>
+          <inkml:channelProperty channel="X" name="resolution" value="1000" units="1/cm"/>
+          <inkml:channelProperty channel="Y" name="resolution" value="1000" units="1/cm"/>
+          <inkml:channelProperty channel="F" name="resolution" value="0" units="1/dev"/>
+          <inkml:channelProperty channel="OA" name="resolution" value="1000" units="1/deg"/>
+          <inkml:channelProperty channel="OE" name="resolution" value="1000" units="1/deg"/>
+        </inkml:channelProperties>
+      </inkml:inkSource>
+      <inkml:timestamp xml:id="ts0" timeString="2020-10-23T17:01:38.591"/>
+    </inkml:context>
+    <inkml:brush xml:id="br0">
+      <inkml:brushProperty name="width" value="0.05" units="cm"/>
+      <inkml:brushProperty name="height" value="0.05" units="cm"/>
+      <inkml:brushProperty name="color" value="#E71224"/>
+    </inkml:brush>
+  </inkml:definitions>
+  <inkml:trace contextRef="#ctx0" brushRef="#br0">0 0 10592 0 0,'0'0'818'0'0,"8"2"1965"0"0,54 11 1523 0 0,89 6 1 0 0,39 7 1838 0 0,-154-16-7761 0 0,-22-5-192 0 0</inkml:trace>
+  <inkml:trace contextRef="#ctx0" brushRef="#br0" timeOffset="1">467 250 12440 0 0,'1'8'215'0'0,"3"11"695"0"0,14-24-499 0 0,-7 1 596 0 0,-1-2 1 0 0,1 1-1 0 0,-1-1 1 0 0,0-1 0 0 0,0 0-1 0 0,-1 0 1 0 0,14-14-1 0 0,-7 3 131 0 0,0 0 0 0 0,23-35 0 0 0,-35 47-948 0 0,0 0 0 0 0,0 0 1 0 0,-1-1-1 0 0,0 1 0 0 0,0-1 1 0 0,-1 0-1 0 0,0 0 0 0 0,0 0 1 0 0,0 0-1 0 0,0-7 0 0 0,-2 13-170 0 0,0 1 1 0 0,0-1-1 0 0,0 1 0 0 0,0-1 1 0 0,0 1-1 0 0,0-1 0 0 0,0 0 0 0 0,0 1 1 0 0,0-1-1 0 0,0 1 0 0 0,0-1 0 0 0,-1 1 1 0 0,1-1-1 0 0,0 1 0 0 0,0 0 1 0 0,0-1-1 0 0,-1 1 0 0 0,1-1 0 0 0,0 1 1 0 0,-1-1-1 0 0,1 1 0 0 0,0 0 0 0 0,-1-1 1 0 0,1 1-1 0 0,0 0 0 0 0,-1-1 1 0 0,1 1-1 0 0,-1-1 0 0 0,0 1 9 0 0,0 0 1 0 0,0 0-1 0 0,0 0 1 0 0,0 0-1 0 0,0 0 0 0 0,0 0 1 0 0,0 0-1 0 0,0 1 0 0 0,0-1 1 0 0,0 0-1 0 0,0 0 1 0 0,0 1-1 0 0,0-1 0 0 0,0 1 1 0 0,-6 3 59 0 0,1-1 1 0 0,0 1 0 0 0,-5 6-1 0 0,10-10-92 0 0,-12 12 24 0 0,1 0 1 0 0,0 0-1 0 0,0 1 0 0 0,2 1 1 0 0,0-1-1 0 0,0 2 0 0 0,1 0 1 0 0,-7 16-1 0 0,13-24-17 0 0,1-1 0 0 0,0 0 1 0 0,0 0-1 0 0,0 1 0 0 0,1 0 0 0 0,0-1 0 0 0,-1 12 0 0 0,2-17-68 0 0,0 1 0 0 0,0-1 0 0 0,0 1 0 0 0,0-1 0 0 0,0 1 0 0 0,1-1 0 0 0,-1 1 0 0 0,0-1 0 0 0,1 1 0 0 0,-1-1 0 0 0,1 1-1 0 0,-1-1 1 0 0,1 0 0 0 0,0 1 0 0 0,-1-1 0 0 0,1 0 0 0 0,0 1 0 0 0,0-1 0 0 0,0 0 0 0 0,0 0 0 0 0,0 0 0 0 0,0 0 0 0 0,0 0 0 0 0,1 0 0 0 0,-1 0 0 0 0,0 0 0 0 0,0-1 0 0 0,1 1-1 0 0,-1 0 1 0 0,1-1 0 0 0,-1 1 0 0 0,1-1 0 0 0,-1 1 0 0 0,0-1 0 0 0,1 0 0 0 0,-1 0 0 0 0,1 0 0 0 0,2 0 0 0 0,18-4-1799 0 0,-16 1 955 0 0,10-1-1160 0 0</inkml:trace>
+</inkml:ink>
+</file>
+
+<file path=ppt/ink/ink4.xml><?xml version="1.0" encoding="utf-8"?>
+<inkml:ink xmlns:inkml="http://www.w3.org/2003/InkML">
+  <inkml:definitions>
+    <inkml:context xml:id="ctx0">
+      <inkml:inkSource xml:id="inkSrc0">
+        <inkml:traceFormat>
+          <inkml:channel name="X" type="integer" min="-2.14748E9" max="2.14748E9" units="cm"/>
+          <inkml:channel name="Y" type="integer" min="-2.14748E9" max="2.14748E9" units="cm"/>
+          <inkml:channel name="F" type="integer" max="32767" units="dev"/>
+          <inkml:channel name="OA" type="integer" max="360" units="deg"/>
+          <inkml:channel name="OE" type="integer" max="90" units="deg"/>
+        </inkml:traceFormat>
+        <inkml:channelProperties>
+          <inkml:channelProperty channel="X" name="resolution" value="1000" units="1/cm"/>
+          <inkml:channelProperty channel="Y" name="resolution" value="1000" units="1/cm"/>
+          <inkml:channelProperty channel="F" name="resolution" value="0" units="1/dev"/>
+          <inkml:channelProperty channel="OA" name="resolution" value="1000" units="1/deg"/>
+          <inkml:channelProperty channel="OE" name="resolution" value="1000" units="1/deg"/>
+        </inkml:channelProperties>
+      </inkml:inkSource>
+      <inkml:timestamp xml:id="ts0" timeString="2020-10-23T17:00:39.662"/>
+    </inkml:context>
+    <inkml:brush xml:id="br0">
+      <inkml:brushProperty name="width" value="0.05" units="cm"/>
+      <inkml:brushProperty name="height" value="0.05" units="cm"/>
+      <inkml:brushProperty name="color" value="#E71224"/>
+    </inkml:brush>
+  </inkml:definitions>
+  <inkml:trace contextRef="#ctx0" brushRef="#br0">129 1 12896 0 0,'0'0'997'0'0,"-11"10"547"0"0,4-4-845 0 0,0 0 1 0 0,0 1 0 0 0,1 0-1 0 0,-1 0 1 0 0,2 0-1 0 0,-1 1 1 0 0,1-1 0 0 0,-6 13-1 0 0,0 2-332 0 0,-15 46-1 0 0,23-54-336 0 0,-1-1-1 0 0,0 17 1 0 0,-1 4 41 0 0,3-28-43 0 0,1 0 0 0 0,1 1 1 0 0,0-1-1 0 0,0 1 0 0 0,0-1 0 0 0,0 1 1 0 0,1-1-1 0 0,0 1 0 0 0,3 8 0 0 0,-3-13 17 0 0,-1 0 0 0 0,1 0 0 0 0,0 0-1 0 0,0 0 1 0 0,0 0 0 0 0,0 0 0 0 0,0 0-1 0 0,1 0 1 0 0,-1 0 0 0 0,0-1 0 0 0,1 1-1 0 0,0 0 1 0 0,-1-1 0 0 0,1 0 0 0 0,0 1-1 0 0,0-1 1 0 0,0 0 0 0 0,0 0-1 0 0,0 0 1 0 0,0 0 0 0 0,0 0 0 0 0,0 0-1 0 0,0 0 1 0 0,0-1 0 0 0,0 1 0 0 0,0-1-1 0 0,1 0 1 0 0,-1 0 0 0 0,0 0 0 0 0,4 0-1 0 0,-1 0 27 0 0,-1-1-1 0 0,1 0 1 0 0,-1 0 0 0 0,0 0-1 0 0,1-1 1 0 0,-1 0 0 0 0,0 0-1 0 0,0 0 1 0 0,0 0-1 0 0,4-3 1 0 0,5-5 291 0 0,18-17 0 0 0,-7 6 339 0 0,-6 5-343 0 0,24-28 1 0 0,13-13 42 0 0,-49 54-375 0 0,-5 9 53 0 0,-4 5 259 0 0,-7 16 550 0 0,-28 50-1 0 0,26-57-1136 0 0,2 1-1 0 0,0 0 0 0 0,-13 44 0 0 0,22-63 12 0 0,1-1 137 0 0,0 0-1 0 0,-1 0 1 0 0,1 0-1 0 0,0-1 1 0 0,0 1-1 0 0,0 0 0 0 0,0 0 1 0 0,0 0-1 0 0,0-1 1 0 0,0 1-1 0 0,0 0 1 0 0,0 0-1 0 0,0 0 1 0 0,0-1-1 0 0,0 1 0 0 0,1 1 1 0 0,6 3-922 0 0</inkml:trace>
+</inkml:ink>
+</file>
+
+<file path=ppt/ink/ink40.xml><?xml version="1.0" encoding="utf-8"?>
+<inkml:ink xmlns:inkml="http://www.w3.org/2003/InkML">
+  <inkml:definitions>
+    <inkml:context xml:id="ctx0">
+      <inkml:inkSource xml:id="inkSrc0">
+        <inkml:traceFormat>
+          <inkml:channel name="X" type="integer" min="-2.14748E9" max="2.14748E9" units="cm"/>
+          <inkml:channel name="Y" type="integer" min="-2.14748E9" max="2.14748E9" units="cm"/>
+          <inkml:channel name="F" type="integer" max="32767" units="dev"/>
+          <inkml:channel name="OA" type="integer" max="360" units="deg"/>
+          <inkml:channel name="OE" type="integer" max="90" units="deg"/>
+        </inkml:traceFormat>
+        <inkml:channelProperties>
+          <inkml:channelProperty channel="X" name="resolution" value="1000" units="1/cm"/>
+          <inkml:channelProperty channel="Y" name="resolution" value="1000" units="1/cm"/>
+          <inkml:channelProperty channel="F" name="resolution" value="0" units="1/dev"/>
+          <inkml:channelProperty channel="OA" name="resolution" value="1000" units="1/deg"/>
+          <inkml:channelProperty channel="OE" name="resolution" value="1000" units="1/deg"/>
+        </inkml:channelProperties>
+      </inkml:inkSource>
+      <inkml:timestamp xml:id="ts0" timeString="2020-10-23T17:01:38.938"/>
+    </inkml:context>
+    <inkml:brush xml:id="br0">
+      <inkml:brushProperty name="width" value="0.05" units="cm"/>
+      <inkml:brushProperty name="height" value="0.05" units="cm"/>
+      <inkml:brushProperty name="color" value="#E71224"/>
+    </inkml:brush>
+  </inkml:definitions>
+  <inkml:trace contextRef="#ctx0" brushRef="#br0">93 0 17503 0 0,'0'0'803'0'0,"-14"10"298"0"0,12-8-772 0 0,0-1-1 0 0,-1 1 0 0 0,1 0 0 0 0,0 0 0 0 0,0 0 0 0 0,0 0 0 0 0,0 0 0 0 0,0 1 0 0 0,0-1 0 0 0,0 1 1 0 0,1-1-1 0 0,-1 1 0 0 0,1-1 0 0 0,-2 6 0 0 0,3-6-172 0 0,-1 1 1 0 0,1-1-1 0 0,0 0 0 0 0,0 0 0 0 0,0 0 1 0 0,0 1-1 0 0,0-1 0 0 0,0 0 1 0 0,0 0-1 0 0,1 0 0 0 0,-1 0 1 0 0,1 1-1 0 0,0-1 0 0 0,0 0 1 0 0,-1 0-1 0 0,1 0 0 0 0,1 0 1 0 0,-1 0-1 0 0,2 3 0 0 0,5 3 313 0 0,0 0-1 0 0,0 0 0 0 0,0 0 1 0 0,16 10-1 0 0,13 11 518 0 0,-36-28-938 0 0,0 0-1 0 0,1 0 1 0 0,-1 1 0 0 0,0-1-1 0 0,0 1 1 0 0,0-1-1 0 0,-1 1 1 0 0,1-1 0 0 0,0 1-1 0 0,-1-1 1 0 0,1 1-1 0 0,0-1 1 0 0,-1 1 0 0 0,0 0-1 0 0,1-1 1 0 0,-1 1-1 0 0,0 3 1 0 0,0-2-30 0 0,-1 1-1 0 0,1-1 1 0 0,-1 0 0 0 0,0 0 0 0 0,0 1-1 0 0,0-1 1 0 0,0 0 0 0 0,0 0 0 0 0,-2 3-1 0 0,0-1-42 0 0,-1 0-1 0 0,1-1 1 0 0,0 1-1 0 0,-1-1 1 0 0,0 1-1 0 0,0-1 1 0 0,-1 0-1 0 0,1-1 0 0 0,-1 1 1 0 0,-6 4-1 0 0,-6 0-1016 0 0,-1 0 0 0 0,-31 10 0 0 0,29-15-289 0 0</inkml:trace>
+</inkml:ink>
+</file>
+
+<file path=ppt/ink/ink5.xml><?xml version="1.0" encoding="utf-8"?>
+<inkml:ink xmlns:inkml="http://www.w3.org/2003/InkML">
+  <inkml:definitions>
+    <inkml:context xml:id="ctx0">
+      <inkml:inkSource xml:id="inkSrc0">
+        <inkml:traceFormat>
+          <inkml:channel name="X" type="integer" min="-2.14748E9" max="2.14748E9" units="cm"/>
+          <inkml:channel name="Y" type="integer" min="-2.14748E9" max="2.14748E9" units="cm"/>
+          <inkml:channel name="F" type="integer" max="32767" units="dev"/>
+          <inkml:channel name="OA" type="integer" max="360" units="deg"/>
+          <inkml:channel name="OE" type="integer" max="90" units="deg"/>
+        </inkml:traceFormat>
+        <inkml:channelProperties>
+          <inkml:channelProperty channel="X" name="resolution" value="1000" units="1/cm"/>
+          <inkml:channelProperty channel="Y" name="resolution" value="1000" units="1/cm"/>
+          <inkml:channelProperty channel="F" name="resolution" value="0" units="1/dev"/>
+          <inkml:channelProperty channel="OA" name="resolution" value="1000" units="1/deg"/>
+          <inkml:channelProperty channel="OE" name="resolution" value="1000" units="1/deg"/>
+        </inkml:channelProperties>
+      </inkml:inkSource>
+      <inkml:timestamp xml:id="ts0" timeString="2020-10-23T17:00:40.321"/>
+    </inkml:context>
+    <inkml:brush xml:id="br0">
+      <inkml:brushProperty name="width" value="0.05" units="cm"/>
+      <inkml:brushProperty name="height" value="0.05" units="cm"/>
+      <inkml:brushProperty name="color" value="#E71224"/>
+    </inkml:brush>
+  </inkml:definitions>
+  <inkml:trace contextRef="#ctx0" brushRef="#br0">125 11 11520 0 0,'-1'-1'483'0'0,"-2"-3"19"0"0,2-1 1150 0 0,0 5-1474 0 0,1 0-1 0 0,0 0 1 0 0,-1-1 0 0 0,1 1-1 0 0,0 0 1 0 0,-1 0 0 0 0,1 0-1 0 0,0 0 1 0 0,-1 0 0 0 0,1 0-1 0 0,0 0 1 0 0,-1 0 0 0 0,1 0 0 0 0,0 0-1 0 0,-1 1 1 0 0,1-1 0 0 0,0 0-1 0 0,0 0 1 0 0,-1 0 0 0 0,1 0-1 0 0,0 0 1 0 0,-1 1 0 0 0,1-1-1 0 0,0 0 1 0 0,0 0 0 0 0,-1 0 0 0 0,1 1-1 0 0,0-1 1 0 0,0 0 0 0 0,-1 0-1 0 0,1 1 1 0 0,-10 6 833 0 0,0 5-813 0 0,1 1 1 0 0,0-1-1 0 0,0 1 0 0 0,2 1 1 0 0,-1-1-1 0 0,2 1 0 0 0,0 1 0 0 0,0-1 1 0 0,2 1-1 0 0,-6 29 0 0 0,3 1-32 0 0,2 1-1 0 0,2 63 0 0 0,3-101-41 0 0,0-1 0 0 0,0 1 1 0 0,1-1-1 0 0,0 1 0 0 0,4 11 0 0 0,-5-17-76 0 0,1 0 0 0 0,0 0 0 0 0,0 0 0 0 0,0-1 0 0 0,0 1 0 0 0,0-1 0 0 0,0 1 0 0 0,0-1 0 0 0,0 1 0 0 0,1-1 0 0 0,-1 1 0 0 0,0-1 0 0 0,1 0 0 0 0,-1 0 0 0 0,1 0 0 0 0,0 0 0 0 0,-1 0 0 0 0,1 0 0 0 0,0 0 0 0 0,0 0 0 0 0,0-1 0 0 0,-1 1 0 0 0,1-1 0 0 0,0 1 1 0 0,0-1-1 0 0,3 0 0 0 0,20 1 215 0 0,0-2 1 0 0,37-5-1 0 0,-45 3-84 0 0,1 1 0 0 0,-1 0 0 0 0,1 2 0 0 0,0 0 0 0 0,-1 1-1 0 0,29 5 1 0 0,-42-5-149 0 0,-1 0 0 0 0,0 0 1 0 0,0 0-1 0 0,0 0 0 0 0,0 0 0 0 0,0 1 0 0 0,-1 0 0 0 0,1 0 1 0 0,0-1-1 0 0,-1 2 0 0 0,1-1 0 0 0,2 3 0 0 0,-4-4-11 0 0,0 1 0 0 0,0-1-1 0 0,-1 0 1 0 0,1 1 0 0 0,0-1 0 0 0,0 1 0 0 0,-1-1-1 0 0,1 1 1 0 0,-1-1 0 0 0,0 1 0 0 0,1 0-1 0 0,-1-1 1 0 0,0 1 0 0 0,0-1 0 0 0,0 1-1 0 0,0 0 1 0 0,0-1 0 0 0,0 1 0 0 0,0-1 0 0 0,-1 1-1 0 0,1 0 1 0 0,-1-1 0 0 0,1 1 0 0 0,-1-1-1 0 0,-1 3 1 0 0,-8 12 144 0 0,0-1 0 0 0,-2-1 0 0 0,1 1-1 0 0,-2-2 1 0 0,-24 21 0 0 0,27-24-143 0 0,-10 8 25 0 0,0-1-1 0 0,-28 18 1 0 0,38-29-53 0 0,0 0 0 0 0,0-1 0 0 0,0 0 0 0 0,-1 0 0 0 0,0-2 0 0 0,0 1 0 0 0,-19 3 0 0 0,26-7-97 0 0,-1 0 0 0 0,1 0 0 0 0,-1 0 1 0 0,1 0-1 0 0,-1-1 0 0 0,1 1 0 0 0,-6-2 1 0 0,9 1-4 0 0,0 1 1 0 0,1 0-1 0 0,-1 0 1 0 0,0 0-1 0 0,0-1 1 0 0,1 1-1 0 0,-1 0 1 0 0,0-1 0 0 0,0 1-1 0 0,1 0 1 0 0,-1-1-1 0 0,0 1 1 0 0,1-1-1 0 0,-1 1 1 0 0,1-1-1 0 0,-1 1 1 0 0,1-1 0 0 0,-1 0-1 0 0,1 1 1 0 0,-1-1-1 0 0,1 0 1 0 0,-1 1-1 0 0,1-1 1 0 0,0 0-1 0 0,-1 0 1 0 0,1 1-1 0 0,0-1 1 0 0,0 0 0 0 0,0 0-1 0 0,0 0 1 0 0,-1 1-1 0 0,1-1 1 0 0,0 0-1 0 0,0 0 1 0 0,0 0-1 0 0,1 1 1 0 0,-1-1-1 0 0,0 0 1 0 0,0 0 0 0 0,0 1-1 0 0,1-1 1 0 0,-1 0-1 0 0,0 0 1 0 0,1 1-1 0 0,-1-1 1 0 0,0 0-1 0 0,2 0 1 0 0,6-9-2052 0 0</inkml:trace>
+</inkml:ink>
+</file>
+
+<file path=ppt/ink/ink6.xml><?xml version="1.0" encoding="utf-8"?>
+<inkml:ink xmlns:inkml="http://www.w3.org/2003/InkML">
+  <inkml:definitions>
+    <inkml:context xml:id="ctx0">
+      <inkml:inkSource xml:id="inkSrc0">
+        <inkml:traceFormat>
+          <inkml:channel name="X" type="integer" min="-2.14748E9" max="2.14748E9" units="cm"/>
+          <inkml:channel name="Y" type="integer" min="-2.14748E9" max="2.14748E9" units="cm"/>
+          <inkml:channel name="F" type="integer" max="32767" units="dev"/>
+          <inkml:channel name="OA" type="integer" max="360" units="deg"/>
+          <inkml:channel name="OE" type="integer" max="90" units="deg"/>
+        </inkml:traceFormat>
+        <inkml:channelProperties>
+          <inkml:channelProperty channel="X" name="resolution" value="1000" units="1/cm"/>
+          <inkml:channelProperty channel="Y" name="resolution" value="1000" units="1/cm"/>
+          <inkml:channelProperty channel="F" name="resolution" value="0" units="1/dev"/>
+          <inkml:channelProperty channel="OA" name="resolution" value="1000" units="1/deg"/>
+          <inkml:channelProperty channel="OE" name="resolution" value="1000" units="1/deg"/>
+        </inkml:channelProperties>
+      </inkml:inkSource>
+      <inkml:timestamp xml:id="ts0" timeString="2020-10-23T17:00:40.887"/>
+    </inkml:context>
+    <inkml:brush xml:id="br0">
+      <inkml:brushProperty name="width" value="0.05" units="cm"/>
+      <inkml:brushProperty name="height" value="0.05" units="cm"/>
+      <inkml:brushProperty name="color" value="#E71224"/>
+    </inkml:brush>
+  </inkml:definitions>
+  <inkml:trace contextRef="#ctx0" brushRef="#br0">0 236 6912 0 0,'0'5'714'0'0,"3"9"9440"0"0,-2-14-9742 0 0,6-1 2199 0 0,-5 0-2506 0 0,-1 0 0 0 0,1 0 0 0 0,-1 0 0 0 0,0 0 0 0 0,1 0 1 0 0,-1 0-1 0 0,0 0 0 0 0,0-1 0 0 0,2-2 0 0 0,10-19 1052 0 0,-8 16-681 0 0,-1-2 0 0 0,7-14 0 0 0,-4 3 156 0 0,1 0 0 0 0,1 1-1 0 0,1 0 1 0 0,12-18 0 0 0,6 6-612 0 0,-17 20-23 0 0,-8 8 3 0 0,0 1 0 0 0,0 0 0 0 0,0 0 0 0 0,0 0 0 0 0,0 0 0 0 0,0 0 0 0 0,5-1 0 0 0,-3 1 0 0 0,-5 2 2 0 0,1 0 1 0 0,-1 0-1 0 0,0 0 0 0 0,1 0 0 0 0,-1-1 0 0 0,1 1 1 0 0,-1 0-1 0 0,1 0 0 0 0,-1 0 0 0 0,0 0 0 0 0,1 0 0 0 0,-1 0 1 0 0,1 1-1 0 0,-1-1 0 0 0,0 0 0 0 0,1 0 0 0 0,-1 0 1 0 0,1 0-1 0 0,-1 0 0 0 0,0 1 0 0 0,1-1 0 0 0,-1 0 1 0 0,0 0-1 0 0,1 1 0 0 0,-1-1 0 0 0,0 0 0 0 0,1 0 1 0 0,-1 1-1 0 0,0-1 0 0 0,1 0 0 0 0,-1 1 0 0 0,0-1 1 0 0,5 11 123 0 0,-5-11-117 0 0,2 6 34 0 0,-1 0-1 0 0,0-1 0 0 0,0 1 1 0 0,0 8-1 0 0,2 12-59 0 0,-2-16-2 0 0,-1 0 1 0 0,0 0-1 0 0,0 0 0 0 0,-3 15 1 0 0,0 26-73 0 0,3-47 87 0 0,0 0 0 0 0,1 0-1 0 0,-1 1 1 0 0,1-1 0 0 0,0 0-1 0 0,0 0 1 0 0,1 0 0 0 0,-1 0-1 0 0,3 5 1 0 0,-3-8 4 0 0,-1 0 0 0 0,1-1 0 0 0,-1 1 0 0 0,0 0 0 0 0,1-1 0 0 0,-1 1 0 0 0,1 0 0 0 0,-1-1 0 0 0,1 1 0 0 0,-1-1 0 0 0,1 1 0 0 0,0-1 0 0 0,-1 1 0 0 0,2 0 0 0 0,-2-1 0 0 0,0 0 0 0 0,1 0 0 0 0,-1 0 0 0 0,1 0 0 0 0,-1 0 0 0 0,0 0 0 0 0,1 0 0 0 0,-1 0 0 0 0,1 0 0 0 0,-1 0 0 0 0,0 0 0 0 0,1 0 0 0 0,-1 0 0 0 0,1 0 0 0 0,-1-1 0 0 0,0 1 0 0 0,1 0 0 0 0,-1 0 0 0 0,0 0 0 0 0,1-1 0 0 0,-1 1 0 0 0,0 0 0 0 0,1 0 0 0 0,-1-1 0 0 0,0 1 0 0 0,1 0 0 0 0,-1 0 0 0 0,0-1 0 0 0,0 1 0 0 0,1 0 0 0 0,-1-1 0 0 0,0 1 0 0 0,4-5 5 0 0,0 0 0 0 0,0 0 0 0 0,0 0 0 0 0,-1 0 0 0 0,0-1 0 0 0,0 1 0 0 0,0-1 0 0 0,3-11 0 0 0,7-14 29 0 0,3-1 84 0 0,-12 22 49 0 0,1 0-1 0 0,0 0 1 0 0,7-9 0 0 0,-7 9 54 0 0,-4 9-193 0 0,-1 0-1 0 0,0 0 1 0 0,1 1 0 0 0,-1-1 0 0 0,1 0-1 0 0,-1 0 1 0 0,1 0 0 0 0,-1 0 0 0 0,1 0-1 0 0,0 1 1 0 0,-1-1 0 0 0,1 0-1 0 0,0 1 1 0 0,0-1 0 0 0,-1 0 0 0 0,1 1-1 0 0,2-2 1 0 0,1 1-4 0 0,0 0 0 0 0,0-1 1 0 0,0 1-1 0 0,0 1 0 0 0,0-1 0 0 0,0 0 0 0 0,0 1 0 0 0,0 0 0 0 0,0 0 1 0 0,0 0-1 0 0,0 1 0 0 0,0-1 0 0 0,0 1 0 0 0,0 0 0 0 0,0 0 1 0 0,0 0-1 0 0,0 1 0 0 0,0 0 0 0 0,-1-1 0 0 0,1 1 0 0 0,0 0 1 0 0,-1 1-1 0 0,0-1 0 0 0,1 1 0 0 0,-1-1 0 0 0,0 1 0 0 0,-1 0 0 0 0,1 0 1 0 0,0 0-1 0 0,-1 1 0 0 0,1-1 0 0 0,-1 0 0 0 0,3 8 0 0 0,0-1-72 0 0,-3-5-37 0 0,0 0-1 0 0,1 0 1 0 0,0 0-1 0 0,0 0 1 0 0,5 6-1 0 0,-7-10 0 0 0,0 0 0 0 0,0 0 0 0 0,-1-1 0 0 0,1 1 0 0 0,0 0 0 0 0,0-1 0 0 0,0 1 0 0 0,0-1 0 0 0,0 1 0 0 0,0-1-1 0 0,0 1 1 0 0,0-1 0 0 0,0 0 0 0 0,0 0 0 0 0,0 1 0 0 0,0-1 0 0 0,0 0 0 0 0,0 0 0 0 0,0 0 0 0 0,0 0 0 0 0,0 0 0 0 0,0 0 0 0 0,0-1-1 0 0,1 1 1 0 0,-1 0 0 0 0,0 0 0 0 0,0-1 0 0 0,0 1 0 0 0,0-1 0 0 0,-1 1 0 0 0,1-1 0 0 0,0 1 0 0 0,0-1 0 0 0,0 1 0 0 0,1-2 0 0 0,15-13-2982 0 0,-2 3-3567 0 0,-2 2-655 0 0</inkml:trace>
+</inkml:ink>
+</file>
+
+<file path=ppt/ink/ink7.xml><?xml version="1.0" encoding="utf-8"?>
+<inkml:ink xmlns:inkml="http://www.w3.org/2003/InkML">
+  <inkml:definitions>
+    <inkml:context xml:id="ctx0">
+      <inkml:inkSource xml:id="inkSrc0">
+        <inkml:traceFormat>
+          <inkml:channel name="X" type="integer" min="-2.14748E9" max="2.14748E9" units="cm"/>
+          <inkml:channel name="Y" type="integer" min="-2.14748E9" max="2.14748E9" units="cm"/>
+          <inkml:channel name="F" type="integer" max="32767" units="dev"/>
+          <inkml:channel name="OA" type="integer" max="360" units="deg"/>
+          <inkml:channel name="OE" type="integer" max="90" units="deg"/>
+        </inkml:traceFormat>
+        <inkml:channelProperties>
+          <inkml:channelProperty channel="X" name="resolution" value="1000" units="1/cm"/>
+          <inkml:channelProperty channel="Y" name="resolution" value="1000" units="1/cm"/>
+          <inkml:channelProperty channel="F" name="resolution" value="0" units="1/dev"/>
+          <inkml:channelProperty channel="OA" name="resolution" value="1000" units="1/deg"/>
+          <inkml:channelProperty channel="OE" name="resolution" value="1000" units="1/deg"/>
+        </inkml:channelProperties>
+      </inkml:inkSource>
+      <inkml:timestamp xml:id="ts0" timeString="2020-10-23T17:00:41.217"/>
+    </inkml:context>
+    <inkml:brush xml:id="br0">
+      <inkml:brushProperty name="width" value="0.05" units="cm"/>
+      <inkml:brushProperty name="height" value="0.05" units="cm"/>
+      <inkml:brushProperty name="color" value="#E71224"/>
+    </inkml:brush>
+  </inkml:definitions>
+  <inkml:trace contextRef="#ctx0" brushRef="#br0">27 278 19231 0 0,'0'0'1472'0'0,"0"14"-832"0"0,-2 23 586 0 0,-6 37-1 0 0,-2 15 588 0 0,4 3-1545 0 0,6-91-884 0 0,3-6-2605 0 0</inkml:trace>
+  <inkml:trace contextRef="#ctx0" brushRef="#br0" timeOffset="1">27 0 12816 0 0,'0'0'1400'0'0,"8"4"-1640"0"0,-3 1 144 0 0</inkml:trace>
+</inkml:ink>
+</file>
+
+<file path=ppt/ink/ink8.xml><?xml version="1.0" encoding="utf-8"?>
+<inkml:ink xmlns:inkml="http://www.w3.org/2003/InkML">
+  <inkml:definitions>
+    <inkml:context xml:id="ctx0">
+      <inkml:inkSource xml:id="inkSrc0">
+        <inkml:traceFormat>
+          <inkml:channel name="X" type="integer" min="-2.14748E9" max="2.14748E9" units="cm"/>
+          <inkml:channel name="Y" type="integer" min="-2.14748E9" max="2.14748E9" units="cm"/>
+          <inkml:channel name="F" type="integer" max="32767" units="dev"/>
+          <inkml:channel name="OA" type="integer" max="360" units="deg"/>
+          <inkml:channel name="OE" type="integer" max="90" units="deg"/>
+        </inkml:traceFormat>
+        <inkml:channelProperties>
+          <inkml:channelProperty channel="X" name="resolution" value="1000" units="1/cm"/>
+          <inkml:channelProperty channel="Y" name="resolution" value="1000" units="1/cm"/>
+          <inkml:channelProperty channel="F" name="resolution" value="0" units="1/dev"/>
+          <inkml:channelProperty channel="OA" name="resolution" value="1000" units="1/deg"/>
+          <inkml:channelProperty channel="OE" name="resolution" value="1000" units="1/deg"/>
+        </inkml:channelProperties>
+      </inkml:inkSource>
+      <inkml:timestamp xml:id="ts0" timeString="2020-10-23T17:00:41.563"/>
+    </inkml:context>
+    <inkml:brush xml:id="br0">
+      <inkml:brushProperty name="width" value="0.05" units="cm"/>
+      <inkml:brushProperty name="height" value="0.05" units="cm"/>
+      <inkml:brushProperty name="color" value="#E71224"/>
+    </inkml:brush>
+  </inkml:definitions>
+  <inkml:trace contextRef="#ctx0" brushRef="#br0">122 0 19351 0 0,'-40'38'2069'0'0,"22"-23"-791"0"0,1 2-1 0 0,-23 28 1 0 0,39-44-1220 0 0,1 0 1 0 0,-1 0 0 0 0,1 0 0 0 0,-1-1 0 0 0,0 1 0 0 0,1 0 0 0 0,0 0 0 0 0,-1 0-1 0 0,1 1 1 0 0,0-1 0 0 0,-1 0 0 0 0,1 0 0 0 0,0 0 0 0 0,0 0 0 0 0,0 0 0 0 0,0 0 0 0 0,0 0-1 0 0,0 0 1 0 0,0 0 0 0 0,0 0 0 0 0,1 0 0 0 0,0 2 0 0 0,-1-1-3 0 0,2 0 0 0 0,-1 0 0 0 0,0 0-1 0 0,0-1 1 0 0,0 1 0 0 0,1-1 0 0 0,-1 1 0 0 0,1-1 0 0 0,0 1 0 0 0,-1-1 0 0 0,3 2 0 0 0,4 2 24 0 0,1-1 1 0 0,0 0-1 0 0,18 7 0 0 0,-18-8-227 0 0,3 0 558 0 0,-1 1-1 0 0,12 6 0 0 0,-21-8-340 0 0,1-1 0 0 0,-1 1 0 0 0,1-1 0 0 0,-1 1 0 0 0,1 0 0 0 0,-1 0 0 0 0,0 0 0 0 0,0 0 0 0 0,0 1 0 0 0,0-1 0 0 0,0 0 0 0 0,0 1 0 0 0,2 4 0 0 0,-4-5-59 0 0,0 1 1 0 0,1-1-1 0 0,-1 0 0 0 0,0 1 0 0 0,0-1 0 0 0,-1 0 1 0 0,1 1-1 0 0,0-1 0 0 0,-1 0 0 0 0,0 0 1 0 0,1 1-1 0 0,-1-1 0 0 0,0 0 0 0 0,0 0 0 0 0,0 0 1 0 0,0 0-1 0 0,-1 0 0 0 0,1 0 0 0 0,0 0 1 0 0,-4 3-1 0 0,4-3-157 0 0,-1 0-1 0 0,0 0 1 0 0,1 0 0 0 0,-1-1 0 0 0,0 1 0 0 0,0 0 0 0 0,0-1-1 0 0,0 1 1 0 0,0-1 0 0 0,-1 0 0 0 0,1 1 0 0 0,0-1-1 0 0,-1 0 1 0 0,1-1 0 0 0,0 1 0 0 0,-1 0 0 0 0,1-1 0 0 0,-1 1-1 0 0,-3-1 1 0 0,1-2-2835 0 0</inkml:trace>
+</inkml:ink>
+</file>
+
+<file path=ppt/ink/ink9.xml><?xml version="1.0" encoding="utf-8"?>
+<inkml:ink xmlns:inkml="http://www.w3.org/2003/InkML">
+  <inkml:definitions>
+    <inkml:context xml:id="ctx0">
+      <inkml:inkSource xml:id="inkSrc0">
+        <inkml:traceFormat>
+          <inkml:channel name="X" type="integer" min="-2.14748E9" max="2.14748E9" units="cm"/>
+          <inkml:channel name="Y" type="integer" min="-2.14748E9" max="2.14748E9" units="cm"/>
+          <inkml:channel name="F" type="integer" max="32767" units="dev"/>
+          <inkml:channel name="OA" type="integer" max="360" units="deg"/>
+          <inkml:channel name="OE" type="integer" max="90" units="deg"/>
+        </inkml:traceFormat>
+        <inkml:channelProperties>
+          <inkml:channelProperty channel="X" name="resolution" value="1000" units="1/cm"/>
+          <inkml:channelProperty channel="Y" name="resolution" value="1000" units="1/cm"/>
+          <inkml:channelProperty channel="F" name="resolution" value="0" units="1/dev"/>
+          <inkml:channelProperty channel="OA" name="resolution" value="1000" units="1/deg"/>
+          <inkml:channelProperty channel="OE" name="resolution" value="1000" units="1/deg"/>
+        </inkml:channelProperties>
+      </inkml:inkSource>
+      <inkml:timestamp xml:id="ts0" timeString="2020-10-23T17:00:41.902"/>
+    </inkml:context>
+    <inkml:brush xml:id="br0">
+      <inkml:brushProperty name="width" value="0.05" units="cm"/>
+      <inkml:brushProperty name="height" value="0.05" units="cm"/>
+      <inkml:brushProperty name="color" value="#E71224"/>
+    </inkml:brush>
+  </inkml:definitions>
+  <inkml:trace contextRef="#ctx0" brushRef="#br0">93 118 6448 0 0,'0'0'14077'0'0,"-5"3"-11401"0"0,-20 20 898 0 0,24-22-2991 0 0,5 15 942 0 0,-3-14-1430 0 0,1-1-1 0 0,0 1 0 0 0,0 0 1 0 0,0-1-1 0 0,0 1 1 0 0,1-1-1 0 0,-1 0 1 0 0,0 0-1 0 0,1 0 1 0 0,-1 0-1 0 0,4 1 1 0 0,29 6 520 0 0,-21-6-405 0 0,0 0-40 0 0,23 6 107 0 0,-35-7-253 0 0,0-1-1 0 0,0 1 0 0 0,0 0 0 0 0,0 0 1 0 0,0 0-1 0 0,0 0 0 0 0,0 0 1 0 0,0 1-1 0 0,0-1 0 0 0,0 1 0 0 0,-1-1 1 0 0,1 1-1 0 0,1 1 0 0 0,-3-1-19 0 0,1-1 1 0 0,0 0-1 0 0,-1 1 0 0 0,0-1 1 0 0,1 1-1 0 0,-1-1 0 0 0,0 1 0 0 0,0-1 1 0 0,0 1-1 0 0,0 0 0 0 0,0-1 1 0 0,0 1-1 0 0,0-1 0 0 0,0 1 1 0 0,-1 2-1 0 0,-9 23 23 0 0,9-24-27 0 0,-5 10 5 0 0,-1-1 0 0 0,-1 1 0 0 0,0-2 0 0 0,0 1 0 0 0,-1-1 0 0 0,0 0-1 0 0,-1-1 1 0 0,-1 0 0 0 0,1-1 0 0 0,-1 0 0 0 0,-1 0 0 0 0,-16 8 0 0 0,23-14-215 0 0,0-1-1 0 0,0 1 1 0 0,0-1 0 0 0,0 0 0 0 0,-6 1-1 0 0,9-3 121 0 0,0 0-1 0 0,0 1 1 0 0,1-1-1 0 0,-1 0 1 0 0,0 0-1 0 0,0 0 0 0 0,1 0 1 0 0,-1 0-1 0 0,0 0 1 0 0,0-1-1 0 0,1 1 0 0 0,-1-1 1 0 0,0 1-1 0 0,1-1 1 0 0,-1 1-1 0 0,1-1 1 0 0,-1 0-1 0 0,0 0 0 0 0,-1-2 1 0 0,2 3-80 0 0,1-1 1 0 0,-1 0-1 0 0,1 1 1 0 0,0-1-1 0 0,-1 0 1 0 0,1 0 0 0 0,0 0-1 0 0,-1 1 1 0 0,1-1-1 0 0,0 0 1 0 0,0 0-1 0 0,0 0 1 0 0,0 0-1 0 0,0 0 1 0 0,0 1-1 0 0,0-1 1 0 0,0 0-1 0 0,0 0 1 0 0,0-1 0 0 0,3-10-2273 0 0</inkml:trace>
+  <inkml:trace contextRef="#ctx0" brushRef="#br0" timeOffset="0.99">435 0 19351 0 0,'-1'8'1751'0'0,"-15"50"-1234"0"0,13-49-231 0 0,-9 22 1239 0 0,-24 47 1 0 0,17-41-931 0 0,16-30-816 0 0,-1 0 1 0 0,1 0-1 0 0,1 0 0 0 0,-1 1 0 0 0,2-1 0 0 0,-1 1 0 0 0,0 7 1 0 0,2-13-791 0 0</inkml:trace>
+</inkml:ink>
 </file>
 
 <file path=ppt/notesMasters/notesMaster1.xml><?xml version="1.0" encoding="utf-8"?>
@@ -848,7 +2134,7 @@
           <a:p>
             <a:fld id="{3A2BF66F-FEB0-48C1-A8B9-A73F54BB1A08}" type="datetimeFigureOut">
               <a:rPr lang="en-US" smtClean="0"/>
-              <a:t>10/22/2020</a:t>
+              <a:t>10/23/2020</a:t>
             </a:fld>
             <a:endParaRPr lang="en-US"/>
           </a:p>
@@ -1048,7 +2334,7 @@
           <a:p>
             <a:fld id="{3A2BF66F-FEB0-48C1-A8B9-A73F54BB1A08}" type="datetimeFigureOut">
               <a:rPr lang="en-US" smtClean="0"/>
-              <a:t>10/22/2020</a:t>
+              <a:t>10/23/2020</a:t>
             </a:fld>
             <a:endParaRPr lang="en-US"/>
           </a:p>
@@ -1258,7 +2544,7 @@
           <a:p>
             <a:fld id="{3A2BF66F-FEB0-48C1-A8B9-A73F54BB1A08}" type="datetimeFigureOut">
               <a:rPr lang="en-US" smtClean="0"/>
-              <a:t>10/22/2020</a:t>
+              <a:t>10/23/2020</a:t>
             </a:fld>
             <a:endParaRPr lang="en-US"/>
           </a:p>
@@ -1458,7 +2744,7 @@
           <a:p>
             <a:fld id="{3A2BF66F-FEB0-48C1-A8B9-A73F54BB1A08}" type="datetimeFigureOut">
               <a:rPr lang="en-US" smtClean="0"/>
-              <a:t>10/22/2020</a:t>
+              <a:t>10/23/2020</a:t>
             </a:fld>
             <a:endParaRPr lang="en-US"/>
           </a:p>
@@ -1735,7 +3021,7 @@
           <a:p>
             <a:fld id="{3A2BF66F-FEB0-48C1-A8B9-A73F54BB1A08}" type="datetimeFigureOut">
               <a:rPr lang="en-US" smtClean="0"/>
-              <a:t>10/22/2020</a:t>
+              <a:t>10/23/2020</a:t>
             </a:fld>
             <a:endParaRPr lang="en-US"/>
           </a:p>
@@ -2002,7 +3288,7 @@
           <a:p>
             <a:fld id="{3A2BF66F-FEB0-48C1-A8B9-A73F54BB1A08}" type="datetimeFigureOut">
               <a:rPr lang="en-US" smtClean="0"/>
-              <a:t>10/22/2020</a:t>
+              <a:t>10/23/2020</a:t>
             </a:fld>
             <a:endParaRPr lang="en-US"/>
           </a:p>
@@ -2416,7 +3702,7 @@
           <a:p>
             <a:fld id="{3A2BF66F-FEB0-48C1-A8B9-A73F54BB1A08}" type="datetimeFigureOut">
               <a:rPr lang="en-US" smtClean="0"/>
-              <a:t>10/22/2020</a:t>
+              <a:t>10/23/2020</a:t>
             </a:fld>
             <a:endParaRPr lang="en-US"/>
           </a:p>
@@ -2559,7 +3845,7 @@
           <a:p>
             <a:fld id="{3A2BF66F-FEB0-48C1-A8B9-A73F54BB1A08}" type="datetimeFigureOut">
               <a:rPr lang="en-US" smtClean="0"/>
-              <a:t>10/22/2020</a:t>
+              <a:t>10/23/2020</a:t>
             </a:fld>
             <a:endParaRPr lang="en-US"/>
           </a:p>
@@ -2674,7 +3960,7 @@
           <a:p>
             <a:fld id="{3A2BF66F-FEB0-48C1-A8B9-A73F54BB1A08}" type="datetimeFigureOut">
               <a:rPr lang="en-US" smtClean="0"/>
-              <a:t>10/22/2020</a:t>
+              <a:t>10/23/2020</a:t>
             </a:fld>
             <a:endParaRPr lang="en-US"/>
           </a:p>
@@ -2986,7 +4272,7 @@
           <a:p>
             <a:fld id="{3A2BF66F-FEB0-48C1-A8B9-A73F54BB1A08}" type="datetimeFigureOut">
               <a:rPr lang="en-US" smtClean="0"/>
-              <a:t>10/22/2020</a:t>
+              <a:t>10/23/2020</a:t>
             </a:fld>
             <a:endParaRPr lang="en-US"/>
           </a:p>
@@ -3276,7 +4562,7 @@
           <a:p>
             <a:fld id="{3A2BF66F-FEB0-48C1-A8B9-A73F54BB1A08}" type="datetimeFigureOut">
               <a:rPr lang="en-US" smtClean="0"/>
-              <a:t>10/22/2020</a:t>
+              <a:t>10/23/2020</a:t>
             </a:fld>
             <a:endParaRPr lang="en-US"/>
           </a:p>
@@ -3519,7 +4805,7 @@
           <a:p>
             <a:fld id="{3A2BF66F-FEB0-48C1-A8B9-A73F54BB1A08}" type="datetimeFigureOut">
               <a:rPr lang="en-US" smtClean="0"/>
-              <a:t>10/22/2020</a:t>
+              <a:t>10/23/2020</a:t>
             </a:fld>
             <a:endParaRPr lang="en-US"/>
           </a:p>
@@ -4430,6 +5716,2130 @@
           </a:p>
         </p:txBody>
       </p:sp>
+      <mc:AlternateContent xmlns:mc="http://schemas.openxmlformats.org/markup-compatibility/2006">
+        <mc:Choice xmlns:p14="http://schemas.microsoft.com/office/powerpoint/2010/main" Requires="p14">
+          <p:contentPart p14:bwMode="auto" r:id="rId2">
+            <p14:nvContentPartPr>
+              <p14:cNvPr id="4" name="Ink 3">
+                <a:extLst>
+                  <a:ext uri="{FF2B5EF4-FFF2-40B4-BE49-F238E27FC236}">
+                    <a16:creationId xmlns:a16="http://schemas.microsoft.com/office/drawing/2014/main" id="{42FDDAD5-940C-495D-81F3-9FA09923EBB1}"/>
+                  </a:ext>
+                </a:extLst>
+              </p14:cNvPr>
+              <p14:cNvContentPartPr/>
+              <p14:nvPr/>
+            </p14:nvContentPartPr>
+            <p14:xfrm>
+              <a:off x="1834129" y="2604499"/>
+              <a:ext cx="1105560" cy="69840"/>
+            </p14:xfrm>
+          </p:contentPart>
+        </mc:Choice>
+        <mc:Fallback>
+          <p:pic>
+            <p:nvPicPr>
+              <p:cNvPr id="4" name="Ink 3">
+                <a:extLst>
+                  <a:ext uri="{FF2B5EF4-FFF2-40B4-BE49-F238E27FC236}">
+                    <a16:creationId xmlns:a16="http://schemas.microsoft.com/office/drawing/2014/main" id="{42FDDAD5-940C-495D-81F3-9FA09923EBB1}"/>
+                  </a:ext>
+                </a:extLst>
+              </p:cNvPr>
+              <p:cNvPicPr/>
+              <p:nvPr/>
+            </p:nvPicPr>
+            <p:blipFill>
+              <a:blip r:embed="rId3"/>
+              <a:stretch>
+                <a:fillRect/>
+              </a:stretch>
+            </p:blipFill>
+            <p:spPr>
+              <a:xfrm>
+                <a:off x="1825129" y="2595859"/>
+                <a:ext cx="1123200" cy="87480"/>
+              </a:xfrm>
+              <a:prstGeom prst="rect">
+                <a:avLst/>
+              </a:prstGeom>
+            </p:spPr>
+          </p:pic>
+        </mc:Fallback>
+      </mc:AlternateContent>
+      <mc:AlternateContent xmlns:mc="http://schemas.openxmlformats.org/markup-compatibility/2006">
+        <mc:Choice xmlns:p14="http://schemas.microsoft.com/office/powerpoint/2010/main" Requires="p14">
+          <p:contentPart p14:bwMode="auto" r:id="rId4">
+            <p14:nvContentPartPr>
+              <p14:cNvPr id="5" name="Ink 4">
+                <a:extLst>
+                  <a:ext uri="{FF2B5EF4-FFF2-40B4-BE49-F238E27FC236}">
+                    <a16:creationId xmlns:a16="http://schemas.microsoft.com/office/drawing/2014/main" id="{65CF4653-62F7-41C4-9594-687EF8A5735B}"/>
+                  </a:ext>
+                </a:extLst>
+              </p14:cNvPr>
+              <p14:cNvContentPartPr/>
+              <p14:nvPr/>
+            </p14:nvContentPartPr>
+            <p14:xfrm>
+              <a:off x="4526929" y="2385619"/>
+              <a:ext cx="227520" cy="106560"/>
+            </p14:xfrm>
+          </p:contentPart>
+        </mc:Choice>
+        <mc:Fallback>
+          <p:pic>
+            <p:nvPicPr>
+              <p:cNvPr id="5" name="Ink 4">
+                <a:extLst>
+                  <a:ext uri="{FF2B5EF4-FFF2-40B4-BE49-F238E27FC236}">
+                    <a16:creationId xmlns:a16="http://schemas.microsoft.com/office/drawing/2014/main" id="{65CF4653-62F7-41C4-9594-687EF8A5735B}"/>
+                  </a:ext>
+                </a:extLst>
+              </p:cNvPr>
+              <p:cNvPicPr/>
+              <p:nvPr/>
+            </p:nvPicPr>
+            <p:blipFill>
+              <a:blip r:embed="rId5"/>
+              <a:stretch>
+                <a:fillRect/>
+              </a:stretch>
+            </p:blipFill>
+            <p:spPr>
+              <a:xfrm>
+                <a:off x="4517929" y="2376619"/>
+                <a:ext cx="245160" cy="124200"/>
+              </a:xfrm>
+              <a:prstGeom prst="rect">
+                <a:avLst/>
+              </a:prstGeom>
+            </p:spPr>
+          </p:pic>
+        </mc:Fallback>
+      </mc:AlternateContent>
+      <p:grpSp>
+        <p:nvGrpSpPr>
+          <p:cNvPr id="24" name="Group 23">
+            <a:extLst>
+              <a:ext uri="{FF2B5EF4-FFF2-40B4-BE49-F238E27FC236}">
+                <a16:creationId xmlns:a16="http://schemas.microsoft.com/office/drawing/2014/main" id="{9E092CC9-A0DF-409B-9D2D-B2FB63335298}"/>
+              </a:ext>
+            </a:extLst>
+          </p:cNvPr>
+          <p:cNvGrpSpPr/>
+          <p:nvPr/>
+        </p:nvGrpSpPr>
+        <p:grpSpPr>
+          <a:xfrm>
+            <a:off x="6101209" y="2190859"/>
+            <a:ext cx="1472760" cy="325080"/>
+            <a:chOff x="6101209" y="2190859"/>
+            <a:chExt cx="1472760" cy="325080"/>
+          </a:xfrm>
+        </p:grpSpPr>
+        <mc:AlternateContent xmlns:mc="http://schemas.openxmlformats.org/markup-compatibility/2006">
+          <mc:Choice xmlns:p14="http://schemas.microsoft.com/office/powerpoint/2010/main" Requires="p14">
+            <p:contentPart p14:bwMode="auto" r:id="rId6">
+              <p14:nvContentPartPr>
+                <p14:cNvPr id="13" name="Ink 12">
+                  <a:extLst>
+                    <a:ext uri="{FF2B5EF4-FFF2-40B4-BE49-F238E27FC236}">
+                      <a16:creationId xmlns:a16="http://schemas.microsoft.com/office/drawing/2014/main" id="{CE33F5A3-ACCB-4E18-B767-5BFCCA2A7832}"/>
+                    </a:ext>
+                  </a:extLst>
+                </p14:cNvPr>
+                <p14:cNvContentPartPr/>
+                <p14:nvPr/>
+              </p14:nvContentPartPr>
+              <p14:xfrm>
+                <a:off x="6101209" y="2328379"/>
+                <a:ext cx="109080" cy="187560"/>
+              </p14:xfrm>
+            </p:contentPart>
+          </mc:Choice>
+          <mc:Fallback>
+            <p:pic>
+              <p:nvPicPr>
+                <p:cNvPr id="13" name="Ink 12">
+                  <a:extLst>
+                    <a:ext uri="{FF2B5EF4-FFF2-40B4-BE49-F238E27FC236}">
+                      <a16:creationId xmlns:a16="http://schemas.microsoft.com/office/drawing/2014/main" id="{CE33F5A3-ACCB-4E18-B767-5BFCCA2A7832}"/>
+                    </a:ext>
+                  </a:extLst>
+                </p:cNvPr>
+                <p:cNvPicPr/>
+                <p:nvPr/>
+              </p:nvPicPr>
+              <p:blipFill>
+                <a:blip r:embed="rId7"/>
+                <a:stretch>
+                  <a:fillRect/>
+                </a:stretch>
+              </p:blipFill>
+              <p:spPr>
+                <a:xfrm>
+                  <a:off x="6092209" y="2319379"/>
+                  <a:ext cx="126720" cy="205200"/>
+                </a:xfrm>
+                <a:prstGeom prst="rect">
+                  <a:avLst/>
+                </a:prstGeom>
+              </p:spPr>
+            </p:pic>
+          </mc:Fallback>
+        </mc:AlternateContent>
+        <mc:AlternateContent xmlns:mc="http://schemas.openxmlformats.org/markup-compatibility/2006">
+          <mc:Choice xmlns:p14="http://schemas.microsoft.com/office/powerpoint/2010/main" Requires="p14">
+            <p:contentPart p14:bwMode="auto" r:id="rId8">
+              <p14:nvContentPartPr>
+                <p14:cNvPr id="14" name="Ink 13">
+                  <a:extLst>
+                    <a:ext uri="{FF2B5EF4-FFF2-40B4-BE49-F238E27FC236}">
+                      <a16:creationId xmlns:a16="http://schemas.microsoft.com/office/drawing/2014/main" id="{D2252064-BF6B-48B0-95BA-D5C8A4369710}"/>
+                    </a:ext>
+                  </a:extLst>
+                </p14:cNvPr>
+                <p14:cNvContentPartPr/>
+                <p14:nvPr/>
+              </p14:nvContentPartPr>
+              <p14:xfrm>
+                <a:off x="6259969" y="2326939"/>
+                <a:ext cx="109440" cy="162720"/>
+              </p14:xfrm>
+            </p:contentPart>
+          </mc:Choice>
+          <mc:Fallback>
+            <p:pic>
+              <p:nvPicPr>
+                <p:cNvPr id="14" name="Ink 13">
+                  <a:extLst>
+                    <a:ext uri="{FF2B5EF4-FFF2-40B4-BE49-F238E27FC236}">
+                      <a16:creationId xmlns:a16="http://schemas.microsoft.com/office/drawing/2014/main" id="{D2252064-BF6B-48B0-95BA-D5C8A4369710}"/>
+                    </a:ext>
+                  </a:extLst>
+                </p:cNvPr>
+                <p:cNvPicPr/>
+                <p:nvPr/>
+              </p:nvPicPr>
+              <p:blipFill>
+                <a:blip r:embed="rId9"/>
+                <a:stretch>
+                  <a:fillRect/>
+                </a:stretch>
+              </p:blipFill>
+              <p:spPr>
+                <a:xfrm>
+                  <a:off x="6251329" y="2318299"/>
+                  <a:ext cx="127080" cy="180360"/>
+                </a:xfrm>
+                <a:prstGeom prst="rect">
+                  <a:avLst/>
+                </a:prstGeom>
+              </p:spPr>
+            </p:pic>
+          </mc:Fallback>
+        </mc:AlternateContent>
+        <mc:AlternateContent xmlns:mc="http://schemas.openxmlformats.org/markup-compatibility/2006">
+          <mc:Choice xmlns:p14="http://schemas.microsoft.com/office/powerpoint/2010/main" Requires="p14">
+            <p:contentPart p14:bwMode="auto" r:id="rId10">
+              <p14:nvContentPartPr>
+                <p14:cNvPr id="15" name="Ink 14">
+                  <a:extLst>
+                    <a:ext uri="{FF2B5EF4-FFF2-40B4-BE49-F238E27FC236}">
+                      <a16:creationId xmlns:a16="http://schemas.microsoft.com/office/drawing/2014/main" id="{21C08705-7F7A-4920-8B4F-A5465A6E3467}"/>
+                    </a:ext>
+                  </a:extLst>
+                </p14:cNvPr>
+                <p14:cNvContentPartPr/>
+                <p14:nvPr/>
+              </p14:nvContentPartPr>
+              <p14:xfrm>
+                <a:off x="6434929" y="2190859"/>
+                <a:ext cx="129600" cy="275760"/>
+              </p14:xfrm>
+            </p:contentPart>
+          </mc:Choice>
+          <mc:Fallback>
+            <p:pic>
+              <p:nvPicPr>
+                <p:cNvPr id="15" name="Ink 14">
+                  <a:extLst>
+                    <a:ext uri="{FF2B5EF4-FFF2-40B4-BE49-F238E27FC236}">
+                      <a16:creationId xmlns:a16="http://schemas.microsoft.com/office/drawing/2014/main" id="{21C08705-7F7A-4920-8B4F-A5465A6E3467}"/>
+                    </a:ext>
+                  </a:extLst>
+                </p:cNvPr>
+                <p:cNvPicPr/>
+                <p:nvPr/>
+              </p:nvPicPr>
+              <p:blipFill>
+                <a:blip r:embed="rId11"/>
+                <a:stretch>
+                  <a:fillRect/>
+                </a:stretch>
+              </p:blipFill>
+              <p:spPr>
+                <a:xfrm>
+                  <a:off x="6426289" y="2181859"/>
+                  <a:ext cx="147240" cy="293400"/>
+                </a:xfrm>
+                <a:prstGeom prst="rect">
+                  <a:avLst/>
+                </a:prstGeom>
+              </p:spPr>
+            </p:pic>
+          </mc:Fallback>
+        </mc:AlternateContent>
+        <mc:AlternateContent xmlns:mc="http://schemas.openxmlformats.org/markup-compatibility/2006">
+          <mc:Choice xmlns:p14="http://schemas.microsoft.com/office/powerpoint/2010/main" Requires="p14">
+            <p:contentPart p14:bwMode="auto" r:id="rId12">
+              <p14:nvContentPartPr>
+                <p14:cNvPr id="16" name="Ink 15">
+                  <a:extLst>
+                    <a:ext uri="{FF2B5EF4-FFF2-40B4-BE49-F238E27FC236}">
+                      <a16:creationId xmlns:a16="http://schemas.microsoft.com/office/drawing/2014/main" id="{8435331A-E2E5-4894-9901-B4281D85BBE1}"/>
+                    </a:ext>
+                  </a:extLst>
+                </p14:cNvPr>
+                <p14:cNvContentPartPr/>
+                <p14:nvPr/>
+              </p14:nvContentPartPr>
+              <p14:xfrm>
+                <a:off x="6602689" y="2360419"/>
+                <a:ext cx="208080" cy="92160"/>
+              </p14:xfrm>
+            </p:contentPart>
+          </mc:Choice>
+          <mc:Fallback>
+            <p:pic>
+              <p:nvPicPr>
+                <p:cNvPr id="16" name="Ink 15">
+                  <a:extLst>
+                    <a:ext uri="{FF2B5EF4-FFF2-40B4-BE49-F238E27FC236}">
+                      <a16:creationId xmlns:a16="http://schemas.microsoft.com/office/drawing/2014/main" id="{8435331A-E2E5-4894-9901-B4281D85BBE1}"/>
+                    </a:ext>
+                  </a:extLst>
+                </p:cNvPr>
+                <p:cNvPicPr/>
+                <p:nvPr/>
+              </p:nvPicPr>
+              <p:blipFill>
+                <a:blip r:embed="rId13"/>
+                <a:stretch>
+                  <a:fillRect/>
+                </a:stretch>
+              </p:blipFill>
+              <p:spPr>
+                <a:xfrm>
+                  <a:off x="6593689" y="2351419"/>
+                  <a:ext cx="225720" cy="109800"/>
+                </a:xfrm>
+                <a:prstGeom prst="rect">
+                  <a:avLst/>
+                </a:prstGeom>
+              </p:spPr>
+            </p:pic>
+          </mc:Fallback>
+        </mc:AlternateContent>
+        <mc:AlternateContent xmlns:mc="http://schemas.openxmlformats.org/markup-compatibility/2006">
+          <mc:Choice xmlns:p14="http://schemas.microsoft.com/office/powerpoint/2010/main" Requires="p14">
+            <p:contentPart p14:bwMode="auto" r:id="rId14">
+              <p14:nvContentPartPr>
+                <p14:cNvPr id="17" name="Ink 16">
+                  <a:extLst>
+                    <a:ext uri="{FF2B5EF4-FFF2-40B4-BE49-F238E27FC236}">
+                      <a16:creationId xmlns:a16="http://schemas.microsoft.com/office/drawing/2014/main" id="{FDD67E5F-472B-4D6F-8577-8ACAF0773C08}"/>
+                    </a:ext>
+                  </a:extLst>
+                </p14:cNvPr>
+                <p14:cNvContentPartPr/>
+                <p14:nvPr/>
+              </p14:nvContentPartPr>
+              <p14:xfrm>
+                <a:off x="6854689" y="2257099"/>
+                <a:ext cx="14760" cy="210960"/>
+              </p14:xfrm>
+            </p:contentPart>
+          </mc:Choice>
+          <mc:Fallback>
+            <p:pic>
+              <p:nvPicPr>
+                <p:cNvPr id="17" name="Ink 16">
+                  <a:extLst>
+                    <a:ext uri="{FF2B5EF4-FFF2-40B4-BE49-F238E27FC236}">
+                      <a16:creationId xmlns:a16="http://schemas.microsoft.com/office/drawing/2014/main" id="{FDD67E5F-472B-4D6F-8577-8ACAF0773C08}"/>
+                    </a:ext>
+                  </a:extLst>
+                </p:cNvPr>
+                <p:cNvPicPr/>
+                <p:nvPr/>
+              </p:nvPicPr>
+              <p:blipFill>
+                <a:blip r:embed="rId15"/>
+                <a:stretch>
+                  <a:fillRect/>
+                </a:stretch>
+              </p:blipFill>
+              <p:spPr>
+                <a:xfrm>
+                  <a:off x="6846049" y="2248099"/>
+                  <a:ext cx="32400" cy="228600"/>
+                </a:xfrm>
+                <a:prstGeom prst="rect">
+                  <a:avLst/>
+                </a:prstGeom>
+              </p:spPr>
+            </p:pic>
+          </mc:Fallback>
+        </mc:AlternateContent>
+        <mc:AlternateContent xmlns:mc="http://schemas.openxmlformats.org/markup-compatibility/2006">
+          <mc:Choice xmlns:p14="http://schemas.microsoft.com/office/powerpoint/2010/main" Requires="p14">
+            <p:contentPart p14:bwMode="auto" r:id="rId16">
+              <p14:nvContentPartPr>
+                <p14:cNvPr id="18" name="Ink 17">
+                  <a:extLst>
+                    <a:ext uri="{FF2B5EF4-FFF2-40B4-BE49-F238E27FC236}">
+                      <a16:creationId xmlns:a16="http://schemas.microsoft.com/office/drawing/2014/main" id="{38E866EF-9913-4F40-B70D-E07F52C1F8F9}"/>
+                    </a:ext>
+                  </a:extLst>
+                </p14:cNvPr>
+                <p14:cNvContentPartPr/>
+                <p14:nvPr/>
+              </p14:nvContentPartPr>
+              <p14:xfrm>
+                <a:off x="6931729" y="2305699"/>
+                <a:ext cx="58680" cy="112680"/>
+              </p14:xfrm>
+            </p:contentPart>
+          </mc:Choice>
+          <mc:Fallback>
+            <p:pic>
+              <p:nvPicPr>
+                <p:cNvPr id="18" name="Ink 17">
+                  <a:extLst>
+                    <a:ext uri="{FF2B5EF4-FFF2-40B4-BE49-F238E27FC236}">
+                      <a16:creationId xmlns:a16="http://schemas.microsoft.com/office/drawing/2014/main" id="{38E866EF-9913-4F40-B70D-E07F52C1F8F9}"/>
+                    </a:ext>
+                  </a:extLst>
+                </p:cNvPr>
+                <p:cNvPicPr/>
+                <p:nvPr/>
+              </p:nvPicPr>
+              <p:blipFill>
+                <a:blip r:embed="rId17"/>
+                <a:stretch>
+                  <a:fillRect/>
+                </a:stretch>
+              </p:blipFill>
+              <p:spPr>
+                <a:xfrm>
+                  <a:off x="6923089" y="2296699"/>
+                  <a:ext cx="76320" cy="130320"/>
+                </a:xfrm>
+                <a:prstGeom prst="rect">
+                  <a:avLst/>
+                </a:prstGeom>
+              </p:spPr>
+            </p:pic>
+          </mc:Fallback>
+        </mc:AlternateContent>
+        <mc:AlternateContent xmlns:mc="http://schemas.openxmlformats.org/markup-compatibility/2006">
+          <mc:Choice xmlns:p14="http://schemas.microsoft.com/office/powerpoint/2010/main" Requires="p14">
+            <p:contentPart p14:bwMode="auto" r:id="rId18">
+              <p14:nvContentPartPr>
+                <p14:cNvPr id="19" name="Ink 18">
+                  <a:extLst>
+                    <a:ext uri="{FF2B5EF4-FFF2-40B4-BE49-F238E27FC236}">
+                      <a16:creationId xmlns:a16="http://schemas.microsoft.com/office/drawing/2014/main" id="{2FBB3A00-954D-4428-B93A-43F9912A551A}"/>
+                    </a:ext>
+                  </a:extLst>
+                </p14:cNvPr>
+                <p14:cNvContentPartPr/>
+                <p14:nvPr/>
+              </p14:nvContentPartPr>
+              <p14:xfrm>
+                <a:off x="7029289" y="2306419"/>
+                <a:ext cx="156600" cy="157320"/>
+              </p14:xfrm>
+            </p:contentPart>
+          </mc:Choice>
+          <mc:Fallback>
+            <p:pic>
+              <p:nvPicPr>
+                <p:cNvPr id="19" name="Ink 18">
+                  <a:extLst>
+                    <a:ext uri="{FF2B5EF4-FFF2-40B4-BE49-F238E27FC236}">
+                      <a16:creationId xmlns:a16="http://schemas.microsoft.com/office/drawing/2014/main" id="{2FBB3A00-954D-4428-B93A-43F9912A551A}"/>
+                    </a:ext>
+                  </a:extLst>
+                </p:cNvPr>
+                <p:cNvPicPr/>
+                <p:nvPr/>
+              </p:nvPicPr>
+              <p:blipFill>
+                <a:blip r:embed="rId19"/>
+                <a:stretch>
+                  <a:fillRect/>
+                </a:stretch>
+              </p:blipFill>
+              <p:spPr>
+                <a:xfrm>
+                  <a:off x="7020649" y="2297419"/>
+                  <a:ext cx="174240" cy="174960"/>
+                </a:xfrm>
+                <a:prstGeom prst="rect">
+                  <a:avLst/>
+                </a:prstGeom>
+              </p:spPr>
+            </p:pic>
+          </mc:Fallback>
+        </mc:AlternateContent>
+        <mc:AlternateContent xmlns:mc="http://schemas.openxmlformats.org/markup-compatibility/2006">
+          <mc:Choice xmlns:p14="http://schemas.microsoft.com/office/powerpoint/2010/main" Requires="p14">
+            <p:contentPart p14:bwMode="auto" r:id="rId20">
+              <p14:nvContentPartPr>
+                <p14:cNvPr id="20" name="Ink 19">
+                  <a:extLst>
+                    <a:ext uri="{FF2B5EF4-FFF2-40B4-BE49-F238E27FC236}">
+                      <a16:creationId xmlns:a16="http://schemas.microsoft.com/office/drawing/2014/main" id="{1A0EE3EC-E3C2-4280-852E-9DE8EEEDCB48}"/>
+                    </a:ext>
+                  </a:extLst>
+                </p14:cNvPr>
+                <p14:cNvContentPartPr/>
+                <p14:nvPr/>
+              </p14:nvContentPartPr>
+              <p14:xfrm>
+                <a:off x="7188769" y="2217859"/>
+                <a:ext cx="360" cy="360"/>
+              </p14:xfrm>
+            </p:contentPart>
+          </mc:Choice>
+          <mc:Fallback>
+            <p:pic>
+              <p:nvPicPr>
+                <p:cNvPr id="20" name="Ink 19">
+                  <a:extLst>
+                    <a:ext uri="{FF2B5EF4-FFF2-40B4-BE49-F238E27FC236}">
+                      <a16:creationId xmlns:a16="http://schemas.microsoft.com/office/drawing/2014/main" id="{1A0EE3EC-E3C2-4280-852E-9DE8EEEDCB48}"/>
+                    </a:ext>
+                  </a:extLst>
+                </p:cNvPr>
+                <p:cNvPicPr/>
+                <p:nvPr/>
+              </p:nvPicPr>
+              <p:blipFill>
+                <a:blip r:embed="rId21"/>
+                <a:stretch>
+                  <a:fillRect/>
+                </a:stretch>
+              </p:blipFill>
+              <p:spPr>
+                <a:xfrm>
+                  <a:off x="7179769" y="2209219"/>
+                  <a:ext cx="18000" cy="18000"/>
+                </a:xfrm>
+                <a:prstGeom prst="rect">
+                  <a:avLst/>
+                </a:prstGeom>
+              </p:spPr>
+            </p:pic>
+          </mc:Fallback>
+        </mc:AlternateContent>
+        <mc:AlternateContent xmlns:mc="http://schemas.openxmlformats.org/markup-compatibility/2006">
+          <mc:Choice xmlns:p14="http://schemas.microsoft.com/office/powerpoint/2010/main" Requires="p14">
+            <p:contentPart p14:bwMode="auto" r:id="rId22">
+              <p14:nvContentPartPr>
+                <p14:cNvPr id="21" name="Ink 20">
+                  <a:extLst>
+                    <a:ext uri="{FF2B5EF4-FFF2-40B4-BE49-F238E27FC236}">
+                      <a16:creationId xmlns:a16="http://schemas.microsoft.com/office/drawing/2014/main" id="{418271DD-5C97-4B69-9AAC-8476ADF7ECB8}"/>
+                    </a:ext>
+                  </a:extLst>
+                </p14:cNvPr>
+                <p14:cNvContentPartPr/>
+                <p14:nvPr/>
+              </p14:nvContentPartPr>
+              <p14:xfrm>
+                <a:off x="7216129" y="2351419"/>
+                <a:ext cx="72000" cy="67320"/>
+              </p14:xfrm>
+            </p:contentPart>
+          </mc:Choice>
+          <mc:Fallback>
+            <p:pic>
+              <p:nvPicPr>
+                <p:cNvPr id="21" name="Ink 20">
+                  <a:extLst>
+                    <a:ext uri="{FF2B5EF4-FFF2-40B4-BE49-F238E27FC236}">
+                      <a16:creationId xmlns:a16="http://schemas.microsoft.com/office/drawing/2014/main" id="{418271DD-5C97-4B69-9AAC-8476ADF7ECB8}"/>
+                    </a:ext>
+                  </a:extLst>
+                </p:cNvPr>
+                <p:cNvPicPr/>
+                <p:nvPr/>
+              </p:nvPicPr>
+              <p:blipFill>
+                <a:blip r:embed="rId23"/>
+                <a:stretch>
+                  <a:fillRect/>
+                </a:stretch>
+              </p:blipFill>
+              <p:spPr>
+                <a:xfrm>
+                  <a:off x="7207489" y="2342419"/>
+                  <a:ext cx="89640" cy="84960"/>
+                </a:xfrm>
+                <a:prstGeom prst="rect">
+                  <a:avLst/>
+                </a:prstGeom>
+              </p:spPr>
+            </p:pic>
+          </mc:Fallback>
+        </mc:AlternateContent>
+        <mc:AlternateContent xmlns:mc="http://schemas.openxmlformats.org/markup-compatibility/2006">
+          <mc:Choice xmlns:p14="http://schemas.microsoft.com/office/powerpoint/2010/main" Requires="p14">
+            <p:contentPart p14:bwMode="auto" r:id="rId24">
+              <p14:nvContentPartPr>
+                <p14:cNvPr id="22" name="Ink 21">
+                  <a:extLst>
+                    <a:ext uri="{FF2B5EF4-FFF2-40B4-BE49-F238E27FC236}">
+                      <a16:creationId xmlns:a16="http://schemas.microsoft.com/office/drawing/2014/main" id="{512FE9A3-98F3-4AC9-AC4D-4BBAA73C27A7}"/>
+                    </a:ext>
+                  </a:extLst>
+                </p14:cNvPr>
+                <p14:cNvContentPartPr/>
+                <p14:nvPr/>
+              </p14:nvContentPartPr>
+              <p14:xfrm>
+                <a:off x="7307209" y="2367619"/>
+                <a:ext cx="137520" cy="60840"/>
+              </p14:xfrm>
+            </p:contentPart>
+          </mc:Choice>
+          <mc:Fallback>
+            <p:pic>
+              <p:nvPicPr>
+                <p:cNvPr id="22" name="Ink 21">
+                  <a:extLst>
+                    <a:ext uri="{FF2B5EF4-FFF2-40B4-BE49-F238E27FC236}">
+                      <a16:creationId xmlns:a16="http://schemas.microsoft.com/office/drawing/2014/main" id="{512FE9A3-98F3-4AC9-AC4D-4BBAA73C27A7}"/>
+                    </a:ext>
+                  </a:extLst>
+                </p:cNvPr>
+                <p:cNvPicPr/>
+                <p:nvPr/>
+              </p:nvPicPr>
+              <p:blipFill>
+                <a:blip r:embed="rId25"/>
+                <a:stretch>
+                  <a:fillRect/>
+                </a:stretch>
+              </p:blipFill>
+              <p:spPr>
+                <a:xfrm>
+                  <a:off x="7298209" y="2358979"/>
+                  <a:ext cx="155160" cy="78480"/>
+                </a:xfrm>
+                <a:prstGeom prst="rect">
+                  <a:avLst/>
+                </a:prstGeom>
+              </p:spPr>
+            </p:pic>
+          </mc:Fallback>
+        </mc:AlternateContent>
+        <mc:AlternateContent xmlns:mc="http://schemas.openxmlformats.org/markup-compatibility/2006">
+          <mc:Choice xmlns:p14="http://schemas.microsoft.com/office/powerpoint/2010/main" Requires="p14">
+            <p:contentPart p14:bwMode="auto" r:id="rId26">
+              <p14:nvContentPartPr>
+                <p14:cNvPr id="23" name="Ink 22">
+                  <a:extLst>
+                    <a:ext uri="{FF2B5EF4-FFF2-40B4-BE49-F238E27FC236}">
+                      <a16:creationId xmlns:a16="http://schemas.microsoft.com/office/drawing/2014/main" id="{10CCC969-33F6-4BBA-AA96-81A9567B36E4}"/>
+                    </a:ext>
+                  </a:extLst>
+                </p14:cNvPr>
+                <p14:cNvContentPartPr/>
+                <p14:nvPr/>
+              </p14:nvContentPartPr>
+              <p14:xfrm>
+                <a:off x="7530409" y="2313979"/>
+                <a:ext cx="43560" cy="95400"/>
+              </p14:xfrm>
+            </p:contentPart>
+          </mc:Choice>
+          <mc:Fallback>
+            <p:pic>
+              <p:nvPicPr>
+                <p:cNvPr id="23" name="Ink 22">
+                  <a:extLst>
+                    <a:ext uri="{FF2B5EF4-FFF2-40B4-BE49-F238E27FC236}">
+                      <a16:creationId xmlns:a16="http://schemas.microsoft.com/office/drawing/2014/main" id="{10CCC969-33F6-4BBA-AA96-81A9567B36E4}"/>
+                    </a:ext>
+                  </a:extLst>
+                </p:cNvPr>
+                <p:cNvPicPr/>
+                <p:nvPr/>
+              </p:nvPicPr>
+              <p:blipFill>
+                <a:blip r:embed="rId27"/>
+                <a:stretch>
+                  <a:fillRect/>
+                </a:stretch>
+              </p:blipFill>
+              <p:spPr>
+                <a:xfrm>
+                  <a:off x="7521409" y="2304979"/>
+                  <a:ext cx="61200" cy="113040"/>
+                </a:xfrm>
+                <a:prstGeom prst="rect">
+                  <a:avLst/>
+                </a:prstGeom>
+              </p:spPr>
+            </p:pic>
+          </mc:Fallback>
+        </mc:AlternateContent>
+      </p:grpSp>
+      <p:grpSp>
+        <p:nvGrpSpPr>
+          <p:cNvPr id="33" name="Group 32">
+            <a:extLst>
+              <a:ext uri="{FF2B5EF4-FFF2-40B4-BE49-F238E27FC236}">
+                <a16:creationId xmlns:a16="http://schemas.microsoft.com/office/drawing/2014/main" id="{D0462354-62C8-466D-9BBF-98A530A2E185}"/>
+              </a:ext>
+            </a:extLst>
+          </p:cNvPr>
+          <p:cNvGrpSpPr/>
+          <p:nvPr/>
+        </p:nvGrpSpPr>
+        <p:grpSpPr>
+          <a:xfrm>
+            <a:off x="4812769" y="2226139"/>
+            <a:ext cx="881640" cy="360000"/>
+            <a:chOff x="4812769" y="2226139"/>
+            <a:chExt cx="881640" cy="360000"/>
+          </a:xfrm>
+        </p:grpSpPr>
+        <mc:AlternateContent xmlns:mc="http://schemas.openxmlformats.org/markup-compatibility/2006">
+          <mc:Choice xmlns:p14="http://schemas.microsoft.com/office/powerpoint/2010/main" Requires="p14">
+            <p:contentPart p14:bwMode="auto" r:id="rId28">
+              <p14:nvContentPartPr>
+                <p14:cNvPr id="26" name="Ink 25">
+                  <a:extLst>
+                    <a:ext uri="{FF2B5EF4-FFF2-40B4-BE49-F238E27FC236}">
+                      <a16:creationId xmlns:a16="http://schemas.microsoft.com/office/drawing/2014/main" id="{61AF8D17-093B-4965-881F-73235E10429E}"/>
+                    </a:ext>
+                  </a:extLst>
+                </p14:cNvPr>
+                <p14:cNvContentPartPr/>
+                <p14:nvPr/>
+              </p14:nvContentPartPr>
+              <p14:xfrm>
+                <a:off x="4812769" y="2385259"/>
+                <a:ext cx="102600" cy="200880"/>
+              </p14:xfrm>
+            </p:contentPart>
+          </mc:Choice>
+          <mc:Fallback>
+            <p:pic>
+              <p:nvPicPr>
+                <p:cNvPr id="26" name="Ink 25">
+                  <a:extLst>
+                    <a:ext uri="{FF2B5EF4-FFF2-40B4-BE49-F238E27FC236}">
+                      <a16:creationId xmlns:a16="http://schemas.microsoft.com/office/drawing/2014/main" id="{61AF8D17-093B-4965-881F-73235E10429E}"/>
+                    </a:ext>
+                  </a:extLst>
+                </p:cNvPr>
+                <p:cNvPicPr/>
+                <p:nvPr/>
+              </p:nvPicPr>
+              <p:blipFill>
+                <a:blip r:embed="rId29"/>
+                <a:stretch>
+                  <a:fillRect/>
+                </a:stretch>
+              </p:blipFill>
+              <p:spPr>
+                <a:xfrm>
+                  <a:off x="4803769" y="2376259"/>
+                  <a:ext cx="120240" cy="218520"/>
+                </a:xfrm>
+                <a:prstGeom prst="rect">
+                  <a:avLst/>
+                </a:prstGeom>
+              </p:spPr>
+            </p:pic>
+          </mc:Fallback>
+        </mc:AlternateContent>
+        <mc:AlternateContent xmlns:mc="http://schemas.openxmlformats.org/markup-compatibility/2006">
+          <mc:Choice xmlns:p14="http://schemas.microsoft.com/office/powerpoint/2010/main" Requires="p14">
+            <p:contentPart p14:bwMode="auto" r:id="rId30">
+              <p14:nvContentPartPr>
+                <p14:cNvPr id="27" name="Ink 26">
+                  <a:extLst>
+                    <a:ext uri="{FF2B5EF4-FFF2-40B4-BE49-F238E27FC236}">
+                      <a16:creationId xmlns:a16="http://schemas.microsoft.com/office/drawing/2014/main" id="{C44AF4F0-CC90-4AD9-91C9-7F761BCD84AF}"/>
+                    </a:ext>
+                  </a:extLst>
+                </p14:cNvPr>
+                <p14:cNvContentPartPr/>
+                <p14:nvPr/>
+              </p14:nvContentPartPr>
+              <p14:xfrm>
+                <a:off x="4912489" y="2362219"/>
+                <a:ext cx="131040" cy="133920"/>
+              </p14:xfrm>
+            </p:contentPart>
+          </mc:Choice>
+          <mc:Fallback>
+            <p:pic>
+              <p:nvPicPr>
+                <p:cNvPr id="27" name="Ink 26">
+                  <a:extLst>
+                    <a:ext uri="{FF2B5EF4-FFF2-40B4-BE49-F238E27FC236}">
+                      <a16:creationId xmlns:a16="http://schemas.microsoft.com/office/drawing/2014/main" id="{C44AF4F0-CC90-4AD9-91C9-7F761BCD84AF}"/>
+                    </a:ext>
+                  </a:extLst>
+                </p:cNvPr>
+                <p:cNvPicPr/>
+                <p:nvPr/>
+              </p:nvPicPr>
+              <p:blipFill>
+                <a:blip r:embed="rId31"/>
+                <a:stretch>
+                  <a:fillRect/>
+                </a:stretch>
+              </p:blipFill>
+              <p:spPr>
+                <a:xfrm>
+                  <a:off x="4903489" y="2353219"/>
+                  <a:ext cx="148680" cy="151560"/>
+                </a:xfrm>
+                <a:prstGeom prst="rect">
+                  <a:avLst/>
+                </a:prstGeom>
+              </p:spPr>
+            </p:pic>
+          </mc:Fallback>
+        </mc:AlternateContent>
+        <mc:AlternateContent xmlns:mc="http://schemas.openxmlformats.org/markup-compatibility/2006">
+          <mc:Choice xmlns:p14="http://schemas.microsoft.com/office/powerpoint/2010/main" Requires="p14">
+            <p:contentPart p14:bwMode="auto" r:id="rId32">
+              <p14:nvContentPartPr>
+                <p14:cNvPr id="28" name="Ink 27">
+                  <a:extLst>
+                    <a:ext uri="{FF2B5EF4-FFF2-40B4-BE49-F238E27FC236}">
+                      <a16:creationId xmlns:a16="http://schemas.microsoft.com/office/drawing/2014/main" id="{2C7B5996-51DF-47D8-97D3-56A3E1EBB448}"/>
+                    </a:ext>
+                  </a:extLst>
+                </p14:cNvPr>
+                <p14:cNvContentPartPr/>
+                <p14:nvPr/>
+              </p14:nvContentPartPr>
+              <p14:xfrm>
+                <a:off x="5055049" y="2380579"/>
+                <a:ext cx="65160" cy="108360"/>
+              </p14:xfrm>
+            </p:contentPart>
+          </mc:Choice>
+          <mc:Fallback>
+            <p:pic>
+              <p:nvPicPr>
+                <p:cNvPr id="28" name="Ink 27">
+                  <a:extLst>
+                    <a:ext uri="{FF2B5EF4-FFF2-40B4-BE49-F238E27FC236}">
+                      <a16:creationId xmlns:a16="http://schemas.microsoft.com/office/drawing/2014/main" id="{2C7B5996-51DF-47D8-97D3-56A3E1EBB448}"/>
+                    </a:ext>
+                  </a:extLst>
+                </p:cNvPr>
+                <p:cNvPicPr/>
+                <p:nvPr/>
+              </p:nvPicPr>
+              <p:blipFill>
+                <a:blip r:embed="rId33"/>
+                <a:stretch>
+                  <a:fillRect/>
+                </a:stretch>
+              </p:blipFill>
+              <p:spPr>
+                <a:xfrm>
+                  <a:off x="5046409" y="2371939"/>
+                  <a:ext cx="82800" cy="126000"/>
+                </a:xfrm>
+                <a:prstGeom prst="rect">
+                  <a:avLst/>
+                </a:prstGeom>
+              </p:spPr>
+            </p:pic>
+          </mc:Fallback>
+        </mc:AlternateContent>
+        <mc:AlternateContent xmlns:mc="http://schemas.openxmlformats.org/markup-compatibility/2006">
+          <mc:Choice xmlns:p14="http://schemas.microsoft.com/office/powerpoint/2010/main" Requires="p14">
+            <p:contentPart p14:bwMode="auto" r:id="rId34">
+              <p14:nvContentPartPr>
+                <p14:cNvPr id="29" name="Ink 28">
+                  <a:extLst>
+                    <a:ext uri="{FF2B5EF4-FFF2-40B4-BE49-F238E27FC236}">
+                      <a16:creationId xmlns:a16="http://schemas.microsoft.com/office/drawing/2014/main" id="{409882F7-9CEA-4619-8EA4-5E5B82FE7E28}"/>
+                    </a:ext>
+                  </a:extLst>
+                </p14:cNvPr>
+                <p14:cNvContentPartPr/>
+                <p14:nvPr/>
+              </p14:nvContentPartPr>
+              <p14:xfrm>
+                <a:off x="5155489" y="2370499"/>
+                <a:ext cx="95400" cy="117720"/>
+              </p14:xfrm>
+            </p:contentPart>
+          </mc:Choice>
+          <mc:Fallback>
+            <p:pic>
+              <p:nvPicPr>
+                <p:cNvPr id="29" name="Ink 28">
+                  <a:extLst>
+                    <a:ext uri="{FF2B5EF4-FFF2-40B4-BE49-F238E27FC236}">
+                      <a16:creationId xmlns:a16="http://schemas.microsoft.com/office/drawing/2014/main" id="{409882F7-9CEA-4619-8EA4-5E5B82FE7E28}"/>
+                    </a:ext>
+                  </a:extLst>
+                </p:cNvPr>
+                <p:cNvPicPr/>
+                <p:nvPr/>
+              </p:nvPicPr>
+              <p:blipFill>
+                <a:blip r:embed="rId35"/>
+                <a:stretch>
+                  <a:fillRect/>
+                </a:stretch>
+              </p:blipFill>
+              <p:spPr>
+                <a:xfrm>
+                  <a:off x="5146849" y="2361499"/>
+                  <a:ext cx="113040" cy="135360"/>
+                </a:xfrm>
+                <a:prstGeom prst="rect">
+                  <a:avLst/>
+                </a:prstGeom>
+              </p:spPr>
+            </p:pic>
+          </mc:Fallback>
+        </mc:AlternateContent>
+        <mc:AlternateContent xmlns:mc="http://schemas.openxmlformats.org/markup-compatibility/2006">
+          <mc:Choice xmlns:p14="http://schemas.microsoft.com/office/powerpoint/2010/main" Requires="p14">
+            <p:contentPart p14:bwMode="auto" r:id="rId36">
+              <p14:nvContentPartPr>
+                <p14:cNvPr id="30" name="Ink 29">
+                  <a:extLst>
+                    <a:ext uri="{FF2B5EF4-FFF2-40B4-BE49-F238E27FC236}">
+                      <a16:creationId xmlns:a16="http://schemas.microsoft.com/office/drawing/2014/main" id="{9879FC7E-E0F8-4A9C-B7AE-1577804143AA}"/>
+                    </a:ext>
+                  </a:extLst>
+                </p14:cNvPr>
+                <p14:cNvContentPartPr/>
+                <p14:nvPr/>
+              </p14:nvContentPartPr>
+              <p14:xfrm>
+                <a:off x="5313889" y="2226139"/>
+                <a:ext cx="156600" cy="212760"/>
+              </p14:xfrm>
+            </p:contentPart>
+          </mc:Choice>
+          <mc:Fallback>
+            <p:pic>
+              <p:nvPicPr>
+                <p:cNvPr id="30" name="Ink 29">
+                  <a:extLst>
+                    <a:ext uri="{FF2B5EF4-FFF2-40B4-BE49-F238E27FC236}">
+                      <a16:creationId xmlns:a16="http://schemas.microsoft.com/office/drawing/2014/main" id="{9879FC7E-E0F8-4A9C-B7AE-1577804143AA}"/>
+                    </a:ext>
+                  </a:extLst>
+                </p:cNvPr>
+                <p:cNvPicPr/>
+                <p:nvPr/>
+              </p:nvPicPr>
+              <p:blipFill>
+                <a:blip r:embed="rId37"/>
+                <a:stretch>
+                  <a:fillRect/>
+                </a:stretch>
+              </p:blipFill>
+              <p:spPr>
+                <a:xfrm>
+                  <a:off x="5304889" y="2217499"/>
+                  <a:ext cx="174240" cy="230400"/>
+                </a:xfrm>
+                <a:prstGeom prst="rect">
+                  <a:avLst/>
+                </a:prstGeom>
+              </p:spPr>
+            </p:pic>
+          </mc:Fallback>
+        </mc:AlternateContent>
+        <mc:AlternateContent xmlns:mc="http://schemas.openxmlformats.org/markup-compatibility/2006">
+          <mc:Choice xmlns:p14="http://schemas.microsoft.com/office/powerpoint/2010/main" Requires="p14">
+            <p:contentPart p14:bwMode="auto" r:id="rId38">
+              <p14:nvContentPartPr>
+                <p14:cNvPr id="31" name="Ink 30">
+                  <a:extLst>
+                    <a:ext uri="{FF2B5EF4-FFF2-40B4-BE49-F238E27FC236}">
+                      <a16:creationId xmlns:a16="http://schemas.microsoft.com/office/drawing/2014/main" id="{912A277D-56AA-43E7-AC76-C2EA03C86C0A}"/>
+                    </a:ext>
+                  </a:extLst>
+                </p14:cNvPr>
+                <p14:cNvContentPartPr/>
+                <p14:nvPr/>
+              </p14:nvContentPartPr>
+              <p14:xfrm>
+                <a:off x="5471929" y="2243419"/>
+                <a:ext cx="11520" cy="25560"/>
+              </p14:xfrm>
+            </p:contentPart>
+          </mc:Choice>
+          <mc:Fallback>
+            <p:pic>
+              <p:nvPicPr>
+                <p:cNvPr id="31" name="Ink 30">
+                  <a:extLst>
+                    <a:ext uri="{FF2B5EF4-FFF2-40B4-BE49-F238E27FC236}">
+                      <a16:creationId xmlns:a16="http://schemas.microsoft.com/office/drawing/2014/main" id="{912A277D-56AA-43E7-AC76-C2EA03C86C0A}"/>
+                    </a:ext>
+                  </a:extLst>
+                </p:cNvPr>
+                <p:cNvPicPr/>
+                <p:nvPr/>
+              </p:nvPicPr>
+              <p:blipFill>
+                <a:blip r:embed="rId39"/>
+                <a:stretch>
+                  <a:fillRect/>
+                </a:stretch>
+              </p:blipFill>
+              <p:spPr>
+                <a:xfrm>
+                  <a:off x="5462929" y="2234779"/>
+                  <a:ext cx="29160" cy="43200"/>
+                </a:xfrm>
+                <a:prstGeom prst="rect">
+                  <a:avLst/>
+                </a:prstGeom>
+              </p:spPr>
+            </p:pic>
+          </mc:Fallback>
+        </mc:AlternateContent>
+        <mc:AlternateContent xmlns:mc="http://schemas.openxmlformats.org/markup-compatibility/2006">
+          <mc:Choice xmlns:p14="http://schemas.microsoft.com/office/powerpoint/2010/main" Requires="p14">
+            <p:contentPart p14:bwMode="auto" r:id="rId40">
+              <p14:nvContentPartPr>
+                <p14:cNvPr id="32" name="Ink 31">
+                  <a:extLst>
+                    <a:ext uri="{FF2B5EF4-FFF2-40B4-BE49-F238E27FC236}">
+                      <a16:creationId xmlns:a16="http://schemas.microsoft.com/office/drawing/2014/main" id="{BAE0CC41-EA22-4353-8F2F-FE2B8AB6F73E}"/>
+                    </a:ext>
+                  </a:extLst>
+                </p14:cNvPr>
+                <p14:cNvContentPartPr/>
+                <p14:nvPr/>
+              </p14:nvContentPartPr>
+              <p14:xfrm>
+                <a:off x="5500729" y="2313619"/>
+                <a:ext cx="193680" cy="150840"/>
+              </p14:xfrm>
+            </p:contentPart>
+          </mc:Choice>
+          <mc:Fallback>
+            <p:pic>
+              <p:nvPicPr>
+                <p:cNvPr id="32" name="Ink 31">
+                  <a:extLst>
+                    <a:ext uri="{FF2B5EF4-FFF2-40B4-BE49-F238E27FC236}">
+                      <a16:creationId xmlns:a16="http://schemas.microsoft.com/office/drawing/2014/main" id="{BAE0CC41-EA22-4353-8F2F-FE2B8AB6F73E}"/>
+                    </a:ext>
+                  </a:extLst>
+                </p:cNvPr>
+                <p:cNvPicPr/>
+                <p:nvPr/>
+              </p:nvPicPr>
+              <p:blipFill>
+                <a:blip r:embed="rId41"/>
+                <a:stretch>
+                  <a:fillRect/>
+                </a:stretch>
+              </p:blipFill>
+              <p:spPr>
+                <a:xfrm>
+                  <a:off x="5492089" y="2304619"/>
+                  <a:ext cx="211320" cy="168480"/>
+                </a:xfrm>
+                <a:prstGeom prst="rect">
+                  <a:avLst/>
+                </a:prstGeom>
+              </p:spPr>
+            </p:pic>
+          </mc:Fallback>
+        </mc:AlternateContent>
+      </p:grpSp>
+      <mc:AlternateContent xmlns:mc="http://schemas.openxmlformats.org/markup-compatibility/2006">
+        <mc:Choice xmlns:p14="http://schemas.microsoft.com/office/powerpoint/2010/main" Requires="p14">
+          <p:contentPart p14:bwMode="auto" r:id="rId42">
+            <p14:nvContentPartPr>
+              <p14:cNvPr id="34" name="Ink 33">
+                <a:extLst>
+                  <a:ext uri="{FF2B5EF4-FFF2-40B4-BE49-F238E27FC236}">
+                    <a16:creationId xmlns:a16="http://schemas.microsoft.com/office/drawing/2014/main" id="{87D52560-BC14-42FC-B5BF-388D03DB6DAD}"/>
+                  </a:ext>
+                </a:extLst>
+              </p14:cNvPr>
+              <p14:cNvContentPartPr/>
+              <p14:nvPr/>
+            </p14:nvContentPartPr>
+            <p14:xfrm>
+              <a:off x="5979169" y="2571379"/>
+              <a:ext cx="1654920" cy="30240"/>
+            </p14:xfrm>
+          </p:contentPart>
+        </mc:Choice>
+        <mc:Fallback>
+          <p:pic>
+            <p:nvPicPr>
+              <p:cNvPr id="34" name="Ink 33">
+                <a:extLst>
+                  <a:ext uri="{FF2B5EF4-FFF2-40B4-BE49-F238E27FC236}">
+                    <a16:creationId xmlns:a16="http://schemas.microsoft.com/office/drawing/2014/main" id="{87D52560-BC14-42FC-B5BF-388D03DB6DAD}"/>
+                  </a:ext>
+                </a:extLst>
+              </p:cNvPr>
+              <p:cNvPicPr/>
+              <p:nvPr/>
+            </p:nvPicPr>
+            <p:blipFill>
+              <a:blip r:embed="rId43"/>
+              <a:stretch>
+                <a:fillRect/>
+              </a:stretch>
+            </p:blipFill>
+            <p:spPr>
+              <a:xfrm>
+                <a:off x="5970169" y="2562379"/>
+                <a:ext cx="1672560" cy="47880"/>
+              </a:xfrm>
+              <a:prstGeom prst="rect">
+                <a:avLst/>
+              </a:prstGeom>
+            </p:spPr>
+          </p:pic>
+        </mc:Fallback>
+      </mc:AlternateContent>
+      <mc:AlternateContent xmlns:mc="http://schemas.openxmlformats.org/markup-compatibility/2006">
+        <mc:Choice xmlns:p14="http://schemas.microsoft.com/office/powerpoint/2010/main" Requires="p14">
+          <p:contentPart p14:bwMode="auto" r:id="rId44">
+            <p14:nvContentPartPr>
+              <p14:cNvPr id="35" name="Ink 34">
+                <a:extLst>
+                  <a:ext uri="{FF2B5EF4-FFF2-40B4-BE49-F238E27FC236}">
+                    <a16:creationId xmlns:a16="http://schemas.microsoft.com/office/drawing/2014/main" id="{3DFBC024-0681-420C-809C-877D575BC1DA}"/>
+                  </a:ext>
+                </a:extLst>
+              </p14:cNvPr>
+              <p14:cNvContentPartPr/>
+              <p14:nvPr/>
+            </p14:nvContentPartPr>
+            <p14:xfrm>
+              <a:off x="875809" y="2975659"/>
+              <a:ext cx="722160" cy="23040"/>
+            </p14:xfrm>
+          </p:contentPart>
+        </mc:Choice>
+        <mc:Fallback>
+          <p:pic>
+            <p:nvPicPr>
+              <p:cNvPr id="35" name="Ink 34">
+                <a:extLst>
+                  <a:ext uri="{FF2B5EF4-FFF2-40B4-BE49-F238E27FC236}">
+                    <a16:creationId xmlns:a16="http://schemas.microsoft.com/office/drawing/2014/main" id="{3DFBC024-0681-420C-809C-877D575BC1DA}"/>
+                  </a:ext>
+                </a:extLst>
+              </p:cNvPr>
+              <p:cNvPicPr/>
+              <p:nvPr/>
+            </p:nvPicPr>
+            <p:blipFill>
+              <a:blip r:embed="rId45"/>
+              <a:stretch>
+                <a:fillRect/>
+              </a:stretch>
+            </p:blipFill>
+            <p:spPr>
+              <a:xfrm>
+                <a:off x="866809" y="2966659"/>
+                <a:ext cx="739800" cy="40680"/>
+              </a:xfrm>
+              <a:prstGeom prst="rect">
+                <a:avLst/>
+              </a:prstGeom>
+            </p:spPr>
+          </p:pic>
+        </mc:Fallback>
+      </mc:AlternateContent>
+      <mc:AlternateContent xmlns:mc="http://schemas.openxmlformats.org/markup-compatibility/2006">
+        <mc:Choice xmlns:p14="http://schemas.microsoft.com/office/powerpoint/2010/main" Requires="p14">
+          <p:contentPart p14:bwMode="auto" r:id="rId46">
+            <p14:nvContentPartPr>
+              <p14:cNvPr id="36" name="Ink 35">
+                <a:extLst>
+                  <a:ext uri="{FF2B5EF4-FFF2-40B4-BE49-F238E27FC236}">
+                    <a16:creationId xmlns:a16="http://schemas.microsoft.com/office/drawing/2014/main" id="{B0DE766D-4E99-45EB-A31A-B2A657FDB52D}"/>
+                  </a:ext>
+                </a:extLst>
+              </p14:cNvPr>
+              <p14:cNvContentPartPr/>
+              <p14:nvPr/>
+            </p14:nvContentPartPr>
+            <p14:xfrm>
+              <a:off x="4070089" y="3992299"/>
+              <a:ext cx="639000" cy="56520"/>
+            </p14:xfrm>
+          </p:contentPart>
+        </mc:Choice>
+        <mc:Fallback>
+          <p:pic>
+            <p:nvPicPr>
+              <p:cNvPr id="36" name="Ink 35">
+                <a:extLst>
+                  <a:ext uri="{FF2B5EF4-FFF2-40B4-BE49-F238E27FC236}">
+                    <a16:creationId xmlns:a16="http://schemas.microsoft.com/office/drawing/2014/main" id="{B0DE766D-4E99-45EB-A31A-B2A657FDB52D}"/>
+                  </a:ext>
+                </a:extLst>
+              </p:cNvPr>
+              <p:cNvPicPr/>
+              <p:nvPr/>
+            </p:nvPicPr>
+            <p:blipFill>
+              <a:blip r:embed="rId47"/>
+              <a:stretch>
+                <a:fillRect/>
+              </a:stretch>
+            </p:blipFill>
+            <p:spPr>
+              <a:xfrm>
+                <a:off x="4061449" y="3983299"/>
+                <a:ext cx="656640" cy="74160"/>
+              </a:xfrm>
+              <a:prstGeom prst="rect">
+                <a:avLst/>
+              </a:prstGeom>
+            </p:spPr>
+          </p:pic>
+        </mc:Fallback>
+      </mc:AlternateContent>
+      <p:grpSp>
+        <p:nvGrpSpPr>
+          <p:cNvPr id="44" name="Group 43">
+            <a:extLst>
+              <a:ext uri="{FF2B5EF4-FFF2-40B4-BE49-F238E27FC236}">
+                <a16:creationId xmlns:a16="http://schemas.microsoft.com/office/drawing/2014/main" id="{1C190876-5922-45B3-8540-8C8694BA9E23}"/>
+              </a:ext>
+            </a:extLst>
+          </p:cNvPr>
+          <p:cNvGrpSpPr/>
+          <p:nvPr/>
+        </p:nvGrpSpPr>
+        <p:grpSpPr>
+          <a:xfrm>
+            <a:off x="4048849" y="2986459"/>
+            <a:ext cx="1273680" cy="627120"/>
+            <a:chOff x="4048849" y="2986459"/>
+            <a:chExt cx="1273680" cy="627120"/>
+          </a:xfrm>
+        </p:grpSpPr>
+        <mc:AlternateContent xmlns:mc="http://schemas.openxmlformats.org/markup-compatibility/2006">
+          <mc:Choice xmlns:p14="http://schemas.microsoft.com/office/powerpoint/2010/main" Requires="p14">
+            <p:contentPart p14:bwMode="auto" r:id="rId48">
+              <p14:nvContentPartPr>
+                <p14:cNvPr id="37" name="Ink 36">
+                  <a:extLst>
+                    <a:ext uri="{FF2B5EF4-FFF2-40B4-BE49-F238E27FC236}">
+                      <a16:creationId xmlns:a16="http://schemas.microsoft.com/office/drawing/2014/main" id="{DD3B31EF-3A2B-4BC8-AE58-66EFDB2DE9CB}"/>
+                    </a:ext>
+                  </a:extLst>
+                </p14:cNvPr>
+                <p14:cNvContentPartPr/>
+                <p14:nvPr/>
+              </p14:nvContentPartPr>
+              <p14:xfrm>
+                <a:off x="4048849" y="2986459"/>
+                <a:ext cx="208800" cy="627120"/>
+              </p14:xfrm>
+            </p:contentPart>
+          </mc:Choice>
+          <mc:Fallback>
+            <p:pic>
+              <p:nvPicPr>
+                <p:cNvPr id="37" name="Ink 36">
+                  <a:extLst>
+                    <a:ext uri="{FF2B5EF4-FFF2-40B4-BE49-F238E27FC236}">
+                      <a16:creationId xmlns:a16="http://schemas.microsoft.com/office/drawing/2014/main" id="{DD3B31EF-3A2B-4BC8-AE58-66EFDB2DE9CB}"/>
+                    </a:ext>
+                  </a:extLst>
+                </p:cNvPr>
+                <p:cNvPicPr/>
+                <p:nvPr/>
+              </p:nvPicPr>
+              <p:blipFill>
+                <a:blip r:embed="rId49"/>
+                <a:stretch>
+                  <a:fillRect/>
+                </a:stretch>
+              </p:blipFill>
+              <p:spPr>
+                <a:xfrm>
+                  <a:off x="4039849" y="2977459"/>
+                  <a:ext cx="226440" cy="644760"/>
+                </a:xfrm>
+                <a:prstGeom prst="rect">
+                  <a:avLst/>
+                </a:prstGeom>
+              </p:spPr>
+            </p:pic>
+          </mc:Fallback>
+        </mc:AlternateContent>
+        <mc:AlternateContent xmlns:mc="http://schemas.openxmlformats.org/markup-compatibility/2006">
+          <mc:Choice xmlns:p14="http://schemas.microsoft.com/office/powerpoint/2010/main" Requires="p14">
+            <p:contentPart p14:bwMode="auto" r:id="rId50">
+              <p14:nvContentPartPr>
+                <p14:cNvPr id="38" name="Ink 37">
+                  <a:extLst>
+                    <a:ext uri="{FF2B5EF4-FFF2-40B4-BE49-F238E27FC236}">
+                      <a16:creationId xmlns:a16="http://schemas.microsoft.com/office/drawing/2014/main" id="{87F66C01-349A-4474-9023-8D4351741354}"/>
+                    </a:ext>
+                  </a:extLst>
+                </p14:cNvPr>
+                <p14:cNvContentPartPr/>
+                <p14:nvPr/>
+              </p14:nvContentPartPr>
+              <p14:xfrm>
+                <a:off x="4416409" y="3207859"/>
+                <a:ext cx="131040" cy="119520"/>
+              </p14:xfrm>
+            </p:contentPart>
+          </mc:Choice>
+          <mc:Fallback>
+            <p:pic>
+              <p:nvPicPr>
+                <p:cNvPr id="38" name="Ink 37">
+                  <a:extLst>
+                    <a:ext uri="{FF2B5EF4-FFF2-40B4-BE49-F238E27FC236}">
+                      <a16:creationId xmlns:a16="http://schemas.microsoft.com/office/drawing/2014/main" id="{87F66C01-349A-4474-9023-8D4351741354}"/>
+                    </a:ext>
+                  </a:extLst>
+                </p:cNvPr>
+                <p:cNvPicPr/>
+                <p:nvPr/>
+              </p:nvPicPr>
+              <p:blipFill>
+                <a:blip r:embed="rId51"/>
+                <a:stretch>
+                  <a:fillRect/>
+                </a:stretch>
+              </p:blipFill>
+              <p:spPr>
+                <a:xfrm>
+                  <a:off x="4407409" y="3199219"/>
+                  <a:ext cx="148680" cy="137160"/>
+                </a:xfrm>
+                <a:prstGeom prst="rect">
+                  <a:avLst/>
+                </a:prstGeom>
+              </p:spPr>
+            </p:pic>
+          </mc:Fallback>
+        </mc:AlternateContent>
+        <mc:AlternateContent xmlns:mc="http://schemas.openxmlformats.org/markup-compatibility/2006">
+          <mc:Choice xmlns:p14="http://schemas.microsoft.com/office/powerpoint/2010/main" Requires="p14">
+            <p:contentPart p14:bwMode="auto" r:id="rId52">
+              <p14:nvContentPartPr>
+                <p14:cNvPr id="39" name="Ink 38">
+                  <a:extLst>
+                    <a:ext uri="{FF2B5EF4-FFF2-40B4-BE49-F238E27FC236}">
+                      <a16:creationId xmlns:a16="http://schemas.microsoft.com/office/drawing/2014/main" id="{9FF4FD46-127C-49C1-8183-45C1945CDA29}"/>
+                    </a:ext>
+                  </a:extLst>
+                </p14:cNvPr>
+                <p14:cNvContentPartPr/>
+                <p14:nvPr/>
+              </p14:nvContentPartPr>
+              <p14:xfrm>
+                <a:off x="4609009" y="3153499"/>
+                <a:ext cx="127440" cy="210600"/>
+              </p14:xfrm>
+            </p:contentPart>
+          </mc:Choice>
+          <mc:Fallback>
+            <p:pic>
+              <p:nvPicPr>
+                <p:cNvPr id="39" name="Ink 38">
+                  <a:extLst>
+                    <a:ext uri="{FF2B5EF4-FFF2-40B4-BE49-F238E27FC236}">
+                      <a16:creationId xmlns:a16="http://schemas.microsoft.com/office/drawing/2014/main" id="{9FF4FD46-127C-49C1-8183-45C1945CDA29}"/>
+                    </a:ext>
+                  </a:extLst>
+                </p:cNvPr>
+                <p:cNvPicPr/>
+                <p:nvPr/>
+              </p:nvPicPr>
+              <p:blipFill>
+                <a:blip r:embed="rId53"/>
+                <a:stretch>
+                  <a:fillRect/>
+                </a:stretch>
+              </p:blipFill>
+              <p:spPr>
+                <a:xfrm>
+                  <a:off x="4600369" y="3144859"/>
+                  <a:ext cx="145080" cy="228240"/>
+                </a:xfrm>
+                <a:prstGeom prst="rect">
+                  <a:avLst/>
+                </a:prstGeom>
+              </p:spPr>
+            </p:pic>
+          </mc:Fallback>
+        </mc:AlternateContent>
+        <mc:AlternateContent xmlns:mc="http://schemas.openxmlformats.org/markup-compatibility/2006">
+          <mc:Choice xmlns:p14="http://schemas.microsoft.com/office/powerpoint/2010/main" Requires="p14">
+            <p:contentPart p14:bwMode="auto" r:id="rId54">
+              <p14:nvContentPartPr>
+                <p14:cNvPr id="40" name="Ink 39">
+                  <a:extLst>
+                    <a:ext uri="{FF2B5EF4-FFF2-40B4-BE49-F238E27FC236}">
+                      <a16:creationId xmlns:a16="http://schemas.microsoft.com/office/drawing/2014/main" id="{C520C1B7-F26E-478C-9B6B-B745A2B4B839}"/>
+                    </a:ext>
+                  </a:extLst>
+                </p14:cNvPr>
+                <p14:cNvContentPartPr/>
+                <p14:nvPr/>
+              </p14:nvContentPartPr>
+              <p14:xfrm>
+                <a:off x="4889809" y="3125779"/>
+                <a:ext cx="103680" cy="229680"/>
+              </p14:xfrm>
+            </p:contentPart>
+          </mc:Choice>
+          <mc:Fallback>
+            <p:pic>
+              <p:nvPicPr>
+                <p:cNvPr id="40" name="Ink 39">
+                  <a:extLst>
+                    <a:ext uri="{FF2B5EF4-FFF2-40B4-BE49-F238E27FC236}">
+                      <a16:creationId xmlns:a16="http://schemas.microsoft.com/office/drawing/2014/main" id="{C520C1B7-F26E-478C-9B6B-B745A2B4B839}"/>
+                    </a:ext>
+                  </a:extLst>
+                </p:cNvPr>
+                <p:cNvPicPr/>
+                <p:nvPr/>
+              </p:nvPicPr>
+              <p:blipFill>
+                <a:blip r:embed="rId55"/>
+                <a:stretch>
+                  <a:fillRect/>
+                </a:stretch>
+              </p:blipFill>
+              <p:spPr>
+                <a:xfrm>
+                  <a:off x="4881169" y="3116779"/>
+                  <a:ext cx="121320" cy="247320"/>
+                </a:xfrm>
+                <a:prstGeom prst="rect">
+                  <a:avLst/>
+                </a:prstGeom>
+              </p:spPr>
+            </p:pic>
+          </mc:Fallback>
+        </mc:AlternateContent>
+        <mc:AlternateContent xmlns:mc="http://schemas.openxmlformats.org/markup-compatibility/2006">
+          <mc:Choice xmlns:p14="http://schemas.microsoft.com/office/powerpoint/2010/main" Requires="p14">
+            <p:contentPart p14:bwMode="auto" r:id="rId56">
+              <p14:nvContentPartPr>
+                <p14:cNvPr id="41" name="Ink 40">
+                  <a:extLst>
+                    <a:ext uri="{FF2B5EF4-FFF2-40B4-BE49-F238E27FC236}">
+                      <a16:creationId xmlns:a16="http://schemas.microsoft.com/office/drawing/2014/main" id="{2F2DB84F-90E0-413B-A4E4-542DCF5ED664}"/>
+                    </a:ext>
+                  </a:extLst>
+                </p14:cNvPr>
+                <p14:cNvContentPartPr/>
+                <p14:nvPr/>
+              </p14:nvContentPartPr>
+              <p14:xfrm>
+                <a:off x="5030569" y="3266899"/>
+                <a:ext cx="78480" cy="101160"/>
+              </p14:xfrm>
+            </p:contentPart>
+          </mc:Choice>
+          <mc:Fallback>
+            <p:pic>
+              <p:nvPicPr>
+                <p:cNvPr id="41" name="Ink 40">
+                  <a:extLst>
+                    <a:ext uri="{FF2B5EF4-FFF2-40B4-BE49-F238E27FC236}">
+                      <a16:creationId xmlns:a16="http://schemas.microsoft.com/office/drawing/2014/main" id="{2F2DB84F-90E0-413B-A4E4-542DCF5ED664}"/>
+                    </a:ext>
+                  </a:extLst>
+                </p:cNvPr>
+                <p:cNvPicPr/>
+                <p:nvPr/>
+              </p:nvPicPr>
+              <p:blipFill>
+                <a:blip r:embed="rId57"/>
+                <a:stretch>
+                  <a:fillRect/>
+                </a:stretch>
+              </p:blipFill>
+              <p:spPr>
+                <a:xfrm>
+                  <a:off x="5021569" y="3257899"/>
+                  <a:ext cx="96120" cy="118800"/>
+                </a:xfrm>
+                <a:prstGeom prst="rect">
+                  <a:avLst/>
+                </a:prstGeom>
+              </p:spPr>
+            </p:pic>
+          </mc:Fallback>
+        </mc:AlternateContent>
+        <mc:AlternateContent xmlns:mc="http://schemas.openxmlformats.org/markup-compatibility/2006">
+          <mc:Choice xmlns:p14="http://schemas.microsoft.com/office/powerpoint/2010/main" Requires="p14">
+            <p:contentPart p14:bwMode="auto" r:id="rId58">
+              <p14:nvContentPartPr>
+                <p14:cNvPr id="42" name="Ink 41">
+                  <a:extLst>
+                    <a:ext uri="{FF2B5EF4-FFF2-40B4-BE49-F238E27FC236}">
+                      <a16:creationId xmlns:a16="http://schemas.microsoft.com/office/drawing/2014/main" id="{AE8D364A-43F7-4070-A292-7525E5D4F53B}"/>
+                    </a:ext>
+                  </a:extLst>
+                </p14:cNvPr>
+                <p14:cNvContentPartPr/>
+                <p14:nvPr/>
+              </p14:nvContentPartPr>
+              <p14:xfrm>
+                <a:off x="5127049" y="3271579"/>
+                <a:ext cx="97920" cy="91800"/>
+              </p14:xfrm>
+            </p:contentPart>
+          </mc:Choice>
+          <mc:Fallback>
+            <p:pic>
+              <p:nvPicPr>
+                <p:cNvPr id="42" name="Ink 41">
+                  <a:extLst>
+                    <a:ext uri="{FF2B5EF4-FFF2-40B4-BE49-F238E27FC236}">
+                      <a16:creationId xmlns:a16="http://schemas.microsoft.com/office/drawing/2014/main" id="{AE8D364A-43F7-4070-A292-7525E5D4F53B}"/>
+                    </a:ext>
+                  </a:extLst>
+                </p:cNvPr>
+                <p:cNvPicPr/>
+                <p:nvPr/>
+              </p:nvPicPr>
+              <p:blipFill>
+                <a:blip r:embed="rId59"/>
+                <a:stretch>
+                  <a:fillRect/>
+                </a:stretch>
+              </p:blipFill>
+              <p:spPr>
+                <a:xfrm>
+                  <a:off x="5118049" y="3262579"/>
+                  <a:ext cx="115560" cy="109440"/>
+                </a:xfrm>
+                <a:prstGeom prst="rect">
+                  <a:avLst/>
+                </a:prstGeom>
+              </p:spPr>
+            </p:pic>
+          </mc:Fallback>
+        </mc:AlternateContent>
+        <mc:AlternateContent xmlns:mc="http://schemas.openxmlformats.org/markup-compatibility/2006">
+          <mc:Choice xmlns:p14="http://schemas.microsoft.com/office/powerpoint/2010/main" Requires="p14">
+            <p:contentPart p14:bwMode="auto" r:id="rId60">
+              <p14:nvContentPartPr>
+                <p14:cNvPr id="43" name="Ink 42">
+                  <a:extLst>
+                    <a:ext uri="{FF2B5EF4-FFF2-40B4-BE49-F238E27FC236}">
+                      <a16:creationId xmlns:a16="http://schemas.microsoft.com/office/drawing/2014/main" id="{774BD91B-58A2-42E5-A515-6551E11BE86D}"/>
+                    </a:ext>
+                  </a:extLst>
+                </p14:cNvPr>
+                <p14:cNvContentPartPr/>
+                <p14:nvPr/>
+              </p14:nvContentPartPr>
+              <p14:xfrm>
+                <a:off x="5233609" y="3285619"/>
+                <a:ext cx="88920" cy="81720"/>
+              </p14:xfrm>
+            </p:contentPart>
+          </mc:Choice>
+          <mc:Fallback>
+            <p:pic>
+              <p:nvPicPr>
+                <p:cNvPr id="43" name="Ink 42">
+                  <a:extLst>
+                    <a:ext uri="{FF2B5EF4-FFF2-40B4-BE49-F238E27FC236}">
+                      <a16:creationId xmlns:a16="http://schemas.microsoft.com/office/drawing/2014/main" id="{774BD91B-58A2-42E5-A515-6551E11BE86D}"/>
+                    </a:ext>
+                  </a:extLst>
+                </p:cNvPr>
+                <p:cNvPicPr/>
+                <p:nvPr/>
+              </p:nvPicPr>
+              <p:blipFill>
+                <a:blip r:embed="rId61"/>
+                <a:stretch>
+                  <a:fillRect/>
+                </a:stretch>
+              </p:blipFill>
+              <p:spPr>
+                <a:xfrm>
+                  <a:off x="5224609" y="3276979"/>
+                  <a:ext cx="106560" cy="99360"/>
+                </a:xfrm>
+                <a:prstGeom prst="rect">
+                  <a:avLst/>
+                </a:prstGeom>
+              </p:spPr>
+            </p:pic>
+          </mc:Fallback>
+        </mc:AlternateContent>
+      </p:grpSp>
+      <mc:AlternateContent xmlns:mc="http://schemas.openxmlformats.org/markup-compatibility/2006">
+        <mc:Choice xmlns:p14="http://schemas.microsoft.com/office/powerpoint/2010/main" Requires="p14">
+          <p:contentPart p14:bwMode="auto" r:id="rId62">
+            <p14:nvContentPartPr>
+              <p14:cNvPr id="45" name="Ink 44">
+                <a:extLst>
+                  <a:ext uri="{FF2B5EF4-FFF2-40B4-BE49-F238E27FC236}">
+                    <a16:creationId xmlns:a16="http://schemas.microsoft.com/office/drawing/2014/main" id="{1CC0245E-AC50-4EEC-83D8-5646C48980E2}"/>
+                  </a:ext>
+                </a:extLst>
+              </p14:cNvPr>
+              <p14:cNvContentPartPr/>
+              <p14:nvPr/>
+            </p14:nvContentPartPr>
+            <p14:xfrm>
+              <a:off x="5526289" y="3157099"/>
+              <a:ext cx="150840" cy="155160"/>
+            </p14:xfrm>
+          </p:contentPart>
+        </mc:Choice>
+        <mc:Fallback>
+          <p:pic>
+            <p:nvPicPr>
+              <p:cNvPr id="45" name="Ink 44">
+                <a:extLst>
+                  <a:ext uri="{FF2B5EF4-FFF2-40B4-BE49-F238E27FC236}">
+                    <a16:creationId xmlns:a16="http://schemas.microsoft.com/office/drawing/2014/main" id="{1CC0245E-AC50-4EEC-83D8-5646C48980E2}"/>
+                  </a:ext>
+                </a:extLst>
+              </p:cNvPr>
+              <p:cNvPicPr/>
+              <p:nvPr/>
+            </p:nvPicPr>
+            <p:blipFill>
+              <a:blip r:embed="rId63"/>
+              <a:stretch>
+                <a:fillRect/>
+              </a:stretch>
+            </p:blipFill>
+            <p:spPr>
+              <a:xfrm>
+                <a:off x="5517289" y="3148459"/>
+                <a:ext cx="168480" cy="172800"/>
+              </a:xfrm>
+              <a:prstGeom prst="rect">
+                <a:avLst/>
+              </a:prstGeom>
+            </p:spPr>
+          </p:pic>
+        </mc:Fallback>
+      </mc:AlternateContent>
+      <p:grpSp>
+        <p:nvGrpSpPr>
+          <p:cNvPr id="55" name="Group 54">
+            <a:extLst>
+              <a:ext uri="{FF2B5EF4-FFF2-40B4-BE49-F238E27FC236}">
+                <a16:creationId xmlns:a16="http://schemas.microsoft.com/office/drawing/2014/main" id="{444AD932-3EBD-4DAC-9D01-AF8B66E4BA2E}"/>
+              </a:ext>
+            </a:extLst>
+          </p:cNvPr>
+          <p:cNvGrpSpPr/>
+          <p:nvPr/>
+        </p:nvGrpSpPr>
+        <p:grpSpPr>
+          <a:xfrm>
+            <a:off x="6005449" y="2993299"/>
+            <a:ext cx="1283040" cy="271440"/>
+            <a:chOff x="6005449" y="2993299"/>
+            <a:chExt cx="1283040" cy="271440"/>
+          </a:xfrm>
+        </p:grpSpPr>
+        <mc:AlternateContent xmlns:mc="http://schemas.openxmlformats.org/markup-compatibility/2006">
+          <mc:Choice xmlns:p14="http://schemas.microsoft.com/office/powerpoint/2010/main" Requires="p14">
+            <p:contentPart p14:bwMode="auto" r:id="rId64">
+              <p14:nvContentPartPr>
+                <p14:cNvPr id="46" name="Ink 45">
+                  <a:extLst>
+                    <a:ext uri="{FF2B5EF4-FFF2-40B4-BE49-F238E27FC236}">
+                      <a16:creationId xmlns:a16="http://schemas.microsoft.com/office/drawing/2014/main" id="{4292AE39-F772-4083-ACB9-E7113EAED45D}"/>
+                    </a:ext>
+                  </a:extLst>
+                </p14:cNvPr>
+                <p14:cNvContentPartPr/>
+                <p14:nvPr/>
+              </p14:nvContentPartPr>
+              <p14:xfrm>
+                <a:off x="6005449" y="3036139"/>
+                <a:ext cx="94320" cy="204840"/>
+              </p14:xfrm>
+            </p:contentPart>
+          </mc:Choice>
+          <mc:Fallback>
+            <p:pic>
+              <p:nvPicPr>
+                <p:cNvPr id="46" name="Ink 45">
+                  <a:extLst>
+                    <a:ext uri="{FF2B5EF4-FFF2-40B4-BE49-F238E27FC236}">
+                      <a16:creationId xmlns:a16="http://schemas.microsoft.com/office/drawing/2014/main" id="{4292AE39-F772-4083-ACB9-E7113EAED45D}"/>
+                    </a:ext>
+                  </a:extLst>
+                </p:cNvPr>
+                <p:cNvPicPr/>
+                <p:nvPr/>
+              </p:nvPicPr>
+              <p:blipFill>
+                <a:blip r:embed="rId65"/>
+                <a:stretch>
+                  <a:fillRect/>
+                </a:stretch>
+              </p:blipFill>
+              <p:spPr>
+                <a:xfrm>
+                  <a:off x="5996809" y="3027139"/>
+                  <a:ext cx="111960" cy="222480"/>
+                </a:xfrm>
+                <a:prstGeom prst="rect">
+                  <a:avLst/>
+                </a:prstGeom>
+              </p:spPr>
+            </p:pic>
+          </mc:Fallback>
+        </mc:AlternateContent>
+        <mc:AlternateContent xmlns:mc="http://schemas.openxmlformats.org/markup-compatibility/2006">
+          <mc:Choice xmlns:p14="http://schemas.microsoft.com/office/powerpoint/2010/main" Requires="p14">
+            <p:contentPart p14:bwMode="auto" r:id="rId66">
+              <p14:nvContentPartPr>
+                <p14:cNvPr id="47" name="Ink 46">
+                  <a:extLst>
+                    <a:ext uri="{FF2B5EF4-FFF2-40B4-BE49-F238E27FC236}">
+                      <a16:creationId xmlns:a16="http://schemas.microsoft.com/office/drawing/2014/main" id="{3CD026E3-02EA-4D11-9275-3678A135E30E}"/>
+                    </a:ext>
+                  </a:extLst>
+                </p14:cNvPr>
+                <p14:cNvContentPartPr/>
+                <p14:nvPr/>
+              </p14:nvContentPartPr>
+              <p14:xfrm>
+                <a:off x="6139729" y="3073579"/>
+                <a:ext cx="78840" cy="157320"/>
+              </p14:xfrm>
+            </p:contentPart>
+          </mc:Choice>
+          <mc:Fallback>
+            <p:pic>
+              <p:nvPicPr>
+                <p:cNvPr id="47" name="Ink 46">
+                  <a:extLst>
+                    <a:ext uri="{FF2B5EF4-FFF2-40B4-BE49-F238E27FC236}">
+                      <a16:creationId xmlns:a16="http://schemas.microsoft.com/office/drawing/2014/main" id="{3CD026E3-02EA-4D11-9275-3678A135E30E}"/>
+                    </a:ext>
+                  </a:extLst>
+                </p:cNvPr>
+                <p:cNvPicPr/>
+                <p:nvPr/>
+              </p:nvPicPr>
+              <p:blipFill>
+                <a:blip r:embed="rId67"/>
+                <a:stretch>
+                  <a:fillRect/>
+                </a:stretch>
+              </p:blipFill>
+              <p:spPr>
+                <a:xfrm>
+                  <a:off x="6130729" y="3064939"/>
+                  <a:ext cx="96480" cy="174960"/>
+                </a:xfrm>
+                <a:prstGeom prst="rect">
+                  <a:avLst/>
+                </a:prstGeom>
+              </p:spPr>
+            </p:pic>
+          </mc:Fallback>
+        </mc:AlternateContent>
+        <mc:AlternateContent xmlns:mc="http://schemas.openxmlformats.org/markup-compatibility/2006">
+          <mc:Choice xmlns:p14="http://schemas.microsoft.com/office/powerpoint/2010/main" Requires="p14">
+            <p:contentPart p14:bwMode="auto" r:id="rId68">
+              <p14:nvContentPartPr>
+                <p14:cNvPr id="48" name="Ink 47">
+                  <a:extLst>
+                    <a:ext uri="{FF2B5EF4-FFF2-40B4-BE49-F238E27FC236}">
+                      <a16:creationId xmlns:a16="http://schemas.microsoft.com/office/drawing/2014/main" id="{57117BB8-1040-4C36-973E-AFD1F12AA4DC}"/>
+                    </a:ext>
+                  </a:extLst>
+                </p14:cNvPr>
+                <p14:cNvContentPartPr/>
+                <p14:nvPr/>
+              </p14:nvContentPartPr>
+              <p14:xfrm>
+                <a:off x="6274729" y="3122899"/>
+                <a:ext cx="183240" cy="127080"/>
+              </p14:xfrm>
+            </p:contentPart>
+          </mc:Choice>
+          <mc:Fallback>
+            <p:pic>
+              <p:nvPicPr>
+                <p:cNvPr id="48" name="Ink 47">
+                  <a:extLst>
+                    <a:ext uri="{FF2B5EF4-FFF2-40B4-BE49-F238E27FC236}">
+                      <a16:creationId xmlns:a16="http://schemas.microsoft.com/office/drawing/2014/main" id="{57117BB8-1040-4C36-973E-AFD1F12AA4DC}"/>
+                    </a:ext>
+                  </a:extLst>
+                </p:cNvPr>
+                <p:cNvPicPr/>
+                <p:nvPr/>
+              </p:nvPicPr>
+              <p:blipFill>
+                <a:blip r:embed="rId69"/>
+                <a:stretch>
+                  <a:fillRect/>
+                </a:stretch>
+              </p:blipFill>
+              <p:spPr>
+                <a:xfrm>
+                  <a:off x="6266089" y="3114259"/>
+                  <a:ext cx="200880" cy="144720"/>
+                </a:xfrm>
+                <a:prstGeom prst="rect">
+                  <a:avLst/>
+                </a:prstGeom>
+              </p:spPr>
+            </p:pic>
+          </mc:Fallback>
+        </mc:AlternateContent>
+        <mc:AlternateContent xmlns:mc="http://schemas.openxmlformats.org/markup-compatibility/2006">
+          <mc:Choice xmlns:p14="http://schemas.microsoft.com/office/powerpoint/2010/main" Requires="p14">
+            <p:contentPart p14:bwMode="auto" r:id="rId70">
+              <p14:nvContentPartPr>
+                <p14:cNvPr id="49" name="Ink 48">
+                  <a:extLst>
+                    <a:ext uri="{FF2B5EF4-FFF2-40B4-BE49-F238E27FC236}">
+                      <a16:creationId xmlns:a16="http://schemas.microsoft.com/office/drawing/2014/main" id="{C0DE722D-AEB2-4E16-9842-FF8839A65463}"/>
+                    </a:ext>
+                  </a:extLst>
+                </p14:cNvPr>
+                <p14:cNvContentPartPr/>
+                <p14:nvPr/>
+              </p14:nvContentPartPr>
+              <p14:xfrm>
+                <a:off x="6483889" y="3013819"/>
+                <a:ext cx="115920" cy="250920"/>
+              </p14:xfrm>
+            </p:contentPart>
+          </mc:Choice>
+          <mc:Fallback>
+            <p:pic>
+              <p:nvPicPr>
+                <p:cNvPr id="49" name="Ink 48">
+                  <a:extLst>
+                    <a:ext uri="{FF2B5EF4-FFF2-40B4-BE49-F238E27FC236}">
+                      <a16:creationId xmlns:a16="http://schemas.microsoft.com/office/drawing/2014/main" id="{C0DE722D-AEB2-4E16-9842-FF8839A65463}"/>
+                    </a:ext>
+                  </a:extLst>
+                </p:cNvPr>
+                <p:cNvPicPr/>
+                <p:nvPr/>
+              </p:nvPicPr>
+              <p:blipFill>
+                <a:blip r:embed="rId71"/>
+                <a:stretch>
+                  <a:fillRect/>
+                </a:stretch>
+              </p:blipFill>
+              <p:spPr>
+                <a:xfrm>
+                  <a:off x="6474889" y="3004819"/>
+                  <a:ext cx="133560" cy="268560"/>
+                </a:xfrm>
+                <a:prstGeom prst="rect">
+                  <a:avLst/>
+                </a:prstGeom>
+              </p:spPr>
+            </p:pic>
+          </mc:Fallback>
+        </mc:AlternateContent>
+        <mc:AlternateContent xmlns:mc="http://schemas.openxmlformats.org/markup-compatibility/2006">
+          <mc:Choice xmlns:p14="http://schemas.microsoft.com/office/powerpoint/2010/main" Requires="p14">
+            <p:contentPart p14:bwMode="auto" r:id="rId72">
+              <p14:nvContentPartPr>
+                <p14:cNvPr id="50" name="Ink 49">
+                  <a:extLst>
+                    <a:ext uri="{FF2B5EF4-FFF2-40B4-BE49-F238E27FC236}">
+                      <a16:creationId xmlns:a16="http://schemas.microsoft.com/office/drawing/2014/main" id="{03A655A8-BF40-4B4F-9F46-0026275E6D51}"/>
+                    </a:ext>
+                  </a:extLst>
+                </p14:cNvPr>
+                <p14:cNvContentPartPr/>
+                <p14:nvPr/>
+              </p14:nvContentPartPr>
+              <p14:xfrm>
+                <a:off x="6599089" y="3123259"/>
+                <a:ext cx="126360" cy="99000"/>
+              </p14:xfrm>
+            </p:contentPart>
+          </mc:Choice>
+          <mc:Fallback>
+            <p:pic>
+              <p:nvPicPr>
+                <p:cNvPr id="50" name="Ink 49">
+                  <a:extLst>
+                    <a:ext uri="{FF2B5EF4-FFF2-40B4-BE49-F238E27FC236}">
+                      <a16:creationId xmlns:a16="http://schemas.microsoft.com/office/drawing/2014/main" id="{03A655A8-BF40-4B4F-9F46-0026275E6D51}"/>
+                    </a:ext>
+                  </a:extLst>
+                </p:cNvPr>
+                <p:cNvPicPr/>
+                <p:nvPr/>
+              </p:nvPicPr>
+              <p:blipFill>
+                <a:blip r:embed="rId73"/>
+                <a:stretch>
+                  <a:fillRect/>
+                </a:stretch>
+              </p:blipFill>
+              <p:spPr>
+                <a:xfrm>
+                  <a:off x="6590449" y="3114619"/>
+                  <a:ext cx="144000" cy="116640"/>
+                </a:xfrm>
+                <a:prstGeom prst="rect">
+                  <a:avLst/>
+                </a:prstGeom>
+              </p:spPr>
+            </p:pic>
+          </mc:Fallback>
+        </mc:AlternateContent>
+        <mc:AlternateContent xmlns:mc="http://schemas.openxmlformats.org/markup-compatibility/2006">
+          <mc:Choice xmlns:p14="http://schemas.microsoft.com/office/powerpoint/2010/main" Requires="p14">
+            <p:contentPart p14:bwMode="auto" r:id="rId74">
+              <p14:nvContentPartPr>
+                <p14:cNvPr id="51" name="Ink 50">
+                  <a:extLst>
+                    <a:ext uri="{FF2B5EF4-FFF2-40B4-BE49-F238E27FC236}">
+                      <a16:creationId xmlns:a16="http://schemas.microsoft.com/office/drawing/2014/main" id="{4E07CB38-186D-4CB8-A6E2-D12079AD7934}"/>
+                    </a:ext>
+                  </a:extLst>
+                </p14:cNvPr>
+                <p14:cNvContentPartPr/>
+                <p14:nvPr/>
+              </p14:nvContentPartPr>
+              <p14:xfrm>
+                <a:off x="6819409" y="3091219"/>
+                <a:ext cx="121680" cy="124200"/>
+              </p14:xfrm>
+            </p:contentPart>
+          </mc:Choice>
+          <mc:Fallback>
+            <p:pic>
+              <p:nvPicPr>
+                <p:cNvPr id="51" name="Ink 50">
+                  <a:extLst>
+                    <a:ext uri="{FF2B5EF4-FFF2-40B4-BE49-F238E27FC236}">
+                      <a16:creationId xmlns:a16="http://schemas.microsoft.com/office/drawing/2014/main" id="{4E07CB38-186D-4CB8-A6E2-D12079AD7934}"/>
+                    </a:ext>
+                  </a:extLst>
+                </p:cNvPr>
+                <p:cNvPicPr/>
+                <p:nvPr/>
+              </p:nvPicPr>
+              <p:blipFill>
+                <a:blip r:embed="rId75"/>
+                <a:stretch>
+                  <a:fillRect/>
+                </a:stretch>
+              </p:blipFill>
+              <p:spPr>
+                <a:xfrm>
+                  <a:off x="6810769" y="3082579"/>
+                  <a:ext cx="139320" cy="141840"/>
+                </a:xfrm>
+                <a:prstGeom prst="rect">
+                  <a:avLst/>
+                </a:prstGeom>
+              </p:spPr>
+            </p:pic>
+          </mc:Fallback>
+        </mc:AlternateContent>
+        <mc:AlternateContent xmlns:mc="http://schemas.openxmlformats.org/markup-compatibility/2006">
+          <mc:Choice xmlns:p14="http://schemas.microsoft.com/office/powerpoint/2010/main" Requires="p14">
+            <p:contentPart p14:bwMode="auto" r:id="rId76">
+              <p14:nvContentPartPr>
+                <p14:cNvPr id="52" name="Ink 51">
+                  <a:extLst>
+                    <a:ext uri="{FF2B5EF4-FFF2-40B4-BE49-F238E27FC236}">
+                      <a16:creationId xmlns:a16="http://schemas.microsoft.com/office/drawing/2014/main" id="{3CACF189-E57E-4C16-910E-330C7C8A3963}"/>
+                    </a:ext>
+                  </a:extLst>
+                </p14:cNvPr>
+                <p14:cNvContentPartPr/>
+                <p14:nvPr/>
+              </p14:nvContentPartPr>
+              <p14:xfrm>
+                <a:off x="7014169" y="2993299"/>
+                <a:ext cx="34200" cy="247320"/>
+              </p14:xfrm>
+            </p:contentPart>
+          </mc:Choice>
+          <mc:Fallback>
+            <p:pic>
+              <p:nvPicPr>
+                <p:cNvPr id="52" name="Ink 51">
+                  <a:extLst>
+                    <a:ext uri="{FF2B5EF4-FFF2-40B4-BE49-F238E27FC236}">
+                      <a16:creationId xmlns:a16="http://schemas.microsoft.com/office/drawing/2014/main" id="{3CACF189-E57E-4C16-910E-330C7C8A3963}"/>
+                    </a:ext>
+                  </a:extLst>
+                </p:cNvPr>
+                <p:cNvPicPr/>
+                <p:nvPr/>
+              </p:nvPicPr>
+              <p:blipFill>
+                <a:blip r:embed="rId77"/>
+                <a:stretch>
+                  <a:fillRect/>
+                </a:stretch>
+              </p:blipFill>
+              <p:spPr>
+                <a:xfrm>
+                  <a:off x="7005169" y="2984299"/>
+                  <a:ext cx="51840" cy="264960"/>
+                </a:xfrm>
+                <a:prstGeom prst="rect">
+                  <a:avLst/>
+                </a:prstGeom>
+              </p:spPr>
+            </p:pic>
+          </mc:Fallback>
+        </mc:AlternateContent>
+        <mc:AlternateContent xmlns:mc="http://schemas.openxmlformats.org/markup-compatibility/2006">
+          <mc:Choice xmlns:p14="http://schemas.microsoft.com/office/powerpoint/2010/main" Requires="p14">
+            <p:contentPart p14:bwMode="auto" r:id="rId78">
+              <p14:nvContentPartPr>
+                <p14:cNvPr id="53" name="Ink 52">
+                  <a:extLst>
+                    <a:ext uri="{FF2B5EF4-FFF2-40B4-BE49-F238E27FC236}">
+                      <a16:creationId xmlns:a16="http://schemas.microsoft.com/office/drawing/2014/main" id="{21EFE2E8-F699-43B9-B00D-0A130D62185E}"/>
+                    </a:ext>
+                  </a:extLst>
+                </p14:cNvPr>
+                <p14:cNvContentPartPr/>
+                <p14:nvPr/>
+              </p14:nvContentPartPr>
+              <p14:xfrm>
+                <a:off x="6940369" y="3066379"/>
+                <a:ext cx="247320" cy="104400"/>
+              </p14:xfrm>
+            </p:contentPart>
+          </mc:Choice>
+          <mc:Fallback>
+            <p:pic>
+              <p:nvPicPr>
+                <p:cNvPr id="53" name="Ink 52">
+                  <a:extLst>
+                    <a:ext uri="{FF2B5EF4-FFF2-40B4-BE49-F238E27FC236}">
+                      <a16:creationId xmlns:a16="http://schemas.microsoft.com/office/drawing/2014/main" id="{21EFE2E8-F699-43B9-B00D-0A130D62185E}"/>
+                    </a:ext>
+                  </a:extLst>
+                </p:cNvPr>
+                <p:cNvPicPr/>
+                <p:nvPr/>
+              </p:nvPicPr>
+              <p:blipFill>
+                <a:blip r:embed="rId79"/>
+                <a:stretch>
+                  <a:fillRect/>
+                </a:stretch>
+              </p:blipFill>
+              <p:spPr>
+                <a:xfrm>
+                  <a:off x="6931369" y="3057379"/>
+                  <a:ext cx="264960" cy="122040"/>
+                </a:xfrm>
+                <a:prstGeom prst="rect">
+                  <a:avLst/>
+                </a:prstGeom>
+              </p:spPr>
+            </p:pic>
+          </mc:Fallback>
+        </mc:AlternateContent>
+        <mc:AlternateContent xmlns:mc="http://schemas.openxmlformats.org/markup-compatibility/2006">
+          <mc:Choice xmlns:p14="http://schemas.microsoft.com/office/powerpoint/2010/main" Requires="p14">
+            <p:contentPart p14:bwMode="auto" r:id="rId80">
+              <p14:nvContentPartPr>
+                <p14:cNvPr id="54" name="Ink 53">
+                  <a:extLst>
+                    <a:ext uri="{FF2B5EF4-FFF2-40B4-BE49-F238E27FC236}">
+                      <a16:creationId xmlns:a16="http://schemas.microsoft.com/office/drawing/2014/main" id="{7B9BF665-FA11-4742-9568-A31BBEBDD92F}"/>
+                    </a:ext>
+                  </a:extLst>
+                </p14:cNvPr>
+                <p14:cNvContentPartPr/>
+                <p14:nvPr/>
+              </p14:nvContentPartPr>
+              <p14:xfrm>
+                <a:off x="7229089" y="3087619"/>
+                <a:ext cx="59400" cy="117720"/>
+              </p14:xfrm>
+            </p:contentPart>
+          </mc:Choice>
+          <mc:Fallback>
+            <p:pic>
+              <p:nvPicPr>
+                <p:cNvPr id="54" name="Ink 53">
+                  <a:extLst>
+                    <a:ext uri="{FF2B5EF4-FFF2-40B4-BE49-F238E27FC236}">
+                      <a16:creationId xmlns:a16="http://schemas.microsoft.com/office/drawing/2014/main" id="{7B9BF665-FA11-4742-9568-A31BBEBDD92F}"/>
+                    </a:ext>
+                  </a:extLst>
+                </p:cNvPr>
+                <p:cNvPicPr/>
+                <p:nvPr/>
+              </p:nvPicPr>
+              <p:blipFill>
+                <a:blip r:embed="rId81"/>
+                <a:stretch>
+                  <a:fillRect/>
+                </a:stretch>
+              </p:blipFill>
+              <p:spPr>
+                <a:xfrm>
+                  <a:off x="7220449" y="3078619"/>
+                  <a:ext cx="77040" cy="135360"/>
+                </a:xfrm>
+                <a:prstGeom prst="rect">
+                  <a:avLst/>
+                </a:prstGeom>
+              </p:spPr>
+            </p:pic>
+          </mc:Fallback>
+        </mc:AlternateContent>
+      </p:grpSp>
     </p:spTree>
     <p:extLst>
       <p:ext uri="{BB962C8B-B14F-4D97-AF65-F5344CB8AC3E}">
